--- a/宣道詩/(宣道詩285)耶穌復生.pptx
+++ b/宣道詩/(宣道詩285)耶穌復生.pptx
@@ -2,16 +2,22 @@
 <file path=ppt/presentation.xml><?xml version="1.0" encoding="utf-8"?>
 <p:presentation xmlns:a="http://schemas.openxmlformats.org/drawingml/2006/main" xmlns:r="http://schemas.openxmlformats.org/officeDocument/2006/relationships" xmlns:p="http://schemas.openxmlformats.org/presentationml/2006/main" saveSubsetFonts="1">
   <p:sldMasterIdLst>
-    <p:sldMasterId id="2147483648" r:id="rId1"/>
+    <p:sldMasterId id="2147483660" r:id="rId1"/>
   </p:sldMasterIdLst>
   <p:sldIdLst>
-    <p:sldId id="257" r:id="rId2"/>
-    <p:sldId id="258" r:id="rId3"/>
-    <p:sldId id="259" r:id="rId4"/>
-    <p:sldId id="260" r:id="rId5"/>
-    <p:sldId id="261" r:id="rId6"/>
+    <p:sldId id="262" r:id="rId2"/>
+    <p:sldId id="263" r:id="rId3"/>
+    <p:sldId id="264" r:id="rId4"/>
+    <p:sldId id="265" r:id="rId5"/>
+    <p:sldId id="266" r:id="rId6"/>
+    <p:sldId id="267" r:id="rId7"/>
+    <p:sldId id="268" r:id="rId8"/>
+    <p:sldId id="269" r:id="rId9"/>
+    <p:sldId id="270" r:id="rId10"/>
+    <p:sldId id="271" r:id="rId11"/>
+    <p:sldId id="272" r:id="rId12"/>
   </p:sldIdLst>
-  <p:sldSz cx="9144000" cy="6858000" type="screen4x3"/>
+  <p:sldSz cx="12192000" cy="6858000"/>
   <p:notesSz cx="6858000" cy="9144000"/>
   <p:defaultTextStyle>
     <a:defPPr>
@@ -108,6 +114,22 @@
       </a:defRPr>
     </a:lvl9pPr>
   </p:defaultTextStyle>
+  <p:extLst>
+    <p:ext uri="{EFAFB233-063F-42B5-8137-9DF3F51BA10A}">
+      <p15:sldGuideLst xmlns:p15="http://schemas.microsoft.com/office/powerpoint/2012/main">
+        <p15:guide id="1" orient="horz" pos="2160" userDrawn="1">
+          <p15:clr>
+            <a:srgbClr val="A4A3A4"/>
+          </p15:clr>
+        </p15:guide>
+        <p15:guide id="2" pos="3840" userDrawn="1">
+          <p15:clr>
+            <a:srgbClr val="A4A3A4"/>
+          </p15:clr>
+        </p15:guide>
+      </p15:sldGuideLst>
+    </p:ext>
+  </p:extLst>
 </p:presentation>
 </file>
 
@@ -140,8 +162,8 @@
         </p:nvSpPr>
         <p:spPr>
           <a:xfrm>
-            <a:off x="685800" y="2130425"/>
-            <a:ext cx="7772400" cy="1470025"/>
+            <a:off x="914400" y="2130428"/>
+            <a:ext cx="10363200" cy="1470025"/>
           </a:xfrm>
         </p:spPr>
         <p:txBody>
@@ -149,8 +171,8 @@
           <a:lstStyle/>
           <a:p>
             <a:r>
-              <a:rPr lang="zh-TW" altLang="en-US" smtClean="0"/>
-              <a:t>按一下以編輯母片標題樣式</a:t>
+              <a:rPr lang="en-US" altLang="zh-TW" smtClean="0"/>
+              <a:t>Click to edit Master title style</a:t>
             </a:r>
             <a:endParaRPr lang="zh-TW" altLang="en-US"/>
           </a:p>
@@ -168,8 +190,8 @@
         </p:nvSpPr>
         <p:spPr>
           <a:xfrm>
-            <a:off x="1371600" y="3886200"/>
-            <a:ext cx="6400800" cy="1752600"/>
+            <a:off x="1828800" y="3886200"/>
+            <a:ext cx="8534400" cy="1752600"/>
           </a:xfrm>
         </p:spPr>
         <p:txBody>
@@ -185,7 +207,7 @@
                 </a:solidFill>
               </a:defRPr>
             </a:lvl1pPr>
-            <a:lvl2pPr marL="457200" indent="0" algn="ctr">
+            <a:lvl2pPr marL="609585" indent="0" algn="ctr">
               <a:buNone/>
               <a:defRPr>
                 <a:solidFill>
@@ -195,7 +217,7 @@
                 </a:solidFill>
               </a:defRPr>
             </a:lvl2pPr>
-            <a:lvl3pPr marL="914400" indent="0" algn="ctr">
+            <a:lvl3pPr marL="1219170" indent="0" algn="ctr">
               <a:buNone/>
               <a:defRPr>
                 <a:solidFill>
@@ -205,7 +227,7 @@
                 </a:solidFill>
               </a:defRPr>
             </a:lvl3pPr>
-            <a:lvl4pPr marL="1371600" indent="0" algn="ctr">
+            <a:lvl4pPr marL="1828754" indent="0" algn="ctr">
               <a:buNone/>
               <a:defRPr>
                 <a:solidFill>
@@ -215,7 +237,7 @@
                 </a:solidFill>
               </a:defRPr>
             </a:lvl4pPr>
-            <a:lvl5pPr marL="1828800" indent="0" algn="ctr">
+            <a:lvl5pPr marL="2438339" indent="0" algn="ctr">
               <a:buNone/>
               <a:defRPr>
                 <a:solidFill>
@@ -225,7 +247,7 @@
                 </a:solidFill>
               </a:defRPr>
             </a:lvl5pPr>
-            <a:lvl6pPr marL="2286000" indent="0" algn="ctr">
+            <a:lvl6pPr marL="3047924" indent="0" algn="ctr">
               <a:buNone/>
               <a:defRPr>
                 <a:solidFill>
@@ -235,7 +257,7 @@
                 </a:solidFill>
               </a:defRPr>
             </a:lvl6pPr>
-            <a:lvl7pPr marL="2743200" indent="0" algn="ctr">
+            <a:lvl7pPr marL="3657509" indent="0" algn="ctr">
               <a:buNone/>
               <a:defRPr>
                 <a:solidFill>
@@ -245,7 +267,7 @@
                 </a:solidFill>
               </a:defRPr>
             </a:lvl7pPr>
-            <a:lvl8pPr marL="3200400" indent="0" algn="ctr">
+            <a:lvl8pPr marL="4267093" indent="0" algn="ctr">
               <a:buNone/>
               <a:defRPr>
                 <a:solidFill>
@@ -255,7 +277,7 @@
                 </a:solidFill>
               </a:defRPr>
             </a:lvl8pPr>
-            <a:lvl9pPr marL="3657600" indent="0" algn="ctr">
+            <a:lvl9pPr marL="4876678" indent="0" algn="ctr">
               <a:buNone/>
               <a:defRPr>
                 <a:solidFill>
@@ -268,8 +290,8 @@
           </a:lstStyle>
           <a:p>
             <a:r>
-              <a:rPr lang="zh-TW" altLang="en-US" smtClean="0"/>
-              <a:t>按一下以編輯母片副標題樣式</a:t>
+              <a:rPr lang="en-US" altLang="zh-TW" smtClean="0"/>
+              <a:t>Click to edit Master subtitle style</a:t>
             </a:r>
             <a:endParaRPr lang="zh-TW" altLang="en-US"/>
           </a:p>
@@ -292,7 +314,7 @@
           <a:p>
             <a:fld id="{A65D7C68-9B15-444B-AF62-7DCFE887C5F7}" type="datetimeFigureOut">
               <a:rPr lang="zh-TW" altLang="en-US" smtClean="0"/>
-              <a:t>2019/4/7</a:t>
+              <a:t>2023/11/11</a:t>
             </a:fld>
             <a:endParaRPr lang="zh-TW" altLang="en-US"/>
           </a:p>
@@ -341,6 +363,11 @@
         </p:txBody>
       </p:sp>
     </p:spTree>
+    <p:extLst>
+      <p:ext uri="{BB962C8B-B14F-4D97-AF65-F5344CB8AC3E}">
+        <p14:creationId xmlns:p14="http://schemas.microsoft.com/office/powerpoint/2010/main" val="1875826702"/>
+      </p:ext>
+    </p:extLst>
   </p:cSld>
   <p:clrMapOvr>
     <a:masterClrMapping/>
@@ -381,8 +408,8 @@
           <a:lstStyle/>
           <a:p>
             <a:r>
-              <a:rPr lang="zh-TW" altLang="en-US" smtClean="0"/>
-              <a:t>按一下以編輯母片標題樣式</a:t>
+              <a:rPr lang="en-US" altLang="zh-TW" smtClean="0"/>
+              <a:t>Click to edit Master title style</a:t>
             </a:r>
             <a:endParaRPr lang="zh-TW" altLang="en-US"/>
           </a:p>
@@ -405,36 +432,36 @@
           <a:p>
             <a:pPr lvl="0"/>
             <a:r>
-              <a:rPr lang="zh-TW" altLang="en-US" smtClean="0"/>
-              <a:t>按一下以編輯母片文字樣式</a:t>
+              <a:rPr lang="en-US" altLang="zh-TW" smtClean="0"/>
+              <a:t>Edit Master text styles</a:t>
             </a:r>
           </a:p>
           <a:p>
             <a:pPr lvl="1"/>
             <a:r>
-              <a:rPr lang="zh-TW" altLang="en-US" smtClean="0"/>
-              <a:t>第二層</a:t>
+              <a:rPr lang="en-US" altLang="zh-TW" smtClean="0"/>
+              <a:t>Second level</a:t>
             </a:r>
           </a:p>
           <a:p>
             <a:pPr lvl="2"/>
             <a:r>
-              <a:rPr lang="zh-TW" altLang="en-US" smtClean="0"/>
-              <a:t>第三層</a:t>
+              <a:rPr lang="en-US" altLang="zh-TW" smtClean="0"/>
+              <a:t>Third level</a:t>
             </a:r>
           </a:p>
           <a:p>
             <a:pPr lvl="3"/>
             <a:r>
-              <a:rPr lang="zh-TW" altLang="en-US" smtClean="0"/>
-              <a:t>第四層</a:t>
+              <a:rPr lang="en-US" altLang="zh-TW" smtClean="0"/>
+              <a:t>Fourth level</a:t>
             </a:r>
           </a:p>
           <a:p>
             <a:pPr lvl="4"/>
             <a:r>
-              <a:rPr lang="zh-TW" altLang="en-US" smtClean="0"/>
-              <a:t>第五層</a:t>
+              <a:rPr lang="en-US" altLang="zh-TW" smtClean="0"/>
+              <a:t>Fifth level</a:t>
             </a:r>
             <a:endParaRPr lang="zh-TW" altLang="en-US"/>
           </a:p>
@@ -457,7 +484,7 @@
           <a:p>
             <a:fld id="{A65D7C68-9B15-444B-AF62-7DCFE887C5F7}" type="datetimeFigureOut">
               <a:rPr lang="zh-TW" altLang="en-US" smtClean="0"/>
-              <a:t>2019/4/7</a:t>
+              <a:t>2023/11/11</a:t>
             </a:fld>
             <a:endParaRPr lang="zh-TW" altLang="en-US"/>
           </a:p>
@@ -506,6 +533,11 @@
         </p:txBody>
       </p:sp>
     </p:spTree>
+    <p:extLst>
+      <p:ext uri="{BB962C8B-B14F-4D97-AF65-F5344CB8AC3E}">
+        <p14:creationId xmlns:p14="http://schemas.microsoft.com/office/powerpoint/2010/main" val="3339076069"/>
+      </p:ext>
+    </p:extLst>
   </p:cSld>
   <p:clrMapOvr>
     <a:masterClrMapping/>
@@ -542,8 +574,8 @@
         </p:nvSpPr>
         <p:spPr>
           <a:xfrm>
-            <a:off x="6629400" y="274638"/>
-            <a:ext cx="2057400" cy="5851525"/>
+            <a:off x="8839200" y="274639"/>
+            <a:ext cx="2743200" cy="5851525"/>
           </a:xfrm>
         </p:spPr>
         <p:txBody>
@@ -551,8 +583,8 @@
           <a:lstStyle/>
           <a:p>
             <a:r>
-              <a:rPr lang="zh-TW" altLang="en-US" smtClean="0"/>
-              <a:t>按一下以編輯母片標題樣式</a:t>
+              <a:rPr lang="en-US" altLang="zh-TW" smtClean="0"/>
+              <a:t>Click to edit Master title style</a:t>
             </a:r>
             <a:endParaRPr lang="zh-TW" altLang="en-US"/>
           </a:p>
@@ -570,8 +602,8 @@
         </p:nvSpPr>
         <p:spPr>
           <a:xfrm>
-            <a:off x="457200" y="274638"/>
-            <a:ext cx="6019800" cy="5851525"/>
+            <a:off x="609600" y="274639"/>
+            <a:ext cx="8026400" cy="5851525"/>
           </a:xfrm>
         </p:spPr>
         <p:txBody>
@@ -580,36 +612,36 @@
           <a:p>
             <a:pPr lvl="0"/>
             <a:r>
-              <a:rPr lang="zh-TW" altLang="en-US" smtClean="0"/>
-              <a:t>按一下以編輯母片文字樣式</a:t>
+              <a:rPr lang="en-US" altLang="zh-TW" smtClean="0"/>
+              <a:t>Edit Master text styles</a:t>
             </a:r>
           </a:p>
           <a:p>
             <a:pPr lvl="1"/>
             <a:r>
-              <a:rPr lang="zh-TW" altLang="en-US" smtClean="0"/>
-              <a:t>第二層</a:t>
+              <a:rPr lang="en-US" altLang="zh-TW" smtClean="0"/>
+              <a:t>Second level</a:t>
             </a:r>
           </a:p>
           <a:p>
             <a:pPr lvl="2"/>
             <a:r>
-              <a:rPr lang="zh-TW" altLang="en-US" smtClean="0"/>
-              <a:t>第三層</a:t>
+              <a:rPr lang="en-US" altLang="zh-TW" smtClean="0"/>
+              <a:t>Third level</a:t>
             </a:r>
           </a:p>
           <a:p>
             <a:pPr lvl="3"/>
             <a:r>
-              <a:rPr lang="zh-TW" altLang="en-US" smtClean="0"/>
-              <a:t>第四層</a:t>
+              <a:rPr lang="en-US" altLang="zh-TW" smtClean="0"/>
+              <a:t>Fourth level</a:t>
             </a:r>
           </a:p>
           <a:p>
             <a:pPr lvl="4"/>
             <a:r>
-              <a:rPr lang="zh-TW" altLang="en-US" smtClean="0"/>
-              <a:t>第五層</a:t>
+              <a:rPr lang="en-US" altLang="zh-TW" smtClean="0"/>
+              <a:t>Fifth level</a:t>
             </a:r>
             <a:endParaRPr lang="zh-TW" altLang="en-US"/>
           </a:p>
@@ -632,7 +664,7 @@
           <a:p>
             <a:fld id="{A65D7C68-9B15-444B-AF62-7DCFE887C5F7}" type="datetimeFigureOut">
               <a:rPr lang="zh-TW" altLang="en-US" smtClean="0"/>
-              <a:t>2019/4/7</a:t>
+              <a:t>2023/11/11</a:t>
             </a:fld>
             <a:endParaRPr lang="zh-TW" altLang="en-US"/>
           </a:p>
@@ -681,6 +713,11 @@
         </p:txBody>
       </p:sp>
     </p:spTree>
+    <p:extLst>
+      <p:ext uri="{BB962C8B-B14F-4D97-AF65-F5344CB8AC3E}">
+        <p14:creationId xmlns:p14="http://schemas.microsoft.com/office/powerpoint/2010/main" val="2700832613"/>
+      </p:ext>
+    </p:extLst>
   </p:cSld>
   <p:clrMapOvr>
     <a:masterClrMapping/>
@@ -721,8 +758,8 @@
           <a:lstStyle/>
           <a:p>
             <a:r>
-              <a:rPr lang="zh-TW" altLang="en-US" smtClean="0"/>
-              <a:t>按一下以編輯母片標題樣式</a:t>
+              <a:rPr lang="en-US" altLang="zh-TW" smtClean="0"/>
+              <a:t>Click to edit Master title style</a:t>
             </a:r>
             <a:endParaRPr lang="zh-TW" altLang="en-US"/>
           </a:p>
@@ -745,36 +782,36 @@
           <a:p>
             <a:pPr lvl="0"/>
             <a:r>
-              <a:rPr lang="zh-TW" altLang="en-US" smtClean="0"/>
-              <a:t>按一下以編輯母片文字樣式</a:t>
+              <a:rPr lang="en-US" altLang="zh-TW" smtClean="0"/>
+              <a:t>Edit Master text styles</a:t>
             </a:r>
           </a:p>
           <a:p>
             <a:pPr lvl="1"/>
             <a:r>
-              <a:rPr lang="zh-TW" altLang="en-US" smtClean="0"/>
-              <a:t>第二層</a:t>
+              <a:rPr lang="en-US" altLang="zh-TW" smtClean="0"/>
+              <a:t>Second level</a:t>
             </a:r>
           </a:p>
           <a:p>
             <a:pPr lvl="2"/>
             <a:r>
-              <a:rPr lang="zh-TW" altLang="en-US" smtClean="0"/>
-              <a:t>第三層</a:t>
+              <a:rPr lang="en-US" altLang="zh-TW" smtClean="0"/>
+              <a:t>Third level</a:t>
             </a:r>
           </a:p>
           <a:p>
             <a:pPr lvl="3"/>
             <a:r>
-              <a:rPr lang="zh-TW" altLang="en-US" smtClean="0"/>
-              <a:t>第四層</a:t>
+              <a:rPr lang="en-US" altLang="zh-TW" smtClean="0"/>
+              <a:t>Fourth level</a:t>
             </a:r>
           </a:p>
           <a:p>
             <a:pPr lvl="4"/>
             <a:r>
-              <a:rPr lang="zh-TW" altLang="en-US" smtClean="0"/>
-              <a:t>第五層</a:t>
+              <a:rPr lang="en-US" altLang="zh-TW" smtClean="0"/>
+              <a:t>Fifth level</a:t>
             </a:r>
             <a:endParaRPr lang="zh-TW" altLang="en-US"/>
           </a:p>
@@ -797,7 +834,7 @@
           <a:p>
             <a:fld id="{A65D7C68-9B15-444B-AF62-7DCFE887C5F7}" type="datetimeFigureOut">
               <a:rPr lang="zh-TW" altLang="en-US" smtClean="0"/>
-              <a:t>2019/4/7</a:t>
+              <a:t>2023/11/11</a:t>
             </a:fld>
             <a:endParaRPr lang="zh-TW" altLang="en-US"/>
           </a:p>
@@ -846,6 +883,11 @@
         </p:txBody>
       </p:sp>
     </p:spTree>
+    <p:extLst>
+      <p:ext uri="{BB962C8B-B14F-4D97-AF65-F5344CB8AC3E}">
+        <p14:creationId xmlns:p14="http://schemas.microsoft.com/office/powerpoint/2010/main" val="3330695368"/>
+      </p:ext>
+    </p:extLst>
   </p:cSld>
   <p:clrMapOvr>
     <a:masterClrMapping/>
@@ -882,21 +924,21 @@
         </p:nvSpPr>
         <p:spPr>
           <a:xfrm>
-            <a:off x="722313" y="4406900"/>
-            <a:ext cx="7772400" cy="1362075"/>
+            <a:off x="963084" y="4406901"/>
+            <a:ext cx="10363200" cy="1362075"/>
           </a:xfrm>
         </p:spPr>
         <p:txBody>
           <a:bodyPr anchor="t"/>
           <a:lstStyle>
             <a:lvl1pPr algn="l">
-              <a:defRPr sz="4000" b="1" cap="all"/>
+              <a:defRPr sz="5333" b="1" cap="all"/>
             </a:lvl1pPr>
           </a:lstStyle>
           <a:p>
             <a:r>
-              <a:rPr lang="zh-TW" altLang="en-US" smtClean="0"/>
-              <a:t>按一下以編輯母片標題樣式</a:t>
+              <a:rPr lang="en-US" altLang="zh-TW" smtClean="0"/>
+              <a:t>Click to edit Master title style</a:t>
             </a:r>
             <a:endParaRPr lang="zh-TW" altLang="en-US"/>
           </a:p>
@@ -914,8 +956,8 @@
         </p:nvSpPr>
         <p:spPr>
           <a:xfrm>
-            <a:off x="722313" y="2906713"/>
-            <a:ext cx="7772400" cy="1500187"/>
+            <a:off x="963084" y="2906713"/>
+            <a:ext cx="10363200" cy="1500187"/>
           </a:xfrm>
         </p:spPr>
         <p:txBody>
@@ -923,7 +965,7 @@
           <a:lstStyle>
             <a:lvl1pPr marL="0" indent="0">
               <a:buNone/>
-              <a:defRPr sz="2000">
+              <a:defRPr sz="2667">
                 <a:solidFill>
                   <a:schemeClr val="tx1">
                     <a:tint val="75000"/>
@@ -931,9 +973,9 @@
                 </a:solidFill>
               </a:defRPr>
             </a:lvl1pPr>
-            <a:lvl2pPr marL="457200" indent="0">
-              <a:buNone/>
-              <a:defRPr sz="1800">
+            <a:lvl2pPr marL="609585" indent="0">
+              <a:buNone/>
+              <a:defRPr sz="2400">
                 <a:solidFill>
                   <a:schemeClr val="tx1">
                     <a:tint val="75000"/>
@@ -941,9 +983,9 @@
                 </a:solidFill>
               </a:defRPr>
             </a:lvl2pPr>
-            <a:lvl3pPr marL="914400" indent="0">
-              <a:buNone/>
-              <a:defRPr sz="1600">
+            <a:lvl3pPr marL="1219170" indent="0">
+              <a:buNone/>
+              <a:defRPr sz="2133">
                 <a:solidFill>
                   <a:schemeClr val="tx1">
                     <a:tint val="75000"/>
@@ -951,9 +993,9 @@
                 </a:solidFill>
               </a:defRPr>
             </a:lvl3pPr>
-            <a:lvl4pPr marL="1371600" indent="0">
-              <a:buNone/>
-              <a:defRPr sz="1400">
+            <a:lvl4pPr marL="1828754" indent="0">
+              <a:buNone/>
+              <a:defRPr sz="1867">
                 <a:solidFill>
                   <a:schemeClr val="tx1">
                     <a:tint val="75000"/>
@@ -961,9 +1003,9 @@
                 </a:solidFill>
               </a:defRPr>
             </a:lvl4pPr>
-            <a:lvl5pPr marL="1828800" indent="0">
-              <a:buNone/>
-              <a:defRPr sz="1400">
+            <a:lvl5pPr marL="2438339" indent="0">
+              <a:buNone/>
+              <a:defRPr sz="1867">
                 <a:solidFill>
                   <a:schemeClr val="tx1">
                     <a:tint val="75000"/>
@@ -971,9 +1013,9 @@
                 </a:solidFill>
               </a:defRPr>
             </a:lvl5pPr>
-            <a:lvl6pPr marL="2286000" indent="0">
-              <a:buNone/>
-              <a:defRPr sz="1400">
+            <a:lvl6pPr marL="3047924" indent="0">
+              <a:buNone/>
+              <a:defRPr sz="1867">
                 <a:solidFill>
                   <a:schemeClr val="tx1">
                     <a:tint val="75000"/>
@@ -981,9 +1023,9 @@
                 </a:solidFill>
               </a:defRPr>
             </a:lvl6pPr>
-            <a:lvl7pPr marL="2743200" indent="0">
-              <a:buNone/>
-              <a:defRPr sz="1400">
+            <a:lvl7pPr marL="3657509" indent="0">
+              <a:buNone/>
+              <a:defRPr sz="1867">
                 <a:solidFill>
                   <a:schemeClr val="tx1">
                     <a:tint val="75000"/>
@@ -991,9 +1033,9 @@
                 </a:solidFill>
               </a:defRPr>
             </a:lvl7pPr>
-            <a:lvl8pPr marL="3200400" indent="0">
-              <a:buNone/>
-              <a:defRPr sz="1400">
+            <a:lvl8pPr marL="4267093" indent="0">
+              <a:buNone/>
+              <a:defRPr sz="1867">
                 <a:solidFill>
                   <a:schemeClr val="tx1">
                     <a:tint val="75000"/>
@@ -1001,9 +1043,9 @@
                 </a:solidFill>
               </a:defRPr>
             </a:lvl8pPr>
-            <a:lvl9pPr marL="3657600" indent="0">
-              <a:buNone/>
-              <a:defRPr sz="1400">
+            <a:lvl9pPr marL="4876678" indent="0">
+              <a:buNone/>
+              <a:defRPr sz="1867">
                 <a:solidFill>
                   <a:schemeClr val="tx1">
                     <a:tint val="75000"/>
@@ -1015,8 +1057,8 @@
           <a:p>
             <a:pPr lvl="0"/>
             <a:r>
-              <a:rPr lang="zh-TW" altLang="en-US" smtClean="0"/>
-              <a:t>按一下以編輯母片文字樣式</a:t>
+              <a:rPr lang="en-US" altLang="zh-TW" smtClean="0"/>
+              <a:t>Edit Master text styles</a:t>
             </a:r>
           </a:p>
         </p:txBody>
@@ -1038,7 +1080,7 @@
           <a:p>
             <a:fld id="{A65D7C68-9B15-444B-AF62-7DCFE887C5F7}" type="datetimeFigureOut">
               <a:rPr lang="zh-TW" altLang="en-US" smtClean="0"/>
-              <a:t>2019/4/7</a:t>
+              <a:t>2023/11/11</a:t>
             </a:fld>
             <a:endParaRPr lang="zh-TW" altLang="en-US"/>
           </a:p>
@@ -1087,6 +1129,11 @@
         </p:txBody>
       </p:sp>
     </p:spTree>
+    <p:extLst>
+      <p:ext uri="{BB962C8B-B14F-4D97-AF65-F5344CB8AC3E}">
+        <p14:creationId xmlns:p14="http://schemas.microsoft.com/office/powerpoint/2010/main" val="2459664591"/>
+      </p:ext>
+    </p:extLst>
   </p:cSld>
   <p:clrMapOvr>
     <a:masterClrMapping/>
@@ -1127,8 +1174,8 @@
           <a:lstStyle/>
           <a:p>
             <a:r>
-              <a:rPr lang="zh-TW" altLang="en-US" smtClean="0"/>
-              <a:t>按一下以編輯母片標題樣式</a:t>
+              <a:rPr lang="en-US" altLang="zh-TW" smtClean="0"/>
+              <a:t>Click to edit Master title style</a:t>
             </a:r>
             <a:endParaRPr lang="zh-TW" altLang="en-US"/>
           </a:p>
@@ -1146,74 +1193,74 @@
         </p:nvSpPr>
         <p:spPr>
           <a:xfrm>
-            <a:off x="457200" y="1600200"/>
-            <a:ext cx="4038600" cy="4525963"/>
+            <a:off x="609600" y="1600201"/>
+            <a:ext cx="5384800" cy="4525963"/>
           </a:xfrm>
         </p:spPr>
         <p:txBody>
           <a:bodyPr/>
           <a:lstStyle>
             <a:lvl1pPr>
-              <a:defRPr sz="2800"/>
+              <a:defRPr sz="3733"/>
             </a:lvl1pPr>
             <a:lvl2pPr>
-              <a:defRPr sz="2400"/>
+              <a:defRPr sz="3200"/>
             </a:lvl2pPr>
             <a:lvl3pPr>
-              <a:defRPr sz="2000"/>
+              <a:defRPr sz="2667"/>
             </a:lvl3pPr>
             <a:lvl4pPr>
-              <a:defRPr sz="1800"/>
+              <a:defRPr sz="2400"/>
             </a:lvl4pPr>
             <a:lvl5pPr>
-              <a:defRPr sz="1800"/>
+              <a:defRPr sz="2400"/>
             </a:lvl5pPr>
             <a:lvl6pPr>
-              <a:defRPr sz="1800"/>
+              <a:defRPr sz="2400"/>
             </a:lvl6pPr>
             <a:lvl7pPr>
-              <a:defRPr sz="1800"/>
+              <a:defRPr sz="2400"/>
             </a:lvl7pPr>
             <a:lvl8pPr>
-              <a:defRPr sz="1800"/>
+              <a:defRPr sz="2400"/>
             </a:lvl8pPr>
             <a:lvl9pPr>
-              <a:defRPr sz="1800"/>
+              <a:defRPr sz="2400"/>
             </a:lvl9pPr>
           </a:lstStyle>
           <a:p>
             <a:pPr lvl="0"/>
             <a:r>
-              <a:rPr lang="zh-TW" altLang="en-US" smtClean="0"/>
-              <a:t>按一下以編輯母片文字樣式</a:t>
+              <a:rPr lang="en-US" altLang="zh-TW" smtClean="0"/>
+              <a:t>Edit Master text styles</a:t>
             </a:r>
           </a:p>
           <a:p>
             <a:pPr lvl="1"/>
             <a:r>
-              <a:rPr lang="zh-TW" altLang="en-US" smtClean="0"/>
-              <a:t>第二層</a:t>
+              <a:rPr lang="en-US" altLang="zh-TW" smtClean="0"/>
+              <a:t>Second level</a:t>
             </a:r>
           </a:p>
           <a:p>
             <a:pPr lvl="2"/>
             <a:r>
-              <a:rPr lang="zh-TW" altLang="en-US" smtClean="0"/>
-              <a:t>第三層</a:t>
+              <a:rPr lang="en-US" altLang="zh-TW" smtClean="0"/>
+              <a:t>Third level</a:t>
             </a:r>
           </a:p>
           <a:p>
             <a:pPr lvl="3"/>
             <a:r>
-              <a:rPr lang="zh-TW" altLang="en-US" smtClean="0"/>
-              <a:t>第四層</a:t>
+              <a:rPr lang="en-US" altLang="zh-TW" smtClean="0"/>
+              <a:t>Fourth level</a:t>
             </a:r>
           </a:p>
           <a:p>
             <a:pPr lvl="4"/>
             <a:r>
-              <a:rPr lang="zh-TW" altLang="en-US" smtClean="0"/>
-              <a:t>第五層</a:t>
+              <a:rPr lang="en-US" altLang="zh-TW" smtClean="0"/>
+              <a:t>Fifth level</a:t>
             </a:r>
             <a:endParaRPr lang="zh-TW" altLang="en-US"/>
           </a:p>
@@ -1231,74 +1278,74 @@
         </p:nvSpPr>
         <p:spPr>
           <a:xfrm>
-            <a:off x="4648200" y="1600200"/>
-            <a:ext cx="4038600" cy="4525963"/>
+            <a:off x="6197600" y="1600201"/>
+            <a:ext cx="5384800" cy="4525963"/>
           </a:xfrm>
         </p:spPr>
         <p:txBody>
           <a:bodyPr/>
           <a:lstStyle>
             <a:lvl1pPr>
-              <a:defRPr sz="2800"/>
+              <a:defRPr sz="3733"/>
             </a:lvl1pPr>
             <a:lvl2pPr>
-              <a:defRPr sz="2400"/>
+              <a:defRPr sz="3200"/>
             </a:lvl2pPr>
             <a:lvl3pPr>
-              <a:defRPr sz="2000"/>
+              <a:defRPr sz="2667"/>
             </a:lvl3pPr>
             <a:lvl4pPr>
-              <a:defRPr sz="1800"/>
+              <a:defRPr sz="2400"/>
             </a:lvl4pPr>
             <a:lvl5pPr>
-              <a:defRPr sz="1800"/>
+              <a:defRPr sz="2400"/>
             </a:lvl5pPr>
             <a:lvl6pPr>
-              <a:defRPr sz="1800"/>
+              <a:defRPr sz="2400"/>
             </a:lvl6pPr>
             <a:lvl7pPr>
-              <a:defRPr sz="1800"/>
+              <a:defRPr sz="2400"/>
             </a:lvl7pPr>
             <a:lvl8pPr>
-              <a:defRPr sz="1800"/>
+              <a:defRPr sz="2400"/>
             </a:lvl8pPr>
             <a:lvl9pPr>
-              <a:defRPr sz="1800"/>
+              <a:defRPr sz="2400"/>
             </a:lvl9pPr>
           </a:lstStyle>
           <a:p>
             <a:pPr lvl="0"/>
             <a:r>
-              <a:rPr lang="zh-TW" altLang="en-US" smtClean="0"/>
-              <a:t>按一下以編輯母片文字樣式</a:t>
+              <a:rPr lang="en-US" altLang="zh-TW" smtClean="0"/>
+              <a:t>Edit Master text styles</a:t>
             </a:r>
           </a:p>
           <a:p>
             <a:pPr lvl="1"/>
             <a:r>
-              <a:rPr lang="zh-TW" altLang="en-US" smtClean="0"/>
-              <a:t>第二層</a:t>
+              <a:rPr lang="en-US" altLang="zh-TW" smtClean="0"/>
+              <a:t>Second level</a:t>
             </a:r>
           </a:p>
           <a:p>
             <a:pPr lvl="2"/>
             <a:r>
-              <a:rPr lang="zh-TW" altLang="en-US" smtClean="0"/>
-              <a:t>第三層</a:t>
+              <a:rPr lang="en-US" altLang="zh-TW" smtClean="0"/>
+              <a:t>Third level</a:t>
             </a:r>
           </a:p>
           <a:p>
             <a:pPr lvl="3"/>
             <a:r>
-              <a:rPr lang="zh-TW" altLang="en-US" smtClean="0"/>
-              <a:t>第四層</a:t>
+              <a:rPr lang="en-US" altLang="zh-TW" smtClean="0"/>
+              <a:t>Fourth level</a:t>
             </a:r>
           </a:p>
           <a:p>
             <a:pPr lvl="4"/>
             <a:r>
-              <a:rPr lang="zh-TW" altLang="en-US" smtClean="0"/>
-              <a:t>第五層</a:t>
+              <a:rPr lang="en-US" altLang="zh-TW" smtClean="0"/>
+              <a:t>Fifth level</a:t>
             </a:r>
             <a:endParaRPr lang="zh-TW" altLang="en-US"/>
           </a:p>
@@ -1321,7 +1368,7 @@
           <a:p>
             <a:fld id="{A65D7C68-9B15-444B-AF62-7DCFE887C5F7}" type="datetimeFigureOut">
               <a:rPr lang="zh-TW" altLang="en-US" smtClean="0"/>
-              <a:t>2019/4/7</a:t>
+              <a:t>2023/11/11</a:t>
             </a:fld>
             <a:endParaRPr lang="zh-TW" altLang="en-US"/>
           </a:p>
@@ -1370,6 +1417,11 @@
         </p:txBody>
       </p:sp>
     </p:spTree>
+    <p:extLst>
+      <p:ext uri="{BB962C8B-B14F-4D97-AF65-F5344CB8AC3E}">
+        <p14:creationId xmlns:p14="http://schemas.microsoft.com/office/powerpoint/2010/main" val="569442710"/>
+      </p:ext>
+    </p:extLst>
   </p:cSld>
   <p:clrMapOvr>
     <a:masterClrMapping/>
@@ -1414,8 +1466,8 @@
           </a:lstStyle>
           <a:p>
             <a:r>
-              <a:rPr lang="zh-TW" altLang="en-US" smtClean="0"/>
-              <a:t>按一下以編輯母片標題樣式</a:t>
+              <a:rPr lang="en-US" altLang="zh-TW" smtClean="0"/>
+              <a:t>Click to edit Master title style</a:t>
             </a:r>
             <a:endParaRPr lang="zh-TW" altLang="en-US"/>
           </a:p>
@@ -1433,8 +1485,8 @@
         </p:nvSpPr>
         <p:spPr>
           <a:xfrm>
-            <a:off x="457200" y="1535113"/>
-            <a:ext cx="4040188" cy="639762"/>
+            <a:off x="609600" y="1535113"/>
+            <a:ext cx="5386917" cy="639763"/>
           </a:xfrm>
         </p:spPr>
         <p:txBody>
@@ -1442,46 +1494,46 @@
           <a:lstStyle>
             <a:lvl1pPr marL="0" indent="0">
               <a:buNone/>
+              <a:defRPr sz="3200" b="1"/>
+            </a:lvl1pPr>
+            <a:lvl2pPr marL="609585" indent="0">
+              <a:buNone/>
+              <a:defRPr sz="2667" b="1"/>
+            </a:lvl2pPr>
+            <a:lvl3pPr marL="1219170" indent="0">
+              <a:buNone/>
               <a:defRPr sz="2400" b="1"/>
-            </a:lvl1pPr>
-            <a:lvl2pPr marL="457200" indent="0">
-              <a:buNone/>
-              <a:defRPr sz="2000" b="1"/>
-            </a:lvl2pPr>
-            <a:lvl3pPr marL="914400" indent="0">
-              <a:buNone/>
-              <a:defRPr sz="1800" b="1"/>
             </a:lvl3pPr>
-            <a:lvl4pPr marL="1371600" indent="0">
-              <a:buNone/>
-              <a:defRPr sz="1600" b="1"/>
+            <a:lvl4pPr marL="1828754" indent="0">
+              <a:buNone/>
+              <a:defRPr sz="2133" b="1"/>
             </a:lvl4pPr>
-            <a:lvl5pPr marL="1828800" indent="0">
-              <a:buNone/>
-              <a:defRPr sz="1600" b="1"/>
+            <a:lvl5pPr marL="2438339" indent="0">
+              <a:buNone/>
+              <a:defRPr sz="2133" b="1"/>
             </a:lvl5pPr>
-            <a:lvl6pPr marL="2286000" indent="0">
-              <a:buNone/>
-              <a:defRPr sz="1600" b="1"/>
+            <a:lvl6pPr marL="3047924" indent="0">
+              <a:buNone/>
+              <a:defRPr sz="2133" b="1"/>
             </a:lvl6pPr>
-            <a:lvl7pPr marL="2743200" indent="0">
-              <a:buNone/>
-              <a:defRPr sz="1600" b="1"/>
+            <a:lvl7pPr marL="3657509" indent="0">
+              <a:buNone/>
+              <a:defRPr sz="2133" b="1"/>
             </a:lvl7pPr>
-            <a:lvl8pPr marL="3200400" indent="0">
-              <a:buNone/>
-              <a:defRPr sz="1600" b="1"/>
+            <a:lvl8pPr marL="4267093" indent="0">
+              <a:buNone/>
+              <a:defRPr sz="2133" b="1"/>
             </a:lvl8pPr>
-            <a:lvl9pPr marL="3657600" indent="0">
-              <a:buNone/>
-              <a:defRPr sz="1600" b="1"/>
+            <a:lvl9pPr marL="4876678" indent="0">
+              <a:buNone/>
+              <a:defRPr sz="2133" b="1"/>
             </a:lvl9pPr>
           </a:lstStyle>
           <a:p>
             <a:pPr lvl="0"/>
             <a:r>
-              <a:rPr lang="zh-TW" altLang="en-US" smtClean="0"/>
-              <a:t>按一下以編輯母片文字樣式</a:t>
+              <a:rPr lang="en-US" altLang="zh-TW" smtClean="0"/>
+              <a:t>Edit Master text styles</a:t>
             </a:r>
           </a:p>
         </p:txBody>
@@ -1498,74 +1550,74 @@
         </p:nvSpPr>
         <p:spPr>
           <a:xfrm>
-            <a:off x="457200" y="2174875"/>
-            <a:ext cx="4040188" cy="3951288"/>
+            <a:off x="609600" y="2174875"/>
+            <a:ext cx="5386917" cy="3951288"/>
           </a:xfrm>
         </p:spPr>
         <p:txBody>
           <a:bodyPr/>
           <a:lstStyle>
             <a:lvl1pPr>
-              <a:defRPr sz="2400"/>
+              <a:defRPr sz="3200"/>
             </a:lvl1pPr>
             <a:lvl2pPr>
-              <a:defRPr sz="2000"/>
+              <a:defRPr sz="2667"/>
             </a:lvl2pPr>
             <a:lvl3pPr>
-              <a:defRPr sz="1800"/>
+              <a:defRPr sz="2400"/>
             </a:lvl3pPr>
             <a:lvl4pPr>
-              <a:defRPr sz="1600"/>
+              <a:defRPr sz="2133"/>
             </a:lvl4pPr>
             <a:lvl5pPr>
-              <a:defRPr sz="1600"/>
+              <a:defRPr sz="2133"/>
             </a:lvl5pPr>
             <a:lvl6pPr>
-              <a:defRPr sz="1600"/>
+              <a:defRPr sz="2133"/>
             </a:lvl6pPr>
             <a:lvl7pPr>
-              <a:defRPr sz="1600"/>
+              <a:defRPr sz="2133"/>
             </a:lvl7pPr>
             <a:lvl8pPr>
-              <a:defRPr sz="1600"/>
+              <a:defRPr sz="2133"/>
             </a:lvl8pPr>
             <a:lvl9pPr>
-              <a:defRPr sz="1600"/>
+              <a:defRPr sz="2133"/>
             </a:lvl9pPr>
           </a:lstStyle>
           <a:p>
             <a:pPr lvl="0"/>
             <a:r>
-              <a:rPr lang="zh-TW" altLang="en-US" smtClean="0"/>
-              <a:t>按一下以編輯母片文字樣式</a:t>
+              <a:rPr lang="en-US" altLang="zh-TW" smtClean="0"/>
+              <a:t>Edit Master text styles</a:t>
             </a:r>
           </a:p>
           <a:p>
             <a:pPr lvl="1"/>
             <a:r>
-              <a:rPr lang="zh-TW" altLang="en-US" smtClean="0"/>
-              <a:t>第二層</a:t>
+              <a:rPr lang="en-US" altLang="zh-TW" smtClean="0"/>
+              <a:t>Second level</a:t>
             </a:r>
           </a:p>
           <a:p>
             <a:pPr lvl="2"/>
             <a:r>
-              <a:rPr lang="zh-TW" altLang="en-US" smtClean="0"/>
-              <a:t>第三層</a:t>
+              <a:rPr lang="en-US" altLang="zh-TW" smtClean="0"/>
+              <a:t>Third level</a:t>
             </a:r>
           </a:p>
           <a:p>
             <a:pPr lvl="3"/>
             <a:r>
-              <a:rPr lang="zh-TW" altLang="en-US" smtClean="0"/>
-              <a:t>第四層</a:t>
+              <a:rPr lang="en-US" altLang="zh-TW" smtClean="0"/>
+              <a:t>Fourth level</a:t>
             </a:r>
           </a:p>
           <a:p>
             <a:pPr lvl="4"/>
             <a:r>
-              <a:rPr lang="zh-TW" altLang="en-US" smtClean="0"/>
-              <a:t>第五層</a:t>
+              <a:rPr lang="en-US" altLang="zh-TW" smtClean="0"/>
+              <a:t>Fifth level</a:t>
             </a:r>
             <a:endParaRPr lang="zh-TW" altLang="en-US"/>
           </a:p>
@@ -1583,8 +1635,8 @@
         </p:nvSpPr>
         <p:spPr>
           <a:xfrm>
-            <a:off x="4645025" y="1535113"/>
-            <a:ext cx="4041775" cy="639762"/>
+            <a:off x="6193372" y="1535113"/>
+            <a:ext cx="5389033" cy="639763"/>
           </a:xfrm>
         </p:spPr>
         <p:txBody>
@@ -1592,46 +1644,46 @@
           <a:lstStyle>
             <a:lvl1pPr marL="0" indent="0">
               <a:buNone/>
+              <a:defRPr sz="3200" b="1"/>
+            </a:lvl1pPr>
+            <a:lvl2pPr marL="609585" indent="0">
+              <a:buNone/>
+              <a:defRPr sz="2667" b="1"/>
+            </a:lvl2pPr>
+            <a:lvl3pPr marL="1219170" indent="0">
+              <a:buNone/>
               <a:defRPr sz="2400" b="1"/>
-            </a:lvl1pPr>
-            <a:lvl2pPr marL="457200" indent="0">
-              <a:buNone/>
-              <a:defRPr sz="2000" b="1"/>
-            </a:lvl2pPr>
-            <a:lvl3pPr marL="914400" indent="0">
-              <a:buNone/>
-              <a:defRPr sz="1800" b="1"/>
             </a:lvl3pPr>
-            <a:lvl4pPr marL="1371600" indent="0">
-              <a:buNone/>
-              <a:defRPr sz="1600" b="1"/>
+            <a:lvl4pPr marL="1828754" indent="0">
+              <a:buNone/>
+              <a:defRPr sz="2133" b="1"/>
             </a:lvl4pPr>
-            <a:lvl5pPr marL="1828800" indent="0">
-              <a:buNone/>
-              <a:defRPr sz="1600" b="1"/>
+            <a:lvl5pPr marL="2438339" indent="0">
+              <a:buNone/>
+              <a:defRPr sz="2133" b="1"/>
             </a:lvl5pPr>
-            <a:lvl6pPr marL="2286000" indent="0">
-              <a:buNone/>
-              <a:defRPr sz="1600" b="1"/>
+            <a:lvl6pPr marL="3047924" indent="0">
+              <a:buNone/>
+              <a:defRPr sz="2133" b="1"/>
             </a:lvl6pPr>
-            <a:lvl7pPr marL="2743200" indent="0">
-              <a:buNone/>
-              <a:defRPr sz="1600" b="1"/>
+            <a:lvl7pPr marL="3657509" indent="0">
+              <a:buNone/>
+              <a:defRPr sz="2133" b="1"/>
             </a:lvl7pPr>
-            <a:lvl8pPr marL="3200400" indent="0">
-              <a:buNone/>
-              <a:defRPr sz="1600" b="1"/>
+            <a:lvl8pPr marL="4267093" indent="0">
+              <a:buNone/>
+              <a:defRPr sz="2133" b="1"/>
             </a:lvl8pPr>
-            <a:lvl9pPr marL="3657600" indent="0">
-              <a:buNone/>
-              <a:defRPr sz="1600" b="1"/>
+            <a:lvl9pPr marL="4876678" indent="0">
+              <a:buNone/>
+              <a:defRPr sz="2133" b="1"/>
             </a:lvl9pPr>
           </a:lstStyle>
           <a:p>
             <a:pPr lvl="0"/>
             <a:r>
-              <a:rPr lang="zh-TW" altLang="en-US" smtClean="0"/>
-              <a:t>按一下以編輯母片文字樣式</a:t>
+              <a:rPr lang="en-US" altLang="zh-TW" smtClean="0"/>
+              <a:t>Edit Master text styles</a:t>
             </a:r>
           </a:p>
         </p:txBody>
@@ -1648,74 +1700,74 @@
         </p:nvSpPr>
         <p:spPr>
           <a:xfrm>
-            <a:off x="4645025" y="2174875"/>
-            <a:ext cx="4041775" cy="3951288"/>
+            <a:off x="6193372" y="2174875"/>
+            <a:ext cx="5389033" cy="3951288"/>
           </a:xfrm>
         </p:spPr>
         <p:txBody>
           <a:bodyPr/>
           <a:lstStyle>
             <a:lvl1pPr>
-              <a:defRPr sz="2400"/>
+              <a:defRPr sz="3200"/>
             </a:lvl1pPr>
             <a:lvl2pPr>
-              <a:defRPr sz="2000"/>
+              <a:defRPr sz="2667"/>
             </a:lvl2pPr>
             <a:lvl3pPr>
-              <a:defRPr sz="1800"/>
+              <a:defRPr sz="2400"/>
             </a:lvl3pPr>
             <a:lvl4pPr>
-              <a:defRPr sz="1600"/>
+              <a:defRPr sz="2133"/>
             </a:lvl4pPr>
             <a:lvl5pPr>
-              <a:defRPr sz="1600"/>
+              <a:defRPr sz="2133"/>
             </a:lvl5pPr>
             <a:lvl6pPr>
-              <a:defRPr sz="1600"/>
+              <a:defRPr sz="2133"/>
             </a:lvl6pPr>
             <a:lvl7pPr>
-              <a:defRPr sz="1600"/>
+              <a:defRPr sz="2133"/>
             </a:lvl7pPr>
             <a:lvl8pPr>
-              <a:defRPr sz="1600"/>
+              <a:defRPr sz="2133"/>
             </a:lvl8pPr>
             <a:lvl9pPr>
-              <a:defRPr sz="1600"/>
+              <a:defRPr sz="2133"/>
             </a:lvl9pPr>
           </a:lstStyle>
           <a:p>
             <a:pPr lvl="0"/>
             <a:r>
-              <a:rPr lang="zh-TW" altLang="en-US" smtClean="0"/>
-              <a:t>按一下以編輯母片文字樣式</a:t>
+              <a:rPr lang="en-US" altLang="zh-TW" smtClean="0"/>
+              <a:t>Edit Master text styles</a:t>
             </a:r>
           </a:p>
           <a:p>
             <a:pPr lvl="1"/>
             <a:r>
-              <a:rPr lang="zh-TW" altLang="en-US" smtClean="0"/>
-              <a:t>第二層</a:t>
+              <a:rPr lang="en-US" altLang="zh-TW" smtClean="0"/>
+              <a:t>Second level</a:t>
             </a:r>
           </a:p>
           <a:p>
             <a:pPr lvl="2"/>
             <a:r>
-              <a:rPr lang="zh-TW" altLang="en-US" smtClean="0"/>
-              <a:t>第三層</a:t>
+              <a:rPr lang="en-US" altLang="zh-TW" smtClean="0"/>
+              <a:t>Third level</a:t>
             </a:r>
           </a:p>
           <a:p>
             <a:pPr lvl="3"/>
             <a:r>
-              <a:rPr lang="zh-TW" altLang="en-US" smtClean="0"/>
-              <a:t>第四層</a:t>
+              <a:rPr lang="en-US" altLang="zh-TW" smtClean="0"/>
+              <a:t>Fourth level</a:t>
             </a:r>
           </a:p>
           <a:p>
             <a:pPr lvl="4"/>
             <a:r>
-              <a:rPr lang="zh-TW" altLang="en-US" smtClean="0"/>
-              <a:t>第五層</a:t>
+              <a:rPr lang="en-US" altLang="zh-TW" smtClean="0"/>
+              <a:t>Fifth level</a:t>
             </a:r>
             <a:endParaRPr lang="zh-TW" altLang="en-US"/>
           </a:p>
@@ -1738,7 +1790,7 @@
           <a:p>
             <a:fld id="{A65D7C68-9B15-444B-AF62-7DCFE887C5F7}" type="datetimeFigureOut">
               <a:rPr lang="zh-TW" altLang="en-US" smtClean="0"/>
-              <a:t>2019/4/7</a:t>
+              <a:t>2023/11/11</a:t>
             </a:fld>
             <a:endParaRPr lang="zh-TW" altLang="en-US"/>
           </a:p>
@@ -1787,6 +1839,11 @@
         </p:txBody>
       </p:sp>
     </p:spTree>
+    <p:extLst>
+      <p:ext uri="{BB962C8B-B14F-4D97-AF65-F5344CB8AC3E}">
+        <p14:creationId xmlns:p14="http://schemas.microsoft.com/office/powerpoint/2010/main" val="3875048339"/>
+      </p:ext>
+    </p:extLst>
   </p:cSld>
   <p:clrMapOvr>
     <a:masterClrMapping/>
@@ -1827,8 +1884,8 @@
           <a:lstStyle/>
           <a:p>
             <a:r>
-              <a:rPr lang="zh-TW" altLang="en-US" smtClean="0"/>
-              <a:t>按一下以編輯母片標題樣式</a:t>
+              <a:rPr lang="en-US" altLang="zh-TW" smtClean="0"/>
+              <a:t>Click to edit Master title style</a:t>
             </a:r>
             <a:endParaRPr lang="zh-TW" altLang="en-US"/>
           </a:p>
@@ -1851,7 +1908,7 @@
           <a:p>
             <a:fld id="{A65D7C68-9B15-444B-AF62-7DCFE887C5F7}" type="datetimeFigureOut">
               <a:rPr lang="zh-TW" altLang="en-US" smtClean="0"/>
-              <a:t>2019/4/7</a:t>
+              <a:t>2023/11/11</a:t>
             </a:fld>
             <a:endParaRPr lang="zh-TW" altLang="en-US"/>
           </a:p>
@@ -1900,6 +1957,11 @@
         </p:txBody>
       </p:sp>
     </p:spTree>
+    <p:extLst>
+      <p:ext uri="{BB962C8B-B14F-4D97-AF65-F5344CB8AC3E}">
+        <p14:creationId xmlns:p14="http://schemas.microsoft.com/office/powerpoint/2010/main" val="1750037879"/>
+      </p:ext>
+    </p:extLst>
   </p:cSld>
   <p:clrMapOvr>
     <a:masterClrMapping/>
@@ -1941,7 +2003,7 @@
           <a:p>
             <a:fld id="{A65D7C68-9B15-444B-AF62-7DCFE887C5F7}" type="datetimeFigureOut">
               <a:rPr lang="zh-TW" altLang="en-US" smtClean="0"/>
-              <a:t>2019/4/7</a:t>
+              <a:t>2023/11/11</a:t>
             </a:fld>
             <a:endParaRPr lang="zh-TW" altLang="en-US"/>
           </a:p>
@@ -1990,6 +2052,11 @@
         </p:txBody>
       </p:sp>
     </p:spTree>
+    <p:extLst>
+      <p:ext uri="{BB962C8B-B14F-4D97-AF65-F5344CB8AC3E}">
+        <p14:creationId xmlns:p14="http://schemas.microsoft.com/office/powerpoint/2010/main" val="4042327839"/>
+      </p:ext>
+    </p:extLst>
   </p:cSld>
   <p:clrMapOvr>
     <a:masterClrMapping/>
@@ -2026,21 +2093,21 @@
         </p:nvSpPr>
         <p:spPr>
           <a:xfrm>
-            <a:off x="457200" y="273050"/>
-            <a:ext cx="3008313" cy="1162050"/>
+            <a:off x="609603" y="273049"/>
+            <a:ext cx="4011084" cy="1162051"/>
           </a:xfrm>
         </p:spPr>
         <p:txBody>
           <a:bodyPr anchor="b"/>
           <a:lstStyle>
             <a:lvl1pPr algn="l">
-              <a:defRPr sz="2000" b="1"/>
+              <a:defRPr sz="2667" b="1"/>
             </a:lvl1pPr>
           </a:lstStyle>
           <a:p>
             <a:r>
-              <a:rPr lang="zh-TW" altLang="en-US" smtClean="0"/>
-              <a:t>按一下以編輯母片標題樣式</a:t>
+              <a:rPr lang="en-US" altLang="zh-TW" smtClean="0"/>
+              <a:t>Click to edit Master title style</a:t>
             </a:r>
             <a:endParaRPr lang="zh-TW" altLang="en-US"/>
           </a:p>
@@ -2058,74 +2125,74 @@
         </p:nvSpPr>
         <p:spPr>
           <a:xfrm>
-            <a:off x="3575050" y="273050"/>
-            <a:ext cx="5111750" cy="5853113"/>
+            <a:off x="4766733" y="273053"/>
+            <a:ext cx="6815667" cy="5853113"/>
           </a:xfrm>
         </p:spPr>
         <p:txBody>
           <a:bodyPr/>
           <a:lstStyle>
             <a:lvl1pPr>
-              <a:defRPr sz="3200"/>
+              <a:defRPr sz="4267"/>
             </a:lvl1pPr>
             <a:lvl2pPr>
-              <a:defRPr sz="2800"/>
+              <a:defRPr sz="3733"/>
             </a:lvl2pPr>
             <a:lvl3pPr>
-              <a:defRPr sz="2400"/>
+              <a:defRPr sz="3200"/>
             </a:lvl3pPr>
             <a:lvl4pPr>
-              <a:defRPr sz="2000"/>
+              <a:defRPr sz="2667"/>
             </a:lvl4pPr>
             <a:lvl5pPr>
-              <a:defRPr sz="2000"/>
+              <a:defRPr sz="2667"/>
             </a:lvl5pPr>
             <a:lvl6pPr>
-              <a:defRPr sz="2000"/>
+              <a:defRPr sz="2667"/>
             </a:lvl6pPr>
             <a:lvl7pPr>
-              <a:defRPr sz="2000"/>
+              <a:defRPr sz="2667"/>
             </a:lvl7pPr>
             <a:lvl8pPr>
-              <a:defRPr sz="2000"/>
+              <a:defRPr sz="2667"/>
             </a:lvl8pPr>
             <a:lvl9pPr>
-              <a:defRPr sz="2000"/>
+              <a:defRPr sz="2667"/>
             </a:lvl9pPr>
           </a:lstStyle>
           <a:p>
             <a:pPr lvl="0"/>
             <a:r>
-              <a:rPr lang="zh-TW" altLang="en-US" smtClean="0"/>
-              <a:t>按一下以編輯母片文字樣式</a:t>
+              <a:rPr lang="en-US" altLang="zh-TW" smtClean="0"/>
+              <a:t>Edit Master text styles</a:t>
             </a:r>
           </a:p>
           <a:p>
             <a:pPr lvl="1"/>
             <a:r>
-              <a:rPr lang="zh-TW" altLang="en-US" smtClean="0"/>
-              <a:t>第二層</a:t>
+              <a:rPr lang="en-US" altLang="zh-TW" smtClean="0"/>
+              <a:t>Second level</a:t>
             </a:r>
           </a:p>
           <a:p>
             <a:pPr lvl="2"/>
             <a:r>
-              <a:rPr lang="zh-TW" altLang="en-US" smtClean="0"/>
-              <a:t>第三層</a:t>
+              <a:rPr lang="en-US" altLang="zh-TW" smtClean="0"/>
+              <a:t>Third level</a:t>
             </a:r>
           </a:p>
           <a:p>
             <a:pPr lvl="3"/>
             <a:r>
-              <a:rPr lang="zh-TW" altLang="en-US" smtClean="0"/>
-              <a:t>第四層</a:t>
+              <a:rPr lang="en-US" altLang="zh-TW" smtClean="0"/>
+              <a:t>Fourth level</a:t>
             </a:r>
           </a:p>
           <a:p>
             <a:pPr lvl="4"/>
             <a:r>
-              <a:rPr lang="zh-TW" altLang="en-US" smtClean="0"/>
-              <a:t>第五層</a:t>
+              <a:rPr lang="en-US" altLang="zh-TW" smtClean="0"/>
+              <a:t>Fifth level</a:t>
             </a:r>
             <a:endParaRPr lang="zh-TW" altLang="en-US"/>
           </a:p>
@@ -2143,8 +2210,8 @@
         </p:nvSpPr>
         <p:spPr>
           <a:xfrm>
-            <a:off x="457200" y="1435100"/>
-            <a:ext cx="3008313" cy="4691063"/>
+            <a:off x="609603" y="1435103"/>
+            <a:ext cx="4011084" cy="4691063"/>
           </a:xfrm>
         </p:spPr>
         <p:txBody>
@@ -2152,46 +2219,46 @@
           <a:lstStyle>
             <a:lvl1pPr marL="0" indent="0">
               <a:buNone/>
-              <a:defRPr sz="1400"/>
+              <a:defRPr sz="1867"/>
             </a:lvl1pPr>
-            <a:lvl2pPr marL="457200" indent="0">
+            <a:lvl2pPr marL="609585" indent="0">
+              <a:buNone/>
+              <a:defRPr sz="1600"/>
+            </a:lvl2pPr>
+            <a:lvl3pPr marL="1219170" indent="0">
+              <a:buNone/>
+              <a:defRPr sz="1333"/>
+            </a:lvl3pPr>
+            <a:lvl4pPr marL="1828754" indent="0">
               <a:buNone/>
               <a:defRPr sz="1200"/>
-            </a:lvl2pPr>
-            <a:lvl3pPr marL="914400" indent="0">
-              <a:buNone/>
-              <a:defRPr sz="1000"/>
-            </a:lvl3pPr>
-            <a:lvl4pPr marL="1371600" indent="0">
-              <a:buNone/>
-              <a:defRPr sz="900"/>
             </a:lvl4pPr>
-            <a:lvl5pPr marL="1828800" indent="0">
-              <a:buNone/>
-              <a:defRPr sz="900"/>
+            <a:lvl5pPr marL="2438339" indent="0">
+              <a:buNone/>
+              <a:defRPr sz="1200"/>
             </a:lvl5pPr>
-            <a:lvl6pPr marL="2286000" indent="0">
-              <a:buNone/>
-              <a:defRPr sz="900"/>
+            <a:lvl6pPr marL="3047924" indent="0">
+              <a:buNone/>
+              <a:defRPr sz="1200"/>
             </a:lvl6pPr>
-            <a:lvl7pPr marL="2743200" indent="0">
-              <a:buNone/>
-              <a:defRPr sz="900"/>
+            <a:lvl7pPr marL="3657509" indent="0">
+              <a:buNone/>
+              <a:defRPr sz="1200"/>
             </a:lvl7pPr>
-            <a:lvl8pPr marL="3200400" indent="0">
-              <a:buNone/>
-              <a:defRPr sz="900"/>
+            <a:lvl8pPr marL="4267093" indent="0">
+              <a:buNone/>
+              <a:defRPr sz="1200"/>
             </a:lvl8pPr>
-            <a:lvl9pPr marL="3657600" indent="0">
-              <a:buNone/>
-              <a:defRPr sz="900"/>
+            <a:lvl9pPr marL="4876678" indent="0">
+              <a:buNone/>
+              <a:defRPr sz="1200"/>
             </a:lvl9pPr>
           </a:lstStyle>
           <a:p>
             <a:pPr lvl="0"/>
             <a:r>
-              <a:rPr lang="zh-TW" altLang="en-US" smtClean="0"/>
-              <a:t>按一下以編輯母片文字樣式</a:t>
+              <a:rPr lang="en-US" altLang="zh-TW" smtClean="0"/>
+              <a:t>Edit Master text styles</a:t>
             </a:r>
           </a:p>
         </p:txBody>
@@ -2213,7 +2280,7 @@
           <a:p>
             <a:fld id="{A65D7C68-9B15-444B-AF62-7DCFE887C5F7}" type="datetimeFigureOut">
               <a:rPr lang="zh-TW" altLang="en-US" smtClean="0"/>
-              <a:t>2019/4/7</a:t>
+              <a:t>2023/11/11</a:t>
             </a:fld>
             <a:endParaRPr lang="zh-TW" altLang="en-US"/>
           </a:p>
@@ -2262,6 +2329,11 @@
         </p:txBody>
       </p:sp>
     </p:spTree>
+    <p:extLst>
+      <p:ext uri="{BB962C8B-B14F-4D97-AF65-F5344CB8AC3E}">
+        <p14:creationId xmlns:p14="http://schemas.microsoft.com/office/powerpoint/2010/main" val="1588833"/>
+      </p:ext>
+    </p:extLst>
   </p:cSld>
   <p:clrMapOvr>
     <a:masterClrMapping/>
@@ -2298,21 +2370,21 @@
         </p:nvSpPr>
         <p:spPr>
           <a:xfrm>
-            <a:off x="1792288" y="4800600"/>
-            <a:ext cx="5486400" cy="566738"/>
+            <a:off x="2389717" y="4800601"/>
+            <a:ext cx="7315200" cy="566739"/>
           </a:xfrm>
         </p:spPr>
         <p:txBody>
           <a:bodyPr anchor="b"/>
           <a:lstStyle>
             <a:lvl1pPr algn="l">
-              <a:defRPr sz="2000" b="1"/>
+              <a:defRPr sz="2667" b="1"/>
             </a:lvl1pPr>
           </a:lstStyle>
           <a:p>
             <a:r>
-              <a:rPr lang="zh-TW" altLang="en-US" smtClean="0"/>
-              <a:t>按一下以編輯母片標題樣式</a:t>
+              <a:rPr lang="en-US" altLang="zh-TW" smtClean="0"/>
+              <a:t>Click to edit Master title style</a:t>
             </a:r>
             <a:endParaRPr lang="zh-TW" altLang="en-US"/>
           </a:p>
@@ -2330,8 +2402,8 @@
         </p:nvSpPr>
         <p:spPr>
           <a:xfrm>
-            <a:off x="1792288" y="612775"/>
-            <a:ext cx="5486400" cy="4114800"/>
+            <a:off x="2389717" y="612775"/>
+            <a:ext cx="7315200" cy="4114800"/>
           </a:xfrm>
         </p:spPr>
         <p:txBody>
@@ -2339,42 +2411,46 @@
           <a:lstStyle>
             <a:lvl1pPr marL="0" indent="0">
               <a:buNone/>
+              <a:defRPr sz="4267"/>
+            </a:lvl1pPr>
+            <a:lvl2pPr marL="609585" indent="0">
+              <a:buNone/>
+              <a:defRPr sz="3733"/>
+            </a:lvl2pPr>
+            <a:lvl3pPr marL="1219170" indent="0">
+              <a:buNone/>
               <a:defRPr sz="3200"/>
-            </a:lvl1pPr>
-            <a:lvl2pPr marL="457200" indent="0">
-              <a:buNone/>
-              <a:defRPr sz="2800"/>
-            </a:lvl2pPr>
-            <a:lvl3pPr marL="914400" indent="0">
-              <a:buNone/>
-              <a:defRPr sz="2400"/>
             </a:lvl3pPr>
-            <a:lvl4pPr marL="1371600" indent="0">
-              <a:buNone/>
-              <a:defRPr sz="2000"/>
+            <a:lvl4pPr marL="1828754" indent="0">
+              <a:buNone/>
+              <a:defRPr sz="2667"/>
             </a:lvl4pPr>
-            <a:lvl5pPr marL="1828800" indent="0">
-              <a:buNone/>
-              <a:defRPr sz="2000"/>
+            <a:lvl5pPr marL="2438339" indent="0">
+              <a:buNone/>
+              <a:defRPr sz="2667"/>
             </a:lvl5pPr>
-            <a:lvl6pPr marL="2286000" indent="0">
-              <a:buNone/>
-              <a:defRPr sz="2000"/>
+            <a:lvl6pPr marL="3047924" indent="0">
+              <a:buNone/>
+              <a:defRPr sz="2667"/>
             </a:lvl6pPr>
-            <a:lvl7pPr marL="2743200" indent="0">
-              <a:buNone/>
-              <a:defRPr sz="2000"/>
+            <a:lvl7pPr marL="3657509" indent="0">
+              <a:buNone/>
+              <a:defRPr sz="2667"/>
             </a:lvl7pPr>
-            <a:lvl8pPr marL="3200400" indent="0">
-              <a:buNone/>
-              <a:defRPr sz="2000"/>
+            <a:lvl8pPr marL="4267093" indent="0">
+              <a:buNone/>
+              <a:defRPr sz="2667"/>
             </a:lvl8pPr>
-            <a:lvl9pPr marL="3657600" indent="0">
-              <a:buNone/>
-              <a:defRPr sz="2000"/>
+            <a:lvl9pPr marL="4876678" indent="0">
+              <a:buNone/>
+              <a:defRPr sz="2667"/>
             </a:lvl9pPr>
           </a:lstStyle>
           <a:p>
+            <a:r>
+              <a:rPr lang="en-US" altLang="zh-TW" smtClean="0"/>
+              <a:t>Click icon to add picture</a:t>
+            </a:r>
             <a:endParaRPr lang="zh-TW" altLang="en-US"/>
           </a:p>
         </p:txBody>
@@ -2391,8 +2467,8 @@
         </p:nvSpPr>
         <p:spPr>
           <a:xfrm>
-            <a:off x="1792288" y="5367338"/>
-            <a:ext cx="5486400" cy="804862"/>
+            <a:off x="2389717" y="5367339"/>
+            <a:ext cx="7315200" cy="804863"/>
           </a:xfrm>
         </p:spPr>
         <p:txBody>
@@ -2400,46 +2476,46 @@
           <a:lstStyle>
             <a:lvl1pPr marL="0" indent="0">
               <a:buNone/>
-              <a:defRPr sz="1400"/>
+              <a:defRPr sz="1867"/>
             </a:lvl1pPr>
-            <a:lvl2pPr marL="457200" indent="0">
+            <a:lvl2pPr marL="609585" indent="0">
+              <a:buNone/>
+              <a:defRPr sz="1600"/>
+            </a:lvl2pPr>
+            <a:lvl3pPr marL="1219170" indent="0">
+              <a:buNone/>
+              <a:defRPr sz="1333"/>
+            </a:lvl3pPr>
+            <a:lvl4pPr marL="1828754" indent="0">
               <a:buNone/>
               <a:defRPr sz="1200"/>
-            </a:lvl2pPr>
-            <a:lvl3pPr marL="914400" indent="0">
-              <a:buNone/>
-              <a:defRPr sz="1000"/>
-            </a:lvl3pPr>
-            <a:lvl4pPr marL="1371600" indent="0">
-              <a:buNone/>
-              <a:defRPr sz="900"/>
             </a:lvl4pPr>
-            <a:lvl5pPr marL="1828800" indent="0">
-              <a:buNone/>
-              <a:defRPr sz="900"/>
+            <a:lvl5pPr marL="2438339" indent="0">
+              <a:buNone/>
+              <a:defRPr sz="1200"/>
             </a:lvl5pPr>
-            <a:lvl6pPr marL="2286000" indent="0">
-              <a:buNone/>
-              <a:defRPr sz="900"/>
+            <a:lvl6pPr marL="3047924" indent="0">
+              <a:buNone/>
+              <a:defRPr sz="1200"/>
             </a:lvl6pPr>
-            <a:lvl7pPr marL="2743200" indent="0">
-              <a:buNone/>
-              <a:defRPr sz="900"/>
+            <a:lvl7pPr marL="3657509" indent="0">
+              <a:buNone/>
+              <a:defRPr sz="1200"/>
             </a:lvl7pPr>
-            <a:lvl8pPr marL="3200400" indent="0">
-              <a:buNone/>
-              <a:defRPr sz="900"/>
+            <a:lvl8pPr marL="4267093" indent="0">
+              <a:buNone/>
+              <a:defRPr sz="1200"/>
             </a:lvl8pPr>
-            <a:lvl9pPr marL="3657600" indent="0">
-              <a:buNone/>
-              <a:defRPr sz="900"/>
+            <a:lvl9pPr marL="4876678" indent="0">
+              <a:buNone/>
+              <a:defRPr sz="1200"/>
             </a:lvl9pPr>
           </a:lstStyle>
           <a:p>
             <a:pPr lvl="0"/>
             <a:r>
-              <a:rPr lang="zh-TW" altLang="en-US" smtClean="0"/>
-              <a:t>按一下以編輯母片文字樣式</a:t>
+              <a:rPr lang="en-US" altLang="zh-TW" smtClean="0"/>
+              <a:t>Edit Master text styles</a:t>
             </a:r>
           </a:p>
         </p:txBody>
@@ -2461,7 +2537,7 @@
           <a:p>
             <a:fld id="{A65D7C68-9B15-444B-AF62-7DCFE887C5F7}" type="datetimeFigureOut">
               <a:rPr lang="zh-TW" altLang="en-US" smtClean="0"/>
-              <a:t>2019/4/7</a:t>
+              <a:t>2023/11/11</a:t>
             </a:fld>
             <a:endParaRPr lang="zh-TW" altLang="en-US"/>
           </a:p>
@@ -2510,6 +2586,11 @@
         </p:txBody>
       </p:sp>
     </p:spTree>
+    <p:extLst>
+      <p:ext uri="{BB962C8B-B14F-4D97-AF65-F5344CB8AC3E}">
+        <p14:creationId xmlns:p14="http://schemas.microsoft.com/office/powerpoint/2010/main" val="1762812024"/>
+      </p:ext>
+    </p:extLst>
   </p:cSld>
   <p:clrMapOvr>
     <a:masterClrMapping/>
@@ -2521,9 +2602,14 @@
 <p:sldMaster xmlns:a="http://schemas.openxmlformats.org/drawingml/2006/main" xmlns:r="http://schemas.openxmlformats.org/officeDocument/2006/relationships" xmlns:p="http://schemas.openxmlformats.org/presentationml/2006/main">
   <p:cSld>
     <p:bg>
-      <p:bgRef idx="1001">
-        <a:schemeClr val="bg1"/>
-      </p:bgRef>
+      <p:bgPr>
+        <a:blipFill dpi="0" rotWithShape="1">
+          <a:blip r:embed="rId13"/>
+          <a:srcRect/>
+          <a:tile tx="0" ty="0" sx="100000" sy="100000" flip="none" algn="tl"/>
+        </a:blipFill>
+        <a:effectLst/>
+      </p:bgPr>
     </p:bg>
     <p:spTree>
       <p:nvGrpSpPr>
@@ -2551,8 +2637,8 @@
         </p:nvSpPr>
         <p:spPr>
           <a:xfrm>
-            <a:off x="457200" y="274638"/>
-            <a:ext cx="8229600" cy="1143000"/>
+            <a:off x="609600" y="274637"/>
+            <a:ext cx="10972800" cy="1143000"/>
           </a:xfrm>
           <a:prstGeom prst="rect">
             <a:avLst/>
@@ -2584,8 +2670,8 @@
         </p:nvSpPr>
         <p:spPr>
           <a:xfrm>
-            <a:off x="457200" y="1600200"/>
-            <a:ext cx="8229600" cy="4525963"/>
+            <a:off x="609600" y="1600201"/>
+            <a:ext cx="10972800" cy="4525963"/>
           </a:xfrm>
           <a:prstGeom prst="rect">
             <a:avLst/>
@@ -2646,8 +2732,8 @@
         </p:nvSpPr>
         <p:spPr>
           <a:xfrm>
-            <a:off x="457200" y="6356350"/>
-            <a:ext cx="2133600" cy="365125"/>
+            <a:off x="609600" y="6356352"/>
+            <a:ext cx="2844800" cy="365125"/>
           </a:xfrm>
           <a:prstGeom prst="rect">
             <a:avLst/>
@@ -2657,7 +2743,7 @@
           <a:bodyPr vert="horz" lIns="91440" tIns="45720" rIns="91440" bIns="45720" rtlCol="0" anchor="ctr"/>
           <a:lstStyle>
             <a:lvl1pPr algn="l">
-              <a:defRPr sz="1200">
+              <a:defRPr sz="1600">
                 <a:solidFill>
                   <a:schemeClr val="tx1">
                     <a:tint val="75000"/>
@@ -2669,7 +2755,7 @@
           <a:p>
             <a:fld id="{A65D7C68-9B15-444B-AF62-7DCFE887C5F7}" type="datetimeFigureOut">
               <a:rPr lang="zh-TW" altLang="en-US" smtClean="0"/>
-              <a:t>2019/4/7</a:t>
+              <a:t>2023/11/11</a:t>
             </a:fld>
             <a:endParaRPr lang="zh-TW" altLang="en-US"/>
           </a:p>
@@ -2687,8 +2773,8 @@
         </p:nvSpPr>
         <p:spPr>
           <a:xfrm>
-            <a:off x="3124200" y="6356350"/>
-            <a:ext cx="2895600" cy="365125"/>
+            <a:off x="4165600" y="6356352"/>
+            <a:ext cx="3860800" cy="365125"/>
           </a:xfrm>
           <a:prstGeom prst="rect">
             <a:avLst/>
@@ -2698,7 +2784,7 @@
           <a:bodyPr vert="horz" lIns="91440" tIns="45720" rIns="91440" bIns="45720" rtlCol="0" anchor="ctr"/>
           <a:lstStyle>
             <a:lvl1pPr algn="ctr">
-              <a:defRPr sz="1200">
+              <a:defRPr sz="1600">
                 <a:solidFill>
                   <a:schemeClr val="tx1">
                     <a:tint val="75000"/>
@@ -2724,8 +2810,8 @@
         </p:nvSpPr>
         <p:spPr>
           <a:xfrm>
-            <a:off x="6553200" y="6356350"/>
-            <a:ext cx="2133600" cy="365125"/>
+            <a:off x="8737600" y="6356352"/>
+            <a:ext cx="2844800" cy="365125"/>
           </a:xfrm>
           <a:prstGeom prst="rect">
             <a:avLst/>
@@ -2735,7 +2821,7 @@
           <a:bodyPr vert="horz" lIns="91440" tIns="45720" rIns="91440" bIns="45720" rtlCol="0" anchor="ctr"/>
           <a:lstStyle>
             <a:lvl1pPr algn="r">
-              <a:defRPr sz="1200">
+              <a:defRPr sz="1600">
                 <a:solidFill>
                   <a:schemeClr val="tx1">
                     <a:tint val="75000"/>
@@ -2754,29 +2840,34 @@
         </p:txBody>
       </p:sp>
     </p:spTree>
+    <p:extLst>
+      <p:ext uri="{BB962C8B-B14F-4D97-AF65-F5344CB8AC3E}">
+        <p14:creationId xmlns:p14="http://schemas.microsoft.com/office/powerpoint/2010/main" val="2806716440"/>
+      </p:ext>
+    </p:extLst>
   </p:cSld>
   <p:clrMap bg1="lt1" tx1="dk1" bg2="lt2" tx2="dk2" accent1="accent1" accent2="accent2" accent3="accent3" accent4="accent4" accent5="accent5" accent6="accent6" hlink="hlink" folHlink="folHlink"/>
   <p:sldLayoutIdLst>
-    <p:sldLayoutId id="2147483649" r:id="rId1"/>
-    <p:sldLayoutId id="2147483650" r:id="rId2"/>
-    <p:sldLayoutId id="2147483651" r:id="rId3"/>
-    <p:sldLayoutId id="2147483652" r:id="rId4"/>
-    <p:sldLayoutId id="2147483653" r:id="rId5"/>
-    <p:sldLayoutId id="2147483654" r:id="rId6"/>
-    <p:sldLayoutId id="2147483655" r:id="rId7"/>
-    <p:sldLayoutId id="2147483656" r:id="rId8"/>
-    <p:sldLayoutId id="2147483657" r:id="rId9"/>
-    <p:sldLayoutId id="2147483658" r:id="rId10"/>
-    <p:sldLayoutId id="2147483659" r:id="rId11"/>
+    <p:sldLayoutId id="2147483661" r:id="rId1"/>
+    <p:sldLayoutId id="2147483662" r:id="rId2"/>
+    <p:sldLayoutId id="2147483663" r:id="rId3"/>
+    <p:sldLayoutId id="2147483664" r:id="rId4"/>
+    <p:sldLayoutId id="2147483665" r:id="rId5"/>
+    <p:sldLayoutId id="2147483666" r:id="rId6"/>
+    <p:sldLayoutId id="2147483667" r:id="rId7"/>
+    <p:sldLayoutId id="2147483668" r:id="rId8"/>
+    <p:sldLayoutId id="2147483669" r:id="rId9"/>
+    <p:sldLayoutId id="2147483670" r:id="rId10"/>
+    <p:sldLayoutId id="2147483671" r:id="rId11"/>
   </p:sldLayoutIdLst>
   <p:txStyles>
     <p:titleStyle>
-      <a:lvl1pPr algn="ctr" defTabSz="914400" rtl="0" eaLnBrk="1" latinLnBrk="0" hangingPunct="1">
+      <a:lvl1pPr algn="ctr" defTabSz="1219170" rtl="0" eaLnBrk="1" latinLnBrk="0" hangingPunct="1">
         <a:spcBef>
           <a:spcPct val="0"/>
         </a:spcBef>
         <a:buNone/>
-        <a:defRPr sz="4400" kern="1200">
+        <a:defRPr sz="5867" kern="1200">
           <a:solidFill>
             <a:schemeClr val="tx1"/>
           </a:solidFill>
@@ -2787,11 +2878,41 @@
       </a:lvl1pPr>
     </p:titleStyle>
     <p:bodyStyle>
-      <a:lvl1pPr marL="342900" indent="-342900" algn="l" defTabSz="914400" rtl="0" eaLnBrk="1" latinLnBrk="0" hangingPunct="1">
+      <a:lvl1pPr marL="457189" indent="-457189" algn="l" defTabSz="1219170" rtl="0" eaLnBrk="1" latinLnBrk="0" hangingPunct="1">
         <a:spcBef>
           <a:spcPct val="20000"/>
         </a:spcBef>
-        <a:buFont typeface="Arial" pitchFamily="34" charset="0"/>
+        <a:buFont typeface="Arial" panose="02080604020202020204" pitchFamily="34" charset="0"/>
+        <a:buChar char="•"/>
+        <a:defRPr sz="4267" kern="1200">
+          <a:solidFill>
+            <a:schemeClr val="tx1"/>
+          </a:solidFill>
+          <a:latin typeface="+mn-lt"/>
+          <a:ea typeface="+mn-ea"/>
+          <a:cs typeface="+mn-cs"/>
+        </a:defRPr>
+      </a:lvl1pPr>
+      <a:lvl2pPr marL="990575" indent="-380990" algn="l" defTabSz="1219170" rtl="0" eaLnBrk="1" latinLnBrk="0" hangingPunct="1">
+        <a:spcBef>
+          <a:spcPct val="20000"/>
+        </a:spcBef>
+        <a:buFont typeface="Arial" panose="02080604020202020204" pitchFamily="34" charset="0"/>
+        <a:buChar char="–"/>
+        <a:defRPr sz="3733" kern="1200">
+          <a:solidFill>
+            <a:schemeClr val="tx1"/>
+          </a:solidFill>
+          <a:latin typeface="+mn-lt"/>
+          <a:ea typeface="+mn-ea"/>
+          <a:cs typeface="+mn-cs"/>
+        </a:defRPr>
+      </a:lvl2pPr>
+      <a:lvl3pPr marL="1523962" indent="-304792" algn="l" defTabSz="1219170" rtl="0" eaLnBrk="1" latinLnBrk="0" hangingPunct="1">
+        <a:spcBef>
+          <a:spcPct val="20000"/>
+        </a:spcBef>
+        <a:buFont typeface="Arial" panose="02080604020202020204" pitchFamily="34" charset="0"/>
         <a:buChar char="•"/>
         <a:defRPr sz="3200" kern="1200">
           <a:solidFill>
@@ -2801,44 +2922,14 @@
           <a:ea typeface="+mn-ea"/>
           <a:cs typeface="+mn-cs"/>
         </a:defRPr>
-      </a:lvl1pPr>
-      <a:lvl2pPr marL="742950" indent="-285750" algn="l" defTabSz="914400" rtl="0" eaLnBrk="1" latinLnBrk="0" hangingPunct="1">
+      </a:lvl3pPr>
+      <a:lvl4pPr marL="2133547" indent="-304792" algn="l" defTabSz="1219170" rtl="0" eaLnBrk="1" latinLnBrk="0" hangingPunct="1">
         <a:spcBef>
           <a:spcPct val="20000"/>
         </a:spcBef>
-        <a:buFont typeface="Arial" pitchFamily="34" charset="0"/>
+        <a:buFont typeface="Arial" panose="02080604020202020204" pitchFamily="34" charset="0"/>
         <a:buChar char="–"/>
-        <a:defRPr sz="2800" kern="1200">
-          <a:solidFill>
-            <a:schemeClr val="tx1"/>
-          </a:solidFill>
-          <a:latin typeface="+mn-lt"/>
-          <a:ea typeface="+mn-ea"/>
-          <a:cs typeface="+mn-cs"/>
-        </a:defRPr>
-      </a:lvl2pPr>
-      <a:lvl3pPr marL="1143000" indent="-228600" algn="l" defTabSz="914400" rtl="0" eaLnBrk="1" latinLnBrk="0" hangingPunct="1">
-        <a:spcBef>
-          <a:spcPct val="20000"/>
-        </a:spcBef>
-        <a:buFont typeface="Arial" pitchFamily="34" charset="0"/>
-        <a:buChar char="•"/>
-        <a:defRPr sz="2400" kern="1200">
-          <a:solidFill>
-            <a:schemeClr val="tx1"/>
-          </a:solidFill>
-          <a:latin typeface="+mn-lt"/>
-          <a:ea typeface="+mn-ea"/>
-          <a:cs typeface="+mn-cs"/>
-        </a:defRPr>
-      </a:lvl3pPr>
-      <a:lvl4pPr marL="1600200" indent="-228600" algn="l" defTabSz="914400" rtl="0" eaLnBrk="1" latinLnBrk="0" hangingPunct="1">
-        <a:spcBef>
-          <a:spcPct val="20000"/>
-        </a:spcBef>
-        <a:buFont typeface="Arial" pitchFamily="34" charset="0"/>
-        <a:buChar char="–"/>
-        <a:defRPr sz="2000" kern="1200">
+        <a:defRPr sz="2667" kern="1200">
           <a:solidFill>
             <a:schemeClr val="tx1"/>
           </a:solidFill>
@@ -2847,13 +2938,13 @@
           <a:cs typeface="+mn-cs"/>
         </a:defRPr>
       </a:lvl4pPr>
-      <a:lvl5pPr marL="2057400" indent="-228600" algn="l" defTabSz="914400" rtl="0" eaLnBrk="1" latinLnBrk="0" hangingPunct="1">
+      <a:lvl5pPr marL="2743131" indent="-304792" algn="l" defTabSz="1219170" rtl="0" eaLnBrk="1" latinLnBrk="0" hangingPunct="1">
         <a:spcBef>
           <a:spcPct val="20000"/>
         </a:spcBef>
-        <a:buFont typeface="Arial" pitchFamily="34" charset="0"/>
+        <a:buFont typeface="Arial" panose="02080604020202020204" pitchFamily="34" charset="0"/>
         <a:buChar char="»"/>
-        <a:defRPr sz="2000" kern="1200">
+        <a:defRPr sz="2667" kern="1200">
           <a:solidFill>
             <a:schemeClr val="tx1"/>
           </a:solidFill>
@@ -2862,13 +2953,13 @@
           <a:cs typeface="+mn-cs"/>
         </a:defRPr>
       </a:lvl5pPr>
-      <a:lvl6pPr marL="2514600" indent="-228600" algn="l" defTabSz="914400" rtl="0" eaLnBrk="1" latinLnBrk="0" hangingPunct="1">
+      <a:lvl6pPr marL="3352716" indent="-304792" algn="l" defTabSz="1219170" rtl="0" eaLnBrk="1" latinLnBrk="0" hangingPunct="1">
         <a:spcBef>
           <a:spcPct val="20000"/>
         </a:spcBef>
-        <a:buFont typeface="Arial" pitchFamily="34" charset="0"/>
+        <a:buFont typeface="Arial" panose="02080604020202020204" pitchFamily="34" charset="0"/>
         <a:buChar char="•"/>
-        <a:defRPr sz="2000" kern="1200">
+        <a:defRPr sz="2667" kern="1200">
           <a:solidFill>
             <a:schemeClr val="tx1"/>
           </a:solidFill>
@@ -2877,13 +2968,13 @@
           <a:cs typeface="+mn-cs"/>
         </a:defRPr>
       </a:lvl6pPr>
-      <a:lvl7pPr marL="2971800" indent="-228600" algn="l" defTabSz="914400" rtl="0" eaLnBrk="1" latinLnBrk="0" hangingPunct="1">
+      <a:lvl7pPr marL="3962301" indent="-304792" algn="l" defTabSz="1219170" rtl="0" eaLnBrk="1" latinLnBrk="0" hangingPunct="1">
         <a:spcBef>
           <a:spcPct val="20000"/>
         </a:spcBef>
-        <a:buFont typeface="Arial" pitchFamily="34" charset="0"/>
+        <a:buFont typeface="Arial" panose="02080604020202020204" pitchFamily="34" charset="0"/>
         <a:buChar char="•"/>
-        <a:defRPr sz="2000" kern="1200">
+        <a:defRPr sz="2667" kern="1200">
           <a:solidFill>
             <a:schemeClr val="tx1"/>
           </a:solidFill>
@@ -2892,13 +2983,13 @@
           <a:cs typeface="+mn-cs"/>
         </a:defRPr>
       </a:lvl7pPr>
-      <a:lvl8pPr marL="3429000" indent="-228600" algn="l" defTabSz="914400" rtl="0" eaLnBrk="1" latinLnBrk="0" hangingPunct="1">
+      <a:lvl8pPr marL="4571886" indent="-304792" algn="l" defTabSz="1219170" rtl="0" eaLnBrk="1" latinLnBrk="0" hangingPunct="1">
         <a:spcBef>
           <a:spcPct val="20000"/>
         </a:spcBef>
-        <a:buFont typeface="Arial" pitchFamily="34" charset="0"/>
+        <a:buFont typeface="Arial" panose="02080604020202020204" pitchFamily="34" charset="0"/>
         <a:buChar char="•"/>
-        <a:defRPr sz="2000" kern="1200">
+        <a:defRPr sz="2667" kern="1200">
           <a:solidFill>
             <a:schemeClr val="tx1"/>
           </a:solidFill>
@@ -2907,13 +2998,13 @@
           <a:cs typeface="+mn-cs"/>
         </a:defRPr>
       </a:lvl8pPr>
-      <a:lvl9pPr marL="3886200" indent="-228600" algn="l" defTabSz="914400" rtl="0" eaLnBrk="1" latinLnBrk="0" hangingPunct="1">
+      <a:lvl9pPr marL="5181470" indent="-304792" algn="l" defTabSz="1219170" rtl="0" eaLnBrk="1" latinLnBrk="0" hangingPunct="1">
         <a:spcBef>
           <a:spcPct val="20000"/>
         </a:spcBef>
-        <a:buFont typeface="Arial" pitchFamily="34" charset="0"/>
+        <a:buFont typeface="Arial" panose="02080604020202020204" pitchFamily="34" charset="0"/>
         <a:buChar char="•"/>
-        <a:defRPr sz="2000" kern="1200">
+        <a:defRPr sz="2667" kern="1200">
           <a:solidFill>
             <a:schemeClr val="tx1"/>
           </a:solidFill>
@@ -2927,8 +3018,8 @@
       <a:defPPr>
         <a:defRPr lang="zh-TW"/>
       </a:defPPr>
-      <a:lvl1pPr marL="0" algn="l" defTabSz="914400" rtl="0" eaLnBrk="1" latinLnBrk="0" hangingPunct="1">
-        <a:defRPr sz="1800" kern="1200">
+      <a:lvl1pPr marL="0" algn="l" defTabSz="1219170" rtl="0" eaLnBrk="1" latinLnBrk="0" hangingPunct="1">
+        <a:defRPr sz="2400" kern="1200">
           <a:solidFill>
             <a:schemeClr val="tx1"/>
           </a:solidFill>
@@ -2937,8 +3028,8 @@
           <a:cs typeface="+mn-cs"/>
         </a:defRPr>
       </a:lvl1pPr>
-      <a:lvl2pPr marL="457200" algn="l" defTabSz="914400" rtl="0" eaLnBrk="1" latinLnBrk="0" hangingPunct="1">
-        <a:defRPr sz="1800" kern="1200">
+      <a:lvl2pPr marL="609585" algn="l" defTabSz="1219170" rtl="0" eaLnBrk="1" latinLnBrk="0" hangingPunct="1">
+        <a:defRPr sz="2400" kern="1200">
           <a:solidFill>
             <a:schemeClr val="tx1"/>
           </a:solidFill>
@@ -2947,8 +3038,8 @@
           <a:cs typeface="+mn-cs"/>
         </a:defRPr>
       </a:lvl2pPr>
-      <a:lvl3pPr marL="914400" algn="l" defTabSz="914400" rtl="0" eaLnBrk="1" latinLnBrk="0" hangingPunct="1">
-        <a:defRPr sz="1800" kern="1200">
+      <a:lvl3pPr marL="1219170" algn="l" defTabSz="1219170" rtl="0" eaLnBrk="1" latinLnBrk="0" hangingPunct="1">
+        <a:defRPr sz="2400" kern="1200">
           <a:solidFill>
             <a:schemeClr val="tx1"/>
           </a:solidFill>
@@ -2957,8 +3048,8 @@
           <a:cs typeface="+mn-cs"/>
         </a:defRPr>
       </a:lvl3pPr>
-      <a:lvl4pPr marL="1371600" algn="l" defTabSz="914400" rtl="0" eaLnBrk="1" latinLnBrk="0" hangingPunct="1">
-        <a:defRPr sz="1800" kern="1200">
+      <a:lvl4pPr marL="1828754" algn="l" defTabSz="1219170" rtl="0" eaLnBrk="1" latinLnBrk="0" hangingPunct="1">
+        <a:defRPr sz="2400" kern="1200">
           <a:solidFill>
             <a:schemeClr val="tx1"/>
           </a:solidFill>
@@ -2967,8 +3058,8 @@
           <a:cs typeface="+mn-cs"/>
         </a:defRPr>
       </a:lvl4pPr>
-      <a:lvl5pPr marL="1828800" algn="l" defTabSz="914400" rtl="0" eaLnBrk="1" latinLnBrk="0" hangingPunct="1">
-        <a:defRPr sz="1800" kern="1200">
+      <a:lvl5pPr marL="2438339" algn="l" defTabSz="1219170" rtl="0" eaLnBrk="1" latinLnBrk="0" hangingPunct="1">
+        <a:defRPr sz="2400" kern="1200">
           <a:solidFill>
             <a:schemeClr val="tx1"/>
           </a:solidFill>
@@ -2977,8 +3068,8 @@
           <a:cs typeface="+mn-cs"/>
         </a:defRPr>
       </a:lvl5pPr>
-      <a:lvl6pPr marL="2286000" algn="l" defTabSz="914400" rtl="0" eaLnBrk="1" latinLnBrk="0" hangingPunct="1">
-        <a:defRPr sz="1800" kern="1200">
+      <a:lvl6pPr marL="3047924" algn="l" defTabSz="1219170" rtl="0" eaLnBrk="1" latinLnBrk="0" hangingPunct="1">
+        <a:defRPr sz="2400" kern="1200">
           <a:solidFill>
             <a:schemeClr val="tx1"/>
           </a:solidFill>
@@ -2987,8 +3078,8 @@
           <a:cs typeface="+mn-cs"/>
         </a:defRPr>
       </a:lvl6pPr>
-      <a:lvl7pPr marL="2743200" algn="l" defTabSz="914400" rtl="0" eaLnBrk="1" latinLnBrk="0" hangingPunct="1">
-        <a:defRPr sz="1800" kern="1200">
+      <a:lvl7pPr marL="3657509" algn="l" defTabSz="1219170" rtl="0" eaLnBrk="1" latinLnBrk="0" hangingPunct="1">
+        <a:defRPr sz="2400" kern="1200">
           <a:solidFill>
             <a:schemeClr val="tx1"/>
           </a:solidFill>
@@ -2997,8 +3088,8 @@
           <a:cs typeface="+mn-cs"/>
         </a:defRPr>
       </a:lvl7pPr>
-      <a:lvl8pPr marL="3200400" algn="l" defTabSz="914400" rtl="0" eaLnBrk="1" latinLnBrk="0" hangingPunct="1">
-        <a:defRPr sz="1800" kern="1200">
+      <a:lvl8pPr marL="4267093" algn="l" defTabSz="1219170" rtl="0" eaLnBrk="1" latinLnBrk="0" hangingPunct="1">
+        <a:defRPr sz="2400" kern="1200">
           <a:solidFill>
             <a:schemeClr val="tx1"/>
           </a:solidFill>
@@ -3007,8 +3098,8 @@
           <a:cs typeface="+mn-cs"/>
         </a:defRPr>
       </a:lvl8pPr>
-      <a:lvl9pPr marL="3657600" algn="l" defTabSz="914400" rtl="0" eaLnBrk="1" latinLnBrk="0" hangingPunct="1">
-        <a:defRPr sz="1800" kern="1200">
+      <a:lvl9pPr marL="4876678" algn="l" defTabSz="1219170" rtl="0" eaLnBrk="1" latinLnBrk="0" hangingPunct="1">
+        <a:defRPr sz="2400" kern="1200">
           <a:solidFill>
             <a:schemeClr val="tx1"/>
           </a:solidFill>
@@ -3041,7 +3132,7 @@
       </p:grpSpPr>
       <p:sp>
         <p:nvSpPr>
-          <p:cNvPr id="2" name="標題 1"/>
+          <p:cNvPr id="4" name="標題 3"/>
           <p:cNvSpPr>
             <a:spLocks noGrp="1"/>
           </p:cNvSpPr>
@@ -3049,168 +3140,639 @@
             <p:ph type="title"/>
           </p:nvPr>
         </p:nvSpPr>
-        <p:spPr/>
-        <p:txBody>
-          <a:bodyPr/>
-          <a:lstStyle/>
-          <a:p>
-            <a:r>
-              <a:rPr lang="zh-CN" altLang="en-US" b="1" dirty="0" smtClean="0">
+        <p:spPr>
+          <a:xfrm>
+            <a:off x="0" y="2660915"/>
+            <a:ext cx="12192000" cy="1143000"/>
+          </a:xfrm>
+        </p:spPr>
+        <p:txBody>
+          <a:bodyPr>
+            <a:noAutofit/>
+          </a:bodyPr>
+          <a:lstStyle/>
+          <a:p>
+            <a:r>
+              <a:rPr lang="zh-CN" altLang="en-US" sz="5333" b="1" u="sng" dirty="0">
+                <a:solidFill>
+                  <a:srgbClr val="000066"/>
+                </a:solidFill>
+                <a:effectLst>
+                  <a:outerShdw blurRad="38100" dist="38100" dir="2700000" algn="tl">
+                    <a:srgbClr val="000000">
+                      <a:alpha val="43137"/>
+                    </a:srgbClr>
+                  </a:outerShdw>
+                </a:effectLst>
                 <a:latin typeface="微軟正黑體" pitchFamily="34" charset="-120"/>
                 <a:ea typeface="微軟正黑體" pitchFamily="34" charset="-120"/>
               </a:rPr>
-              <a:t>耶穌復生</a:t>
-            </a:r>
-            <a:endParaRPr lang="zh-TW" altLang="en-US" b="1" dirty="0">
+              <a:t>宣道詩 </a:t>
+            </a:r>
+            <a:r>
+              <a:rPr lang="en-US" altLang="zh-CN" sz="5333" b="1" u="sng" dirty="0">
+                <a:solidFill>
+                  <a:srgbClr val="000066"/>
+                </a:solidFill>
+                <a:effectLst>
+                  <a:outerShdw blurRad="38100" dist="38100" dir="2700000" algn="tl">
+                    <a:srgbClr val="000000">
+                      <a:alpha val="43137"/>
+                    </a:srgbClr>
+                  </a:outerShdw>
+                </a:effectLst>
+                <a:latin typeface="微軟正黑體" pitchFamily="34" charset="-120"/>
+                <a:ea typeface="微軟正黑體" pitchFamily="34" charset="-120"/>
+              </a:rPr>
+              <a:t>285</a:t>
+            </a:r>
+            <a:r>
+              <a:rPr lang="en-US" altLang="zh-CN" sz="7200" b="1" i="1" dirty="0">
+                <a:solidFill>
+                  <a:srgbClr val="660033"/>
+                </a:solidFill>
+                <a:effectLst>
+                  <a:outerShdw blurRad="38100" dist="38100" dir="2700000" algn="tl">
+                    <a:srgbClr val="000000">
+                      <a:alpha val="43137"/>
+                    </a:srgbClr>
+                  </a:outerShdw>
+                </a:effectLst>
+                <a:latin typeface="微軟正黑體" pitchFamily="34" charset="-120"/>
+                <a:ea typeface="微軟正黑體" pitchFamily="34" charset="-120"/>
+              </a:rPr>
+              <a:t/>
+            </a:r>
+            <a:br>
+              <a:rPr lang="en-US" altLang="zh-CN" sz="7200" b="1" i="1" dirty="0">
+                <a:solidFill>
+                  <a:srgbClr val="660033"/>
+                </a:solidFill>
+                <a:effectLst>
+                  <a:outerShdw blurRad="38100" dist="38100" dir="2700000" algn="tl">
+                    <a:srgbClr val="000000">
+                      <a:alpha val="43137"/>
+                    </a:srgbClr>
+                  </a:outerShdw>
+                </a:effectLst>
+                <a:latin typeface="微軟正黑體" pitchFamily="34" charset="-120"/>
+                <a:ea typeface="微軟正黑體" pitchFamily="34" charset="-120"/>
+              </a:rPr>
+            </a:br>
+            <a:r>
+              <a:rPr lang="zh-CN" altLang="en-US" sz="8000" b="1" dirty="0">
+                <a:solidFill>
+                  <a:srgbClr val="660033"/>
+                </a:solidFill>
+                <a:effectLst>
+                  <a:outerShdw blurRad="38100" dist="38100" dir="2700000" algn="tl">
+                    <a:srgbClr val="000000">
+                      <a:alpha val="43137"/>
+                    </a:srgbClr>
+                  </a:outerShdw>
+                </a:effectLst>
+                <a:latin typeface="微軟正黑體" pitchFamily="34" charset="-120"/>
+                <a:ea typeface="微軟正黑體" pitchFamily="34" charset="-120"/>
+              </a:rPr>
+              <a:t>耶</a:t>
+            </a:r>
+            <a:r>
+              <a:rPr lang="zh-CN" altLang="en-US" sz="8000" b="1" dirty="0">
+                <a:solidFill>
+                  <a:srgbClr val="660033"/>
+                </a:solidFill>
+                <a:effectLst>
+                  <a:outerShdw blurRad="38100" dist="38100" dir="2700000" algn="tl">
+                    <a:srgbClr val="000000">
+                      <a:alpha val="43137"/>
+                    </a:srgbClr>
+                  </a:outerShdw>
+                </a:effectLst>
+                <a:latin typeface="微軟正黑體" pitchFamily="34" charset="-120"/>
+                <a:ea typeface="微軟正黑體" pitchFamily="34" charset="-120"/>
+              </a:rPr>
+              <a:t>穌復生</a:t>
+            </a:r>
+            <a:endParaRPr lang="zh-TW" altLang="en-US" sz="8000" b="1" dirty="0">
+              <a:solidFill>
+                <a:srgbClr val="660033"/>
+              </a:solidFill>
+              <a:effectLst>
+                <a:outerShdw blurRad="38100" dist="38100" dir="2700000" algn="tl">
+                  <a:srgbClr val="000000">
+                    <a:alpha val="43137"/>
+                  </a:srgbClr>
+                </a:outerShdw>
+              </a:effectLst>
               <a:latin typeface="微軟正黑體" pitchFamily="34" charset="-120"/>
               <a:ea typeface="微軟正黑體" pitchFamily="34" charset="-120"/>
             </a:endParaRPr>
           </a:p>
         </p:txBody>
       </p:sp>
-      <p:sp>
-        <p:nvSpPr>
-          <p:cNvPr id="3" name="內容版面配置區 2"/>
-          <p:cNvSpPr>
-            <a:spLocks noGrp="1"/>
-          </p:cNvSpPr>
-          <p:nvPr>
-            <p:ph idx="1"/>
-          </p:nvPr>
-        </p:nvSpPr>
-        <p:spPr>
-          <a:xfrm>
-            <a:off x="0" y="1600200"/>
-            <a:ext cx="9144000" cy="4525963"/>
-          </a:xfrm>
-        </p:spPr>
-        <p:txBody>
-          <a:bodyPr>
-            <a:noAutofit/>
-          </a:bodyPr>
-          <a:lstStyle/>
-          <a:p>
-            <a:pPr algn="ctr">
-              <a:buNone/>
-            </a:pPr>
-            <a:r>
-              <a:rPr lang="zh-CN" altLang="en-US" sz="5400" b="1" dirty="0" smtClean="0">
-                <a:latin typeface="微軟正黑體" pitchFamily="34" charset="-120"/>
-                <a:ea typeface="微軟正黑體" pitchFamily="34" charset="-120"/>
-              </a:rPr>
-              <a:t>聽阿天使高聲唱</a:t>
-            </a:r>
-            <a:endParaRPr lang="en-US" altLang="zh-CN" sz="5400" b="1" dirty="0" smtClean="0">
-              <a:latin typeface="微軟正黑體" pitchFamily="34" charset="-120"/>
-              <a:ea typeface="微軟正黑體" pitchFamily="34" charset="-120"/>
-            </a:endParaRPr>
-          </a:p>
-          <a:p>
-            <a:pPr algn="ctr">
-              <a:buNone/>
-            </a:pPr>
-            <a:r>
-              <a:rPr lang="zh-CN" altLang="en-US" sz="5400" b="1" dirty="0" smtClean="0">
-                <a:latin typeface="微軟正黑體" pitchFamily="34" charset="-120"/>
-                <a:ea typeface="微軟正黑體" pitchFamily="34" charset="-120"/>
-              </a:rPr>
-              <a:t>阿利路亞</a:t>
-            </a:r>
-            <a:r>
-              <a:rPr lang="en-US" altLang="zh-CN" sz="5400" b="1" dirty="0">
-                <a:latin typeface="微軟正黑體" pitchFamily="34" charset="-120"/>
-                <a:ea typeface="微軟正黑體" pitchFamily="34" charset="-120"/>
-              </a:rPr>
-              <a:t> </a:t>
-            </a:r>
-            <a:r>
-              <a:rPr lang="en-US" altLang="zh-CN" sz="5400" b="1" dirty="0" smtClean="0">
-                <a:latin typeface="微軟正黑體" pitchFamily="34" charset="-120"/>
-                <a:ea typeface="微軟正黑體" pitchFamily="34" charset="-120"/>
-              </a:rPr>
-              <a:t>  </a:t>
-            </a:r>
-            <a:r>
-              <a:rPr lang="zh-CN" altLang="en-US" sz="5400" b="1" dirty="0" smtClean="0">
-                <a:latin typeface="微軟正黑體" pitchFamily="34" charset="-120"/>
-                <a:ea typeface="微軟正黑體" pitchFamily="34" charset="-120"/>
-              </a:rPr>
-              <a:t>主從墳墓已復活</a:t>
-            </a:r>
-            <a:endParaRPr lang="en-US" altLang="zh-CN" sz="5400" b="1" dirty="0" smtClean="0">
-              <a:latin typeface="微軟正黑體" pitchFamily="34" charset="-120"/>
-              <a:ea typeface="微軟正黑體" pitchFamily="34" charset="-120"/>
-            </a:endParaRPr>
-          </a:p>
-          <a:p>
-            <a:pPr algn="ctr">
-              <a:buNone/>
-            </a:pPr>
-            <a:r>
-              <a:rPr lang="zh-CN" altLang="en-US" sz="5400" b="1" dirty="0" smtClean="0">
-                <a:latin typeface="微軟正黑體" pitchFamily="34" charset="-120"/>
-                <a:ea typeface="微軟正黑體" pitchFamily="34" charset="-120"/>
-              </a:rPr>
-              <a:t>阿利</a:t>
-            </a:r>
-            <a:r>
-              <a:rPr lang="zh-CN" altLang="en-US" sz="5400" b="1" dirty="0">
-                <a:latin typeface="微軟正黑體" pitchFamily="34" charset="-120"/>
-                <a:ea typeface="微軟正黑體" pitchFamily="34" charset="-120"/>
-              </a:rPr>
-              <a:t>路</a:t>
-            </a:r>
-            <a:r>
-              <a:rPr lang="zh-CN" altLang="en-US" sz="5400" b="1" dirty="0" smtClean="0">
-                <a:latin typeface="微軟正黑體" pitchFamily="34" charset="-120"/>
-                <a:ea typeface="微軟正黑體" pitchFamily="34" charset="-120"/>
-              </a:rPr>
-              <a:t>亞   快快傳開好消息</a:t>
-            </a:r>
-            <a:endParaRPr lang="en-US" altLang="zh-CN" sz="5400" b="1" dirty="0" smtClean="0">
-              <a:latin typeface="微軟正黑體" pitchFamily="34" charset="-120"/>
-              <a:ea typeface="微軟正黑體" pitchFamily="34" charset="-120"/>
-            </a:endParaRPr>
-          </a:p>
-          <a:p>
-            <a:pPr algn="ctr">
-              <a:buNone/>
-            </a:pPr>
-            <a:r>
-              <a:rPr lang="zh-CN" altLang="en-US" sz="5400" b="1" dirty="0" smtClean="0">
-                <a:latin typeface="微軟正黑體" pitchFamily="34" charset="-120"/>
-                <a:ea typeface="微軟正黑體" pitchFamily="34" charset="-120"/>
-              </a:rPr>
-              <a:t>阿利路亞   一直傳到地之極</a:t>
-            </a:r>
-            <a:endParaRPr lang="en-US" altLang="zh-CN" sz="5400" b="1" dirty="0" smtClean="0">
-              <a:latin typeface="微軟正黑體" pitchFamily="34" charset="-120"/>
-              <a:ea typeface="微軟正黑體" pitchFamily="34" charset="-120"/>
-            </a:endParaRPr>
-          </a:p>
-          <a:p>
-            <a:pPr algn="ctr">
-              <a:buNone/>
-            </a:pPr>
-            <a:r>
-              <a:rPr lang="zh-CN" altLang="en-US" sz="5400" b="1" dirty="0" smtClean="0">
-                <a:latin typeface="微軟正黑體" pitchFamily="34" charset="-120"/>
-                <a:ea typeface="微軟正黑體" pitchFamily="34" charset="-120"/>
-              </a:rPr>
-              <a:t>阿利路亞</a:t>
-            </a:r>
-            <a:endParaRPr lang="zh-TW" altLang="en-US" sz="5400" b="1" dirty="0">
-              <a:latin typeface="微軟正黑體" pitchFamily="34" charset="-120"/>
-              <a:ea typeface="微軟正黑體" pitchFamily="34" charset="-120"/>
-            </a:endParaRPr>
-          </a:p>
-        </p:txBody>
-      </p:sp>
     </p:spTree>
+    <p:extLst>
+      <p:ext uri="{BB962C8B-B14F-4D97-AF65-F5344CB8AC3E}">
+        <p14:creationId xmlns:p14="http://schemas.microsoft.com/office/powerpoint/2010/main" val="1405902385"/>
+      </p:ext>
+    </p:extLst>
   </p:cSld>
   <p:clrMapOvr>
     <a:masterClrMapping/>
   </p:clrMapOvr>
+  <p:timing>
+    <p:tnLst>
+      <p:par>
+        <p:cTn id="1" dur="indefinite" restart="never" nodeType="tmRoot"/>
+      </p:par>
+    </p:tnLst>
+  </p:timing>
+</p:sld>
+</file>
+
+<file path=ppt/slides/slide10.xml><?xml version="1.0" encoding="utf-8"?>
+<p:sld xmlns:a="http://schemas.openxmlformats.org/drawingml/2006/main" xmlns:r="http://schemas.openxmlformats.org/officeDocument/2006/relationships" xmlns:p="http://schemas.openxmlformats.org/presentationml/2006/main">
+  <p:cSld>
+    <p:spTree>
+      <p:nvGrpSpPr>
+        <p:cNvPr id="1" name=""/>
+        <p:cNvGrpSpPr/>
+        <p:nvPr/>
+      </p:nvGrpSpPr>
+      <p:grpSpPr>
+        <a:xfrm>
+          <a:off x="0" y="0"/>
+          <a:ext cx="0" cy="0"/>
+          <a:chOff x="0" y="0"/>
+          <a:chExt cx="0" cy="0"/>
+        </a:xfrm>
+      </p:grpSpPr>
+      <p:sp>
+        <p:nvSpPr>
+          <p:cNvPr id="5" name="內容版面配置區 4"/>
+          <p:cNvSpPr>
+            <a:spLocks noGrp="1"/>
+          </p:cNvSpPr>
+          <p:nvPr>
+            <p:ph idx="1"/>
+          </p:nvPr>
+        </p:nvSpPr>
+        <p:spPr>
+          <a:xfrm>
+            <a:off x="0" y="2084851"/>
+            <a:ext cx="12192000" cy="2404863"/>
+          </a:xfrm>
+        </p:spPr>
+        <p:txBody>
+          <a:bodyPr anchor="ctr">
+            <a:normAutofit/>
+          </a:bodyPr>
+          <a:lstStyle/>
+          <a:p>
+            <a:pPr algn="ctr">
+              <a:buNone/>
+            </a:pPr>
+            <a:r>
+              <a:rPr lang="zh-CN" altLang="en-US" sz="6400" b="1" dirty="0">
+                <a:solidFill>
+                  <a:srgbClr val="660033"/>
+                </a:solidFill>
+                <a:latin typeface="Microsoft JhengHei" pitchFamily="34" charset="-120"/>
+                <a:ea typeface="Microsoft JhengHei" pitchFamily="34" charset="-120"/>
+              </a:rPr>
+              <a:t>感謝永生大主</a:t>
+            </a:r>
+            <a:r>
+              <a:rPr lang="zh-CN" altLang="en-US" sz="6400" b="1" dirty="0">
+                <a:solidFill>
+                  <a:srgbClr val="660033"/>
+                </a:solidFill>
+                <a:latin typeface="Microsoft JhengHei" pitchFamily="34" charset="-120"/>
+                <a:ea typeface="Microsoft JhengHei" pitchFamily="34" charset="-120"/>
+              </a:rPr>
+              <a:t>宰</a:t>
+            </a:r>
+            <a:r>
+              <a:rPr lang="en-US" altLang="zh-CN" sz="6400" b="1" dirty="0">
+                <a:solidFill>
+                  <a:srgbClr val="660033"/>
+                </a:solidFill>
+                <a:latin typeface="Microsoft JhengHei" pitchFamily="34" charset="-120"/>
+                <a:ea typeface="Microsoft JhengHei" pitchFamily="34" charset="-120"/>
+              </a:rPr>
+              <a:t>  </a:t>
+            </a:r>
+            <a:r>
+              <a:rPr lang="zh-CN" altLang="en-US" sz="6400" b="1" dirty="0">
+                <a:solidFill>
+                  <a:srgbClr val="660033"/>
+                </a:solidFill>
+                <a:latin typeface="Microsoft JhengHei" pitchFamily="34" charset="-120"/>
+                <a:ea typeface="Microsoft JhengHei" pitchFamily="34" charset="-120"/>
+              </a:rPr>
+              <a:t>阿</a:t>
+            </a:r>
+            <a:r>
+              <a:rPr lang="zh-CN" altLang="en-US" sz="6400" b="1" dirty="0">
+                <a:solidFill>
+                  <a:srgbClr val="660033"/>
+                </a:solidFill>
+                <a:latin typeface="Microsoft JhengHei" pitchFamily="34" charset="-120"/>
+                <a:ea typeface="Microsoft JhengHei" pitchFamily="34" charset="-120"/>
+              </a:rPr>
+              <a:t>利路</a:t>
+            </a:r>
+            <a:r>
+              <a:rPr lang="zh-CN" altLang="en-US" sz="6400" b="1" dirty="0">
+                <a:solidFill>
+                  <a:srgbClr val="660033"/>
+                </a:solidFill>
+                <a:latin typeface="Microsoft JhengHei" pitchFamily="34" charset="-120"/>
+                <a:ea typeface="Microsoft JhengHei" pitchFamily="34" charset="-120"/>
+              </a:rPr>
+              <a:t>亞</a:t>
+            </a:r>
+            <a:endParaRPr lang="en-US" altLang="zh-CN" sz="6400" b="1" dirty="0">
+              <a:solidFill>
+                <a:srgbClr val="660033"/>
+              </a:solidFill>
+              <a:latin typeface="Microsoft JhengHei" pitchFamily="34" charset="-120"/>
+              <a:ea typeface="Microsoft JhengHei" pitchFamily="34" charset="-120"/>
+            </a:endParaRPr>
+          </a:p>
+          <a:p>
+            <a:pPr algn="ctr">
+              <a:buNone/>
+            </a:pPr>
+            <a:r>
+              <a:rPr lang="zh-CN" altLang="en-US" sz="6400" b="1" dirty="0">
+                <a:solidFill>
+                  <a:srgbClr val="660033"/>
+                </a:solidFill>
+                <a:latin typeface="Microsoft JhengHei" pitchFamily="34" charset="-120"/>
+                <a:ea typeface="Microsoft JhengHei" pitchFamily="34" charset="-120"/>
+              </a:rPr>
+              <a:t>差</a:t>
+            </a:r>
+            <a:r>
+              <a:rPr lang="zh-CN" altLang="en-US" sz="6400" b="1" dirty="0">
+                <a:solidFill>
+                  <a:srgbClr val="660033"/>
+                </a:solidFill>
+                <a:latin typeface="Microsoft JhengHei" pitchFamily="34" charset="-120"/>
+                <a:ea typeface="Microsoft JhengHei" pitchFamily="34" charset="-120"/>
+              </a:rPr>
+              <a:t>遣耶穌顯慈</a:t>
+            </a:r>
+            <a:r>
+              <a:rPr lang="zh-CN" altLang="en-US" sz="6400" b="1" dirty="0">
+                <a:solidFill>
+                  <a:srgbClr val="660033"/>
+                </a:solidFill>
+                <a:latin typeface="Microsoft JhengHei" pitchFamily="34" charset="-120"/>
+                <a:ea typeface="Microsoft JhengHei" pitchFamily="34" charset="-120"/>
+              </a:rPr>
+              <a:t>愛</a:t>
+            </a:r>
+            <a:r>
+              <a:rPr lang="en-US" altLang="zh-CN" sz="6400" b="1" dirty="0">
+                <a:solidFill>
+                  <a:srgbClr val="660033"/>
+                </a:solidFill>
+                <a:latin typeface="Microsoft JhengHei" pitchFamily="34" charset="-120"/>
+                <a:ea typeface="Microsoft JhengHei" pitchFamily="34" charset="-120"/>
+              </a:rPr>
+              <a:t>  </a:t>
+            </a:r>
+            <a:r>
+              <a:rPr lang="zh-CN" altLang="en-US" sz="6400" b="1" dirty="0">
+                <a:solidFill>
+                  <a:srgbClr val="660033"/>
+                </a:solidFill>
+                <a:latin typeface="Microsoft JhengHei" pitchFamily="34" charset="-120"/>
+                <a:ea typeface="Microsoft JhengHei" pitchFamily="34" charset="-120"/>
+              </a:rPr>
+              <a:t>阿</a:t>
+            </a:r>
+            <a:r>
+              <a:rPr lang="zh-CN" altLang="en-US" sz="6400" b="1" dirty="0">
+                <a:solidFill>
+                  <a:srgbClr val="660033"/>
+                </a:solidFill>
+                <a:latin typeface="Microsoft JhengHei" pitchFamily="34" charset="-120"/>
+                <a:ea typeface="Microsoft JhengHei" pitchFamily="34" charset="-120"/>
+              </a:rPr>
+              <a:t>利路亞</a:t>
+            </a:r>
+            <a:endParaRPr lang="en-US" altLang="zh-TW" sz="6400" b="1" dirty="0">
+              <a:solidFill>
+                <a:srgbClr val="660033"/>
+              </a:solidFill>
+              <a:latin typeface="Microsoft JhengHei" pitchFamily="34" charset="-120"/>
+              <a:ea typeface="Microsoft JhengHei" pitchFamily="34" charset="-120"/>
+            </a:endParaRPr>
+          </a:p>
+        </p:txBody>
+      </p:sp>
+      <p:sp>
+        <p:nvSpPr>
+          <p:cNvPr id="3" name="TextBox 2"/>
+          <p:cNvSpPr txBox="1"/>
+          <p:nvPr/>
+        </p:nvSpPr>
+        <p:spPr>
+          <a:xfrm>
+            <a:off x="0" y="5061181"/>
+            <a:ext cx="12192000" cy="666786"/>
+          </a:xfrm>
+          <a:prstGeom prst="rect">
+            <a:avLst/>
+          </a:prstGeom>
+          <a:noFill/>
+        </p:spPr>
+        <p:txBody>
+          <a:bodyPr wrap="square" rtlCol="0">
+            <a:spAutoFit/>
+          </a:bodyPr>
+          <a:lstStyle/>
+          <a:p>
+            <a:pPr algn="ctr"/>
+            <a:r>
+              <a:rPr lang="en-US" sz="3733" b="1" dirty="0">
+                <a:solidFill>
+                  <a:srgbClr val="660033"/>
+                </a:solidFill>
+              </a:rPr>
+              <a:t>( 5 / 5 )</a:t>
+            </a:r>
+            <a:endParaRPr lang="vi-VN" sz="3733" b="1" dirty="0">
+              <a:solidFill>
+                <a:srgbClr val="660033"/>
+              </a:solidFill>
+            </a:endParaRPr>
+          </a:p>
+        </p:txBody>
+      </p:sp>
+    </p:spTree>
+    <p:extLst>
+      <p:ext uri="{BB962C8B-B14F-4D97-AF65-F5344CB8AC3E}">
+        <p14:creationId xmlns:p14="http://schemas.microsoft.com/office/powerpoint/2010/main" val="4119929182"/>
+      </p:ext>
+    </p:extLst>
+  </p:cSld>
+  <p:clrMapOvr>
+    <a:masterClrMapping/>
+  </p:clrMapOvr>
+  <p:timing>
+    <p:tnLst>
+      <p:par>
+        <p:cTn id="1" dur="indefinite" restart="never" nodeType="tmRoot"/>
+      </p:par>
+    </p:tnLst>
+  </p:timing>
+</p:sld>
+</file>
+
+<file path=ppt/slides/slide11.xml><?xml version="1.0" encoding="utf-8"?>
+<p:sld xmlns:a="http://schemas.openxmlformats.org/drawingml/2006/main" xmlns:r="http://schemas.openxmlformats.org/officeDocument/2006/relationships" xmlns:p="http://schemas.openxmlformats.org/presentationml/2006/main">
+  <p:cSld>
+    <p:spTree>
+      <p:nvGrpSpPr>
+        <p:cNvPr id="1" name=""/>
+        <p:cNvGrpSpPr/>
+        <p:nvPr/>
+      </p:nvGrpSpPr>
+      <p:grpSpPr>
+        <a:xfrm>
+          <a:off x="0" y="0"/>
+          <a:ext cx="0" cy="0"/>
+          <a:chOff x="0" y="0"/>
+          <a:chExt cx="0" cy="0"/>
+        </a:xfrm>
+      </p:grpSpPr>
+      <p:sp>
+        <p:nvSpPr>
+          <p:cNvPr id="5" name="內容版面配置區 4"/>
+          <p:cNvSpPr>
+            <a:spLocks noGrp="1"/>
+          </p:cNvSpPr>
+          <p:nvPr>
+            <p:ph idx="1"/>
+          </p:nvPr>
+        </p:nvSpPr>
+        <p:spPr>
+          <a:xfrm>
+            <a:off x="0" y="2084851"/>
+            <a:ext cx="12192000" cy="2404863"/>
+          </a:xfrm>
+        </p:spPr>
+        <p:txBody>
+          <a:bodyPr anchor="ctr">
+            <a:normAutofit/>
+          </a:bodyPr>
+          <a:lstStyle/>
+          <a:p>
+            <a:pPr algn="ctr">
+              <a:buNone/>
+            </a:pPr>
+            <a:r>
+              <a:rPr lang="zh-CN" altLang="en-US" sz="6400" b="1" dirty="0">
+                <a:solidFill>
+                  <a:srgbClr val="660033"/>
+                </a:solidFill>
+                <a:latin typeface="Microsoft JhengHei" pitchFamily="34" charset="-120"/>
+                <a:ea typeface="Microsoft JhengHei" pitchFamily="34" charset="-120"/>
+              </a:rPr>
+              <a:t>救主復活人得</a:t>
+            </a:r>
+            <a:r>
+              <a:rPr lang="zh-CN" altLang="en-US" sz="6400" b="1" dirty="0">
+                <a:solidFill>
+                  <a:srgbClr val="660033"/>
+                </a:solidFill>
+                <a:latin typeface="Microsoft JhengHei" pitchFamily="34" charset="-120"/>
+                <a:ea typeface="Microsoft JhengHei" pitchFamily="34" charset="-120"/>
+              </a:rPr>
+              <a:t>救</a:t>
+            </a:r>
+            <a:r>
+              <a:rPr lang="en-US" altLang="zh-CN" sz="6400" b="1" dirty="0">
+                <a:solidFill>
+                  <a:srgbClr val="660033"/>
+                </a:solidFill>
+                <a:latin typeface="Microsoft JhengHei" pitchFamily="34" charset="-120"/>
+                <a:ea typeface="Microsoft JhengHei" pitchFamily="34" charset="-120"/>
+              </a:rPr>
+              <a:t>  </a:t>
+            </a:r>
+            <a:r>
+              <a:rPr lang="zh-CN" altLang="en-US" sz="6400" b="1" dirty="0">
+                <a:solidFill>
+                  <a:srgbClr val="660033"/>
+                </a:solidFill>
+                <a:latin typeface="Microsoft JhengHei" pitchFamily="34" charset="-120"/>
+                <a:ea typeface="Microsoft JhengHei" pitchFamily="34" charset="-120"/>
+              </a:rPr>
+              <a:t>阿</a:t>
+            </a:r>
+            <a:r>
+              <a:rPr lang="zh-CN" altLang="en-US" sz="6400" b="1" dirty="0">
+                <a:solidFill>
+                  <a:srgbClr val="660033"/>
+                </a:solidFill>
+                <a:latin typeface="Microsoft JhengHei" pitchFamily="34" charset="-120"/>
+                <a:ea typeface="Microsoft JhengHei" pitchFamily="34" charset="-120"/>
+              </a:rPr>
+              <a:t>利路</a:t>
+            </a:r>
+            <a:r>
+              <a:rPr lang="zh-CN" altLang="en-US" sz="6400" b="1" dirty="0">
+                <a:solidFill>
+                  <a:srgbClr val="660033"/>
+                </a:solidFill>
+                <a:latin typeface="Microsoft JhengHei" pitchFamily="34" charset="-120"/>
+                <a:ea typeface="Microsoft JhengHei" pitchFamily="34" charset="-120"/>
+              </a:rPr>
+              <a:t>亞</a:t>
+            </a:r>
+            <a:endParaRPr lang="en-US" altLang="zh-CN" sz="6400" b="1" dirty="0">
+              <a:solidFill>
+                <a:srgbClr val="660033"/>
+              </a:solidFill>
+              <a:latin typeface="Microsoft JhengHei" pitchFamily="34" charset="-120"/>
+              <a:ea typeface="Microsoft JhengHei" pitchFamily="34" charset="-120"/>
+            </a:endParaRPr>
+          </a:p>
+          <a:p>
+            <a:pPr algn="ctr">
+              <a:buNone/>
+            </a:pPr>
+            <a:r>
+              <a:rPr lang="zh-CN" altLang="en-US" sz="6400" b="1" dirty="0">
+                <a:solidFill>
+                  <a:srgbClr val="660033"/>
+                </a:solidFill>
+                <a:latin typeface="Microsoft JhengHei" pitchFamily="34" charset="-120"/>
+                <a:ea typeface="Microsoft JhengHei" pitchFamily="34" charset="-120"/>
+              </a:rPr>
+              <a:t>榮</a:t>
+            </a:r>
+            <a:r>
+              <a:rPr lang="zh-CN" altLang="en-US" sz="6400" b="1" dirty="0">
+                <a:solidFill>
+                  <a:srgbClr val="660033"/>
+                </a:solidFill>
+                <a:latin typeface="Microsoft JhengHei" pitchFamily="34" charset="-120"/>
+                <a:ea typeface="Microsoft JhengHei" pitchFamily="34" charset="-120"/>
+              </a:rPr>
+              <a:t>耀歸主到永</a:t>
+            </a:r>
+            <a:r>
+              <a:rPr lang="zh-CN" altLang="en-US" sz="6400" b="1" dirty="0">
+                <a:solidFill>
+                  <a:srgbClr val="660033"/>
+                </a:solidFill>
+                <a:latin typeface="Microsoft JhengHei" pitchFamily="34" charset="-120"/>
+                <a:ea typeface="Microsoft JhengHei" pitchFamily="34" charset="-120"/>
+              </a:rPr>
+              <a:t>久</a:t>
+            </a:r>
+            <a:r>
+              <a:rPr lang="en-US" altLang="zh-CN" sz="6400" b="1" dirty="0">
+                <a:solidFill>
+                  <a:srgbClr val="660033"/>
+                </a:solidFill>
+                <a:latin typeface="Microsoft JhengHei" pitchFamily="34" charset="-120"/>
+                <a:ea typeface="Microsoft JhengHei" pitchFamily="34" charset="-120"/>
+              </a:rPr>
+              <a:t>  </a:t>
+            </a:r>
+            <a:r>
+              <a:rPr lang="zh-CN" altLang="en-US" sz="6400" b="1" dirty="0">
+                <a:solidFill>
+                  <a:srgbClr val="660033"/>
+                </a:solidFill>
+                <a:latin typeface="Microsoft JhengHei" pitchFamily="34" charset="-120"/>
+                <a:ea typeface="Microsoft JhengHei" pitchFamily="34" charset="-120"/>
+              </a:rPr>
+              <a:t>阿</a:t>
+            </a:r>
+            <a:r>
+              <a:rPr lang="zh-CN" altLang="en-US" sz="6400" b="1" dirty="0">
+                <a:solidFill>
+                  <a:srgbClr val="660033"/>
+                </a:solidFill>
+                <a:latin typeface="Microsoft JhengHei" pitchFamily="34" charset="-120"/>
+                <a:ea typeface="Microsoft JhengHei" pitchFamily="34" charset="-120"/>
+              </a:rPr>
+              <a:t>利路亞</a:t>
+            </a:r>
+            <a:endParaRPr lang="en-US" altLang="zh-TW" sz="6400" b="1" dirty="0">
+              <a:solidFill>
+                <a:srgbClr val="660033"/>
+              </a:solidFill>
+              <a:latin typeface="Microsoft JhengHei" pitchFamily="34" charset="-120"/>
+              <a:ea typeface="Microsoft JhengHei" pitchFamily="34" charset="-120"/>
+            </a:endParaRPr>
+          </a:p>
+        </p:txBody>
+      </p:sp>
+      <p:sp>
+        <p:nvSpPr>
+          <p:cNvPr id="3" name="TextBox 2"/>
+          <p:cNvSpPr txBox="1"/>
+          <p:nvPr/>
+        </p:nvSpPr>
+        <p:spPr>
+          <a:xfrm>
+            <a:off x="0" y="5061181"/>
+            <a:ext cx="12192000" cy="666786"/>
+          </a:xfrm>
+          <a:prstGeom prst="rect">
+            <a:avLst/>
+          </a:prstGeom>
+          <a:noFill/>
+        </p:spPr>
+        <p:txBody>
+          <a:bodyPr wrap="square" rtlCol="0">
+            <a:spAutoFit/>
+          </a:bodyPr>
+          <a:lstStyle/>
+          <a:p>
+            <a:pPr algn="ctr"/>
+            <a:r>
+              <a:rPr lang="en-US" sz="3733" b="1" dirty="0">
+                <a:solidFill>
+                  <a:srgbClr val="660033"/>
+                </a:solidFill>
+              </a:rPr>
+              <a:t>( 5 / 5 )</a:t>
+            </a:r>
+            <a:endParaRPr lang="vi-VN" sz="3733" b="1" dirty="0">
+              <a:solidFill>
+                <a:srgbClr val="660033"/>
+              </a:solidFill>
+            </a:endParaRPr>
+          </a:p>
+        </p:txBody>
+      </p:sp>
+    </p:spTree>
+    <p:extLst>
+      <p:ext uri="{BB962C8B-B14F-4D97-AF65-F5344CB8AC3E}">
+        <p14:creationId xmlns:p14="http://schemas.microsoft.com/office/powerpoint/2010/main" val="3204569478"/>
+      </p:ext>
+    </p:extLst>
+  </p:cSld>
+  <p:clrMapOvr>
+    <a:masterClrMapping/>
+  </p:clrMapOvr>
+  <p:timing>
+    <p:tnLst>
+      <p:par>
+        <p:cTn id="1" dur="indefinite" restart="never" nodeType="tmRoot"/>
+      </p:par>
+    </p:tnLst>
+  </p:timing>
 </p:sld>
 </file>
 
@@ -3233,36 +3795,7 @@
       </p:grpSpPr>
       <p:sp>
         <p:nvSpPr>
-          <p:cNvPr id="2" name="標題 1"/>
-          <p:cNvSpPr>
-            <a:spLocks noGrp="1"/>
-          </p:cNvSpPr>
-          <p:nvPr>
-            <p:ph type="title"/>
-          </p:nvPr>
-        </p:nvSpPr>
-        <p:spPr/>
-        <p:txBody>
-          <a:bodyPr/>
-          <a:lstStyle/>
-          <a:p>
-            <a:r>
-              <a:rPr lang="zh-CN" altLang="en-US" b="1" dirty="0" smtClean="0">
-                <a:latin typeface="微軟正黑體" pitchFamily="34" charset="-120"/>
-                <a:ea typeface="微軟正黑體" pitchFamily="34" charset="-120"/>
-              </a:rPr>
-              <a:t>耶穌復生</a:t>
-            </a:r>
-            <a:endParaRPr lang="zh-TW" altLang="en-US" b="1" dirty="0">
-              <a:latin typeface="微軟正黑體" pitchFamily="34" charset="-120"/>
-              <a:ea typeface="微軟正黑體" pitchFamily="34" charset="-120"/>
-            </a:endParaRPr>
-          </a:p>
-        </p:txBody>
-      </p:sp>
-      <p:sp>
-        <p:nvSpPr>
-          <p:cNvPr id="3" name="內容版面配置區 2"/>
+          <p:cNvPr id="5" name="內容版面配置區 4"/>
           <p:cNvSpPr>
             <a:spLocks noGrp="1"/>
           </p:cNvSpPr>
@@ -3272,13 +3805,13 @@
         </p:nvSpPr>
         <p:spPr>
           <a:xfrm>
-            <a:off x="0" y="1600200"/>
-            <a:ext cx="9144000" cy="4525963"/>
+            <a:off x="0" y="2084851"/>
+            <a:ext cx="12192000" cy="2404863"/>
           </a:xfrm>
         </p:spPr>
         <p:txBody>
-          <a:bodyPr>
-            <a:noAutofit/>
+          <a:bodyPr anchor="ctr">
+            <a:normAutofit/>
           </a:bodyPr>
           <a:lstStyle/>
           <a:p>
@@ -3286,15 +3819,81 @@
               <a:buNone/>
             </a:pPr>
             <a:r>
-              <a:rPr lang="zh-CN" altLang="en-US" sz="5400" b="1" dirty="0" smtClean="0">
-                <a:latin typeface="微軟正黑體" pitchFamily="34" charset="-120"/>
-                <a:ea typeface="微軟正黑體" pitchFamily="34" charset="-120"/>
-              </a:rPr>
-              <a:t>贖罪功勞已做成</a:t>
-            </a:r>
-            <a:endParaRPr lang="en-US" altLang="zh-CN" sz="5400" b="1" dirty="0" smtClean="0">
-              <a:latin typeface="微軟正黑體" pitchFamily="34" charset="-120"/>
-              <a:ea typeface="微軟正黑體" pitchFamily="34" charset="-120"/>
+              <a:rPr lang="zh-CN" altLang="en-US" sz="6400" b="1" dirty="0">
+                <a:solidFill>
+                  <a:srgbClr val="660033"/>
+                </a:solidFill>
+                <a:latin typeface="Microsoft JhengHei" pitchFamily="34" charset="-120"/>
+                <a:ea typeface="Microsoft JhengHei" pitchFamily="34" charset="-120"/>
+              </a:rPr>
+              <a:t>聽</a:t>
+            </a:r>
+            <a:r>
+              <a:rPr lang="zh-CN" altLang="en-US" sz="6400" b="1" dirty="0">
+                <a:solidFill>
+                  <a:srgbClr val="660033"/>
+                </a:solidFill>
+                <a:latin typeface="Microsoft JhengHei" pitchFamily="34" charset="-120"/>
+                <a:ea typeface="Microsoft JhengHei" pitchFamily="34" charset="-120"/>
+              </a:rPr>
+              <a:t>阿天使高</a:t>
+            </a:r>
+            <a:r>
+              <a:rPr lang="zh-CN" altLang="en-US" sz="6400" b="1" dirty="0">
+                <a:solidFill>
+                  <a:srgbClr val="660033"/>
+                </a:solidFill>
+                <a:latin typeface="Microsoft JhengHei" pitchFamily="34" charset="-120"/>
+                <a:ea typeface="Microsoft JhengHei" pitchFamily="34" charset="-120"/>
+              </a:rPr>
+              <a:t>聲說</a:t>
+            </a:r>
+            <a:r>
+              <a:rPr lang="en-US" altLang="zh-CN" sz="6400" b="1" dirty="0">
+                <a:solidFill>
+                  <a:srgbClr val="660033"/>
+                </a:solidFill>
+                <a:latin typeface="Microsoft JhengHei" pitchFamily="34" charset="-120"/>
+                <a:ea typeface="Microsoft JhengHei" pitchFamily="34" charset="-120"/>
+              </a:rPr>
+              <a:t>  </a:t>
+            </a:r>
+            <a:r>
+              <a:rPr lang="zh-CN" altLang="en-US" sz="6400" b="1" dirty="0">
+                <a:solidFill>
+                  <a:srgbClr val="660033"/>
+                </a:solidFill>
+                <a:latin typeface="Microsoft JhengHei" pitchFamily="34" charset="-120"/>
+                <a:ea typeface="Microsoft JhengHei" pitchFamily="34" charset="-120"/>
+              </a:rPr>
+              <a:t>阿</a:t>
+            </a:r>
+            <a:r>
+              <a:rPr lang="zh-CN" altLang="en-US" sz="6400" b="1" dirty="0">
+                <a:solidFill>
+                  <a:srgbClr val="660033"/>
+                </a:solidFill>
+                <a:latin typeface="Microsoft JhengHei" pitchFamily="34" charset="-120"/>
+                <a:ea typeface="Microsoft JhengHei" pitchFamily="34" charset="-120"/>
+              </a:rPr>
+              <a:t>利路</a:t>
+            </a:r>
+            <a:r>
+              <a:rPr lang="zh-CN" altLang="en-US" sz="6400" b="1" dirty="0">
+                <a:solidFill>
+                  <a:srgbClr val="660033"/>
+                </a:solidFill>
+                <a:latin typeface="Microsoft JhengHei" pitchFamily="34" charset="-120"/>
+                <a:ea typeface="Microsoft JhengHei" pitchFamily="34" charset="-120"/>
+              </a:rPr>
+              <a:t>亞</a:t>
+            </a:r>
+            <a:endParaRPr lang="en-US" altLang="zh-CN" sz="6400" b="1" dirty="0">
+              <a:solidFill>
+                <a:srgbClr val="660033"/>
+              </a:solidFill>
+              <a:latin typeface="Microsoft JhengHei" pitchFamily="34" charset="-120"/>
+              <a:ea typeface="Microsoft JhengHei" pitchFamily="34" charset="-120"/>
             </a:endParaRPr>
           </a:p>
           <a:p>
@@ -3302,86 +3901,111 @@
               <a:buNone/>
             </a:pPr>
             <a:r>
-              <a:rPr lang="zh-CN" altLang="en-US" sz="5400" b="1" dirty="0" smtClean="0">
-                <a:latin typeface="微軟正黑體" pitchFamily="34" charset="-120"/>
-                <a:ea typeface="微軟正黑體" pitchFamily="34" charset="-120"/>
-              </a:rPr>
-              <a:t>阿利路亞   魔鬼失敗耶穌勝</a:t>
-            </a:r>
-            <a:endParaRPr lang="en-US" altLang="zh-CN" sz="5400" b="1" dirty="0" smtClean="0">
-              <a:latin typeface="微軟正黑體" pitchFamily="34" charset="-120"/>
-              <a:ea typeface="微軟正黑體" pitchFamily="34" charset="-120"/>
+              <a:rPr lang="zh-CN" altLang="en-US" sz="6400" b="1" dirty="0">
+                <a:solidFill>
+                  <a:srgbClr val="660033"/>
+                </a:solidFill>
+                <a:latin typeface="Microsoft JhengHei" pitchFamily="34" charset="-120"/>
+                <a:ea typeface="Microsoft JhengHei" pitchFamily="34" charset="-120"/>
+              </a:rPr>
+              <a:t>主</a:t>
+            </a:r>
+            <a:r>
+              <a:rPr lang="zh-CN" altLang="en-US" sz="6400" b="1" dirty="0">
+                <a:solidFill>
+                  <a:srgbClr val="660033"/>
+                </a:solidFill>
+                <a:latin typeface="Microsoft JhengHei" pitchFamily="34" charset="-120"/>
+                <a:ea typeface="Microsoft JhengHei" pitchFamily="34" charset="-120"/>
+              </a:rPr>
+              <a:t>從墳墓已復</a:t>
+            </a:r>
+            <a:r>
+              <a:rPr lang="zh-CN" altLang="en-US" sz="6400" b="1" dirty="0">
+                <a:solidFill>
+                  <a:srgbClr val="660033"/>
+                </a:solidFill>
+                <a:latin typeface="Microsoft JhengHei" pitchFamily="34" charset="-120"/>
+                <a:ea typeface="Microsoft JhengHei" pitchFamily="34" charset="-120"/>
+              </a:rPr>
+              <a:t>活  阿</a:t>
+            </a:r>
+            <a:r>
+              <a:rPr lang="zh-CN" altLang="en-US" sz="6400" b="1" dirty="0">
+                <a:solidFill>
+                  <a:srgbClr val="660033"/>
+                </a:solidFill>
+                <a:latin typeface="Microsoft JhengHei" pitchFamily="34" charset="-120"/>
+                <a:ea typeface="Microsoft JhengHei" pitchFamily="34" charset="-120"/>
+              </a:rPr>
+              <a:t>利路亞</a:t>
+            </a:r>
+            <a:endParaRPr lang="en-US" altLang="zh-TW" sz="6400" b="1" dirty="0">
+              <a:solidFill>
+                <a:srgbClr val="660033"/>
+              </a:solidFill>
+              <a:latin typeface="Microsoft JhengHei" pitchFamily="34" charset="-120"/>
+              <a:ea typeface="Microsoft JhengHei" pitchFamily="34" charset="-120"/>
             </a:endParaRPr>
           </a:p>
-          <a:p>
-            <a:pPr algn="ctr">
-              <a:buNone/>
-            </a:pPr>
-            <a:r>
-              <a:rPr lang="zh-CN" altLang="en-US" sz="5400" b="1" dirty="0" smtClean="0">
-                <a:latin typeface="微軟正黑體" pitchFamily="34" charset="-120"/>
-                <a:ea typeface="微軟正黑體" pitchFamily="34" charset="-120"/>
-              </a:rPr>
-              <a:t>阿利</a:t>
-            </a:r>
-            <a:r>
-              <a:rPr lang="zh-CN" altLang="en-US" sz="5400" b="1" dirty="0">
-                <a:latin typeface="微軟正黑體" pitchFamily="34" charset="-120"/>
-                <a:ea typeface="微軟正黑體" pitchFamily="34" charset="-120"/>
-              </a:rPr>
-              <a:t>路</a:t>
-            </a:r>
-            <a:r>
-              <a:rPr lang="zh-CN" altLang="en-US" sz="5400" b="1" dirty="0" smtClean="0">
-                <a:latin typeface="微軟正黑體" pitchFamily="34" charset="-120"/>
-                <a:ea typeface="微軟正黑體" pitchFamily="34" charset="-120"/>
-              </a:rPr>
-              <a:t>亞   太陽不必再變色</a:t>
-            </a:r>
-            <a:endParaRPr lang="en-US" altLang="zh-CN" sz="5400" b="1" dirty="0" smtClean="0">
-              <a:latin typeface="微軟正黑體" pitchFamily="34" charset="-120"/>
-              <a:ea typeface="微軟正黑體" pitchFamily="34" charset="-120"/>
+        </p:txBody>
+      </p:sp>
+      <p:sp>
+        <p:nvSpPr>
+          <p:cNvPr id="3" name="TextBox 2"/>
+          <p:cNvSpPr txBox="1"/>
+          <p:nvPr/>
+        </p:nvSpPr>
+        <p:spPr>
+          <a:xfrm>
+            <a:off x="0" y="5061181"/>
+            <a:ext cx="12192000" cy="666786"/>
+          </a:xfrm>
+          <a:prstGeom prst="rect">
+            <a:avLst/>
+          </a:prstGeom>
+          <a:noFill/>
+        </p:spPr>
+        <p:txBody>
+          <a:bodyPr wrap="square" rtlCol="0">
+            <a:spAutoFit/>
+          </a:bodyPr>
+          <a:lstStyle/>
+          <a:p>
+            <a:pPr algn="ctr"/>
+            <a:r>
+              <a:rPr lang="en-US" sz="3733" b="1" dirty="0">
+                <a:solidFill>
+                  <a:srgbClr val="660033"/>
+                </a:solidFill>
+              </a:rPr>
+              <a:t>( 1 / 5 )</a:t>
+            </a:r>
+            <a:endParaRPr lang="vi-VN" sz="3733" b="1" dirty="0">
+              <a:solidFill>
+                <a:srgbClr val="660033"/>
+              </a:solidFill>
             </a:endParaRPr>
           </a:p>
-          <a:p>
-            <a:pPr algn="ctr">
-              <a:buNone/>
-            </a:pPr>
-            <a:r>
-              <a:rPr lang="zh-CN" altLang="en-US" sz="5400" b="1" dirty="0" smtClean="0">
-                <a:latin typeface="微軟正黑體" pitchFamily="34" charset="-120"/>
-                <a:ea typeface="微軟正黑體" pitchFamily="34" charset="-120"/>
-              </a:rPr>
-              <a:t>阿利路亞   聖殿幔子不再裂</a:t>
-            </a:r>
-            <a:endParaRPr lang="en-US" altLang="zh-CN" sz="5400" b="1" dirty="0" smtClean="0">
-              <a:latin typeface="微軟正黑體" pitchFamily="34" charset="-120"/>
-              <a:ea typeface="微軟正黑體" pitchFamily="34" charset="-120"/>
-            </a:endParaRPr>
-          </a:p>
-          <a:p>
-            <a:pPr algn="ctr">
-              <a:buNone/>
-            </a:pPr>
-            <a:r>
-              <a:rPr lang="zh-CN" altLang="en-US" sz="5400" b="1" dirty="0" smtClean="0">
-                <a:latin typeface="微軟正黑體" pitchFamily="34" charset="-120"/>
-                <a:ea typeface="微軟正黑體" pitchFamily="34" charset="-120"/>
-              </a:rPr>
-              <a:t>阿利路亞</a:t>
-            </a:r>
-            <a:endParaRPr lang="zh-TW" altLang="en-US" sz="5400" b="1" dirty="0">
-              <a:latin typeface="微軟正黑體" pitchFamily="34" charset="-120"/>
-              <a:ea typeface="微軟正黑體" pitchFamily="34" charset="-120"/>
-            </a:endParaRPr>
-          </a:p>
         </p:txBody>
       </p:sp>
     </p:spTree>
+    <p:extLst>
+      <p:ext uri="{BB962C8B-B14F-4D97-AF65-F5344CB8AC3E}">
+        <p14:creationId xmlns:p14="http://schemas.microsoft.com/office/powerpoint/2010/main" val="1375040017"/>
+      </p:ext>
+    </p:extLst>
   </p:cSld>
   <p:clrMapOvr>
     <a:masterClrMapping/>
   </p:clrMapOvr>
+  <p:timing>
+    <p:tnLst>
+      <p:par>
+        <p:cTn id="1" dur="indefinite" restart="never" nodeType="tmRoot"/>
+      </p:par>
+    </p:tnLst>
+  </p:timing>
 </p:sld>
 </file>
 
@@ -3404,36 +4028,7 @@
       </p:grpSpPr>
       <p:sp>
         <p:nvSpPr>
-          <p:cNvPr id="2" name="標題 1"/>
-          <p:cNvSpPr>
-            <a:spLocks noGrp="1"/>
-          </p:cNvSpPr>
-          <p:nvPr>
-            <p:ph type="title"/>
-          </p:nvPr>
-        </p:nvSpPr>
-        <p:spPr/>
-        <p:txBody>
-          <a:bodyPr/>
-          <a:lstStyle/>
-          <a:p>
-            <a:r>
-              <a:rPr lang="zh-CN" altLang="en-US" b="1" dirty="0" smtClean="0">
-                <a:latin typeface="微軟正黑體" pitchFamily="34" charset="-120"/>
-                <a:ea typeface="微軟正黑體" pitchFamily="34" charset="-120"/>
-              </a:rPr>
-              <a:t>耶穌復生</a:t>
-            </a:r>
-            <a:endParaRPr lang="zh-TW" altLang="en-US" b="1" dirty="0">
-              <a:latin typeface="微軟正黑體" pitchFamily="34" charset="-120"/>
-              <a:ea typeface="微軟正黑體" pitchFamily="34" charset="-120"/>
-            </a:endParaRPr>
-          </a:p>
-        </p:txBody>
-      </p:sp>
-      <p:sp>
-        <p:nvSpPr>
-          <p:cNvPr id="3" name="內容版面配置區 2"/>
+          <p:cNvPr id="5" name="內容版面配置區 4"/>
           <p:cNvSpPr>
             <a:spLocks noGrp="1"/>
           </p:cNvSpPr>
@@ -3443,13 +4038,13 @@
         </p:nvSpPr>
         <p:spPr>
           <a:xfrm>
-            <a:off x="0" y="1600200"/>
-            <a:ext cx="9144000" cy="4525963"/>
+            <a:off x="0" y="2084851"/>
+            <a:ext cx="12192000" cy="2404863"/>
           </a:xfrm>
         </p:spPr>
         <p:txBody>
-          <a:bodyPr>
-            <a:noAutofit/>
+          <a:bodyPr anchor="ctr">
+            <a:normAutofit/>
           </a:bodyPr>
           <a:lstStyle/>
           <a:p>
@@ -3457,15 +4052,71 @@
               <a:buNone/>
             </a:pPr>
             <a:r>
-              <a:rPr lang="zh-CN" altLang="en-US" sz="5400" b="1" dirty="0" smtClean="0">
-                <a:latin typeface="微軟正黑體" pitchFamily="34" charset="-120"/>
-                <a:ea typeface="微軟正黑體" pitchFamily="34" charset="-120"/>
-              </a:rPr>
-              <a:t>設兵封枉費工</a:t>
-            </a:r>
-            <a:endParaRPr lang="en-US" altLang="zh-CN" sz="5400" b="1" dirty="0" smtClean="0">
-              <a:latin typeface="微軟正黑體" pitchFamily="34" charset="-120"/>
-              <a:ea typeface="微軟正黑體" pitchFamily="34" charset="-120"/>
+              <a:rPr lang="zh-CN" altLang="en-US" sz="6400" b="1" dirty="0">
+                <a:solidFill>
+                  <a:srgbClr val="660033"/>
+                </a:solidFill>
+                <a:latin typeface="Microsoft JhengHei" pitchFamily="34" charset="-120"/>
+                <a:ea typeface="Microsoft JhengHei" pitchFamily="34" charset="-120"/>
+              </a:rPr>
+              <a:t>快快傳開好消</a:t>
+            </a:r>
+            <a:r>
+              <a:rPr lang="zh-CN" altLang="en-US" sz="6400" b="1" dirty="0">
+                <a:solidFill>
+                  <a:srgbClr val="660033"/>
+                </a:solidFill>
+                <a:latin typeface="Microsoft JhengHei" pitchFamily="34" charset="-120"/>
+                <a:ea typeface="Microsoft JhengHei" pitchFamily="34" charset="-120"/>
+              </a:rPr>
+              <a:t>息</a:t>
+            </a:r>
+            <a:r>
+              <a:rPr lang="en-US" altLang="zh-CN" sz="6400" b="1" dirty="0">
+                <a:solidFill>
+                  <a:srgbClr val="660033"/>
+                </a:solidFill>
+                <a:latin typeface="Microsoft JhengHei" pitchFamily="34" charset="-120"/>
+                <a:ea typeface="Microsoft JhengHei" pitchFamily="34" charset="-120"/>
+              </a:rPr>
+              <a:t>  </a:t>
+            </a:r>
+            <a:r>
+              <a:rPr lang="zh-CN" altLang="en-US" sz="6400" b="1" dirty="0">
+                <a:solidFill>
+                  <a:srgbClr val="660033"/>
+                </a:solidFill>
+                <a:latin typeface="Microsoft JhengHei" pitchFamily="34" charset="-120"/>
+                <a:ea typeface="Microsoft JhengHei" pitchFamily="34" charset="-120"/>
+              </a:rPr>
+              <a:t>阿</a:t>
+            </a:r>
+            <a:r>
+              <a:rPr lang="zh-CN" altLang="en-US" sz="6400" b="1" dirty="0">
+                <a:solidFill>
+                  <a:srgbClr val="660033"/>
+                </a:solidFill>
+                <a:latin typeface="Microsoft JhengHei" pitchFamily="34" charset="-120"/>
+                <a:ea typeface="Microsoft JhengHei" pitchFamily="34" charset="-120"/>
+              </a:rPr>
+              <a:t>利路</a:t>
+            </a:r>
+            <a:r>
+              <a:rPr lang="zh-CN" altLang="en-US" sz="6400" b="1" dirty="0">
+                <a:solidFill>
+                  <a:srgbClr val="660033"/>
+                </a:solidFill>
+                <a:latin typeface="Microsoft JhengHei" pitchFamily="34" charset="-120"/>
+                <a:ea typeface="Microsoft JhengHei" pitchFamily="34" charset="-120"/>
+              </a:rPr>
+              <a:t>亞</a:t>
+            </a:r>
+            <a:endParaRPr lang="en-US" altLang="zh-CN" sz="6400" b="1" dirty="0">
+              <a:solidFill>
+                <a:srgbClr val="660033"/>
+              </a:solidFill>
+              <a:latin typeface="Microsoft JhengHei" pitchFamily="34" charset="-120"/>
+              <a:ea typeface="Microsoft JhengHei" pitchFamily="34" charset="-120"/>
             </a:endParaRPr>
           </a:p>
           <a:p>
@@ -3473,86 +4124,131 @@
               <a:buNone/>
             </a:pPr>
             <a:r>
-              <a:rPr lang="zh-CN" altLang="en-US" sz="5400" b="1" dirty="0" smtClean="0">
-                <a:latin typeface="微軟正黑體" pitchFamily="34" charset="-120"/>
-                <a:ea typeface="微軟正黑體" pitchFamily="34" charset="-120"/>
-              </a:rPr>
-              <a:t>阿利路亞   豈能困主在墓中</a:t>
-            </a:r>
-            <a:endParaRPr lang="en-US" altLang="zh-CN" sz="5400" b="1" dirty="0" smtClean="0">
-              <a:latin typeface="微軟正黑體" pitchFamily="34" charset="-120"/>
-              <a:ea typeface="微軟正黑體" pitchFamily="34" charset="-120"/>
+              <a:rPr lang="zh-CN" altLang="en-US" sz="6400" b="1" dirty="0">
+                <a:solidFill>
+                  <a:srgbClr val="660033"/>
+                </a:solidFill>
+                <a:latin typeface="Microsoft JhengHei" pitchFamily="34" charset="-120"/>
+                <a:ea typeface="Microsoft JhengHei" pitchFamily="34" charset="-120"/>
+              </a:rPr>
+              <a:t>一</a:t>
+            </a:r>
+            <a:r>
+              <a:rPr lang="zh-CN" altLang="en-US" sz="6400" b="1" dirty="0">
+                <a:solidFill>
+                  <a:srgbClr val="660033"/>
+                </a:solidFill>
+                <a:latin typeface="Microsoft JhengHei" pitchFamily="34" charset="-120"/>
+                <a:ea typeface="Microsoft JhengHei" pitchFamily="34" charset="-120"/>
+              </a:rPr>
+              <a:t>直傳到地之</a:t>
+            </a:r>
+            <a:r>
+              <a:rPr lang="zh-CN" altLang="en-US" sz="6400" b="1" dirty="0">
+                <a:solidFill>
+                  <a:srgbClr val="660033"/>
+                </a:solidFill>
+                <a:latin typeface="Microsoft JhengHei" pitchFamily="34" charset="-120"/>
+                <a:ea typeface="Microsoft JhengHei" pitchFamily="34" charset="-120"/>
+              </a:rPr>
+              <a:t>極</a:t>
+            </a:r>
+            <a:r>
+              <a:rPr lang="en-US" altLang="zh-CN" sz="6400" b="1" dirty="0">
+                <a:solidFill>
+                  <a:srgbClr val="660033"/>
+                </a:solidFill>
+                <a:latin typeface="Microsoft JhengHei" pitchFamily="34" charset="-120"/>
+                <a:ea typeface="Microsoft JhengHei" pitchFamily="34" charset="-120"/>
+              </a:rPr>
+              <a:t>  </a:t>
+            </a:r>
+            <a:r>
+              <a:rPr lang="zh-CN" altLang="en-US" sz="6400" b="1" dirty="0">
+                <a:solidFill>
+                  <a:srgbClr val="660033"/>
+                </a:solidFill>
+                <a:latin typeface="Microsoft JhengHei" pitchFamily="34" charset="-120"/>
+                <a:ea typeface="Microsoft JhengHei" pitchFamily="34" charset="-120"/>
+              </a:rPr>
+              <a:t>阿</a:t>
+            </a:r>
+            <a:r>
+              <a:rPr lang="zh-CN" altLang="en-US" sz="6400" b="1" dirty="0">
+                <a:solidFill>
+                  <a:srgbClr val="660033"/>
+                </a:solidFill>
+                <a:latin typeface="Microsoft JhengHei" pitchFamily="34" charset="-120"/>
+                <a:ea typeface="Microsoft JhengHei" pitchFamily="34" charset="-120"/>
+              </a:rPr>
+              <a:t>利路亞</a:t>
+            </a:r>
+            <a:endParaRPr lang="en-US" altLang="zh-TW" sz="6400" b="1" dirty="0">
+              <a:solidFill>
+                <a:srgbClr val="660033"/>
+              </a:solidFill>
+              <a:latin typeface="Microsoft JhengHei" pitchFamily="34" charset="-120"/>
+              <a:ea typeface="Microsoft JhengHei" pitchFamily="34" charset="-120"/>
             </a:endParaRPr>
           </a:p>
-          <a:p>
-            <a:pPr algn="ctr">
-              <a:buNone/>
-            </a:pPr>
-            <a:r>
-              <a:rPr lang="zh-CN" altLang="en-US" sz="5400" b="1" dirty="0" smtClean="0">
-                <a:latin typeface="微軟正黑體" pitchFamily="34" charset="-120"/>
-                <a:ea typeface="微軟正黑體" pitchFamily="34" charset="-120"/>
-              </a:rPr>
-              <a:t>阿利</a:t>
-            </a:r>
-            <a:r>
-              <a:rPr lang="zh-CN" altLang="en-US" sz="5400" b="1" dirty="0">
-                <a:latin typeface="微軟正黑體" pitchFamily="34" charset="-120"/>
-                <a:ea typeface="微軟正黑體" pitchFamily="34" charset="-120"/>
-              </a:rPr>
-              <a:t>路</a:t>
-            </a:r>
-            <a:r>
-              <a:rPr lang="zh-CN" altLang="en-US" sz="5400" b="1" dirty="0" smtClean="0">
-                <a:latin typeface="微軟正黑體" pitchFamily="34" charset="-120"/>
-                <a:ea typeface="微軟正黑體" pitchFamily="34" charset="-120"/>
-              </a:rPr>
-              <a:t>亞   出墓更顯大榮顯</a:t>
-            </a:r>
-            <a:endParaRPr lang="en-US" altLang="zh-CN" sz="5400" b="1" dirty="0" smtClean="0">
-              <a:latin typeface="微軟正黑體" pitchFamily="34" charset="-120"/>
-              <a:ea typeface="微軟正黑體" pitchFamily="34" charset="-120"/>
+        </p:txBody>
+      </p:sp>
+      <p:sp>
+        <p:nvSpPr>
+          <p:cNvPr id="3" name="TextBox 2"/>
+          <p:cNvSpPr txBox="1"/>
+          <p:nvPr/>
+        </p:nvSpPr>
+        <p:spPr>
+          <a:xfrm>
+            <a:off x="0" y="5061181"/>
+            <a:ext cx="12192000" cy="666786"/>
+          </a:xfrm>
+          <a:prstGeom prst="rect">
+            <a:avLst/>
+          </a:prstGeom>
+          <a:noFill/>
+        </p:spPr>
+        <p:txBody>
+          <a:bodyPr wrap="square" rtlCol="0">
+            <a:spAutoFit/>
+          </a:bodyPr>
+          <a:lstStyle/>
+          <a:p>
+            <a:pPr algn="ctr"/>
+            <a:r>
+              <a:rPr lang="en-US" sz="3733" b="1" dirty="0">
+                <a:solidFill>
+                  <a:srgbClr val="660033"/>
+                </a:solidFill>
+              </a:rPr>
+              <a:t>( 1 / 5 )</a:t>
+            </a:r>
+            <a:endParaRPr lang="vi-VN" sz="3733" b="1" dirty="0">
+              <a:solidFill>
+                <a:srgbClr val="660033"/>
+              </a:solidFill>
             </a:endParaRPr>
           </a:p>
-          <a:p>
-            <a:pPr algn="ctr">
-              <a:buNone/>
-            </a:pPr>
-            <a:r>
-              <a:rPr lang="zh-CN" altLang="en-US" sz="5400" b="1" dirty="0" smtClean="0">
-                <a:latin typeface="微軟正黑體" pitchFamily="34" charset="-120"/>
-                <a:ea typeface="微軟正黑體" pitchFamily="34" charset="-120"/>
-              </a:rPr>
-              <a:t>阿利路亞   如日暫蝕仍普照</a:t>
-            </a:r>
-            <a:endParaRPr lang="en-US" altLang="zh-CN" sz="5400" b="1" dirty="0" smtClean="0">
-              <a:latin typeface="微軟正黑體" pitchFamily="34" charset="-120"/>
-              <a:ea typeface="微軟正黑體" pitchFamily="34" charset="-120"/>
-            </a:endParaRPr>
-          </a:p>
-          <a:p>
-            <a:pPr algn="ctr">
-              <a:buNone/>
-            </a:pPr>
-            <a:r>
-              <a:rPr lang="zh-CN" altLang="en-US" sz="5400" b="1" dirty="0" smtClean="0">
-                <a:latin typeface="微軟正黑體" pitchFamily="34" charset="-120"/>
-                <a:ea typeface="微軟正黑體" pitchFamily="34" charset="-120"/>
-              </a:rPr>
-              <a:t>阿利路亞</a:t>
-            </a:r>
-            <a:endParaRPr lang="zh-TW" altLang="en-US" sz="5400" b="1" dirty="0">
-              <a:latin typeface="微軟正黑體" pitchFamily="34" charset="-120"/>
-              <a:ea typeface="微軟正黑體" pitchFamily="34" charset="-120"/>
-            </a:endParaRPr>
-          </a:p>
         </p:txBody>
       </p:sp>
     </p:spTree>
+    <p:extLst>
+      <p:ext uri="{BB962C8B-B14F-4D97-AF65-F5344CB8AC3E}">
+        <p14:creationId xmlns:p14="http://schemas.microsoft.com/office/powerpoint/2010/main" val="3852069731"/>
+      </p:ext>
+    </p:extLst>
   </p:cSld>
   <p:clrMapOvr>
     <a:masterClrMapping/>
   </p:clrMapOvr>
+  <p:timing>
+    <p:tnLst>
+      <p:par>
+        <p:cTn id="1" dur="indefinite" restart="never" nodeType="tmRoot"/>
+      </p:par>
+    </p:tnLst>
+  </p:timing>
 </p:sld>
 </file>
 
@@ -3575,36 +4271,7 @@
       </p:grpSpPr>
       <p:sp>
         <p:nvSpPr>
-          <p:cNvPr id="2" name="標題 1"/>
-          <p:cNvSpPr>
-            <a:spLocks noGrp="1"/>
-          </p:cNvSpPr>
-          <p:nvPr>
-            <p:ph type="title"/>
-          </p:nvPr>
-        </p:nvSpPr>
-        <p:spPr/>
-        <p:txBody>
-          <a:bodyPr/>
-          <a:lstStyle/>
-          <a:p>
-            <a:r>
-              <a:rPr lang="zh-CN" altLang="en-US" b="1" dirty="0" smtClean="0">
-                <a:latin typeface="微軟正黑體" pitchFamily="34" charset="-120"/>
-                <a:ea typeface="微軟正黑體" pitchFamily="34" charset="-120"/>
-              </a:rPr>
-              <a:t>耶穌復生</a:t>
-            </a:r>
-            <a:endParaRPr lang="zh-TW" altLang="en-US" b="1" dirty="0">
-              <a:latin typeface="微軟正黑體" pitchFamily="34" charset="-120"/>
-              <a:ea typeface="微軟正黑體" pitchFamily="34" charset="-120"/>
-            </a:endParaRPr>
-          </a:p>
-        </p:txBody>
-      </p:sp>
-      <p:sp>
-        <p:nvSpPr>
-          <p:cNvPr id="3" name="內容版面配置區 2"/>
+          <p:cNvPr id="5" name="內容版面配置區 4"/>
           <p:cNvSpPr>
             <a:spLocks noGrp="1"/>
           </p:cNvSpPr>
@@ -3614,13 +4281,13 @@
         </p:nvSpPr>
         <p:spPr>
           <a:xfrm>
-            <a:off x="0" y="1600200"/>
-            <a:ext cx="9144000" cy="4525963"/>
+            <a:off x="0" y="2084851"/>
+            <a:ext cx="12192000" cy="2404863"/>
           </a:xfrm>
         </p:spPr>
         <p:txBody>
-          <a:bodyPr>
-            <a:noAutofit/>
+          <a:bodyPr anchor="ctr">
+            <a:normAutofit/>
           </a:bodyPr>
           <a:lstStyle/>
           <a:p>
@@ -3628,22 +4295,71 @@
               <a:buNone/>
             </a:pPr>
             <a:r>
-              <a:rPr lang="zh-CN" altLang="en-US" sz="5400" b="1" dirty="0">
-                <a:latin typeface="微軟正黑體" pitchFamily="34" charset="-120"/>
-                <a:ea typeface="微軟正黑體" pitchFamily="34" charset="-120"/>
-              </a:rPr>
-              <a:t>耶穌</a:t>
-            </a:r>
-            <a:r>
-              <a:rPr lang="zh-CN" altLang="en-US" sz="5400" b="1" dirty="0" smtClean="0">
-                <a:latin typeface="微軟正黑體" pitchFamily="34" charset="-120"/>
-                <a:ea typeface="微軟正黑體" pitchFamily="34" charset="-120"/>
-              </a:rPr>
-              <a:t>復活不再死</a:t>
-            </a:r>
-            <a:endParaRPr lang="en-US" altLang="zh-CN" sz="5400" b="1" dirty="0" smtClean="0">
-              <a:latin typeface="微軟正黑體" pitchFamily="34" charset="-120"/>
-              <a:ea typeface="微軟正黑體" pitchFamily="34" charset="-120"/>
+              <a:rPr lang="zh-CN" altLang="en-US" sz="6400" b="1" dirty="0">
+                <a:solidFill>
+                  <a:srgbClr val="660033"/>
+                </a:solidFill>
+                <a:latin typeface="Microsoft JhengHei" pitchFamily="34" charset="-120"/>
+                <a:ea typeface="Microsoft JhengHei" pitchFamily="34" charset="-120"/>
+              </a:rPr>
+              <a:t>贖罪功勞已做</a:t>
+            </a:r>
+            <a:r>
+              <a:rPr lang="zh-CN" altLang="en-US" sz="6400" b="1" dirty="0">
+                <a:solidFill>
+                  <a:srgbClr val="660033"/>
+                </a:solidFill>
+                <a:latin typeface="Microsoft JhengHei" pitchFamily="34" charset="-120"/>
+                <a:ea typeface="Microsoft JhengHei" pitchFamily="34" charset="-120"/>
+              </a:rPr>
+              <a:t>成</a:t>
+            </a:r>
+            <a:r>
+              <a:rPr lang="en-US" altLang="zh-CN" sz="6400" b="1" dirty="0">
+                <a:solidFill>
+                  <a:srgbClr val="660033"/>
+                </a:solidFill>
+                <a:latin typeface="Microsoft JhengHei" pitchFamily="34" charset="-120"/>
+                <a:ea typeface="Microsoft JhengHei" pitchFamily="34" charset="-120"/>
+              </a:rPr>
+              <a:t>  </a:t>
+            </a:r>
+            <a:r>
+              <a:rPr lang="zh-CN" altLang="en-US" sz="6400" b="1" dirty="0">
+                <a:solidFill>
+                  <a:srgbClr val="660033"/>
+                </a:solidFill>
+                <a:latin typeface="Microsoft JhengHei" pitchFamily="34" charset="-120"/>
+                <a:ea typeface="Microsoft JhengHei" pitchFamily="34" charset="-120"/>
+              </a:rPr>
+              <a:t>阿</a:t>
+            </a:r>
+            <a:r>
+              <a:rPr lang="zh-CN" altLang="en-US" sz="6400" b="1" dirty="0">
+                <a:solidFill>
+                  <a:srgbClr val="660033"/>
+                </a:solidFill>
+                <a:latin typeface="Microsoft JhengHei" pitchFamily="34" charset="-120"/>
+                <a:ea typeface="Microsoft JhengHei" pitchFamily="34" charset="-120"/>
+              </a:rPr>
+              <a:t>利路</a:t>
+            </a:r>
+            <a:r>
+              <a:rPr lang="zh-CN" altLang="en-US" sz="6400" b="1" dirty="0">
+                <a:solidFill>
+                  <a:srgbClr val="660033"/>
+                </a:solidFill>
+                <a:latin typeface="Microsoft JhengHei" pitchFamily="34" charset="-120"/>
+                <a:ea typeface="Microsoft JhengHei" pitchFamily="34" charset="-120"/>
+              </a:rPr>
+              <a:t>亞</a:t>
+            </a:r>
+            <a:endParaRPr lang="en-US" altLang="zh-CN" sz="6400" b="1" dirty="0">
+              <a:solidFill>
+                <a:srgbClr val="660033"/>
+              </a:solidFill>
+              <a:latin typeface="Microsoft JhengHei" pitchFamily="34" charset="-120"/>
+              <a:ea typeface="Microsoft JhengHei" pitchFamily="34" charset="-120"/>
             </a:endParaRPr>
           </a:p>
           <a:p>
@@ -3651,86 +4367,131 @@
               <a:buNone/>
             </a:pPr>
             <a:r>
-              <a:rPr lang="zh-CN" altLang="en-US" sz="5400" b="1" dirty="0" smtClean="0">
-                <a:latin typeface="微軟正黑體" pitchFamily="34" charset="-120"/>
-                <a:ea typeface="微軟正黑體" pitchFamily="34" charset="-120"/>
-              </a:rPr>
-              <a:t>阿利路亞   撒但計窮必若刺</a:t>
-            </a:r>
-            <a:endParaRPr lang="en-US" altLang="zh-CN" sz="5400" b="1" dirty="0" smtClean="0">
-              <a:latin typeface="微軟正黑體" pitchFamily="34" charset="-120"/>
-              <a:ea typeface="微軟正黑體" pitchFamily="34" charset="-120"/>
+              <a:rPr lang="zh-CN" altLang="en-US" sz="6400" b="1" dirty="0">
+                <a:solidFill>
+                  <a:srgbClr val="660033"/>
+                </a:solidFill>
+                <a:latin typeface="Microsoft JhengHei" pitchFamily="34" charset="-120"/>
+                <a:ea typeface="Microsoft JhengHei" pitchFamily="34" charset="-120"/>
+              </a:rPr>
+              <a:t>魔</a:t>
+            </a:r>
+            <a:r>
+              <a:rPr lang="zh-CN" altLang="en-US" sz="6400" b="1" dirty="0">
+                <a:solidFill>
+                  <a:srgbClr val="660033"/>
+                </a:solidFill>
+                <a:latin typeface="Microsoft JhengHei" pitchFamily="34" charset="-120"/>
+                <a:ea typeface="Microsoft JhengHei" pitchFamily="34" charset="-120"/>
+              </a:rPr>
+              <a:t>鬼失敗耶穌</a:t>
+            </a:r>
+            <a:r>
+              <a:rPr lang="zh-CN" altLang="en-US" sz="6400" b="1" dirty="0">
+                <a:solidFill>
+                  <a:srgbClr val="660033"/>
+                </a:solidFill>
+                <a:latin typeface="Microsoft JhengHei" pitchFamily="34" charset="-120"/>
+                <a:ea typeface="Microsoft JhengHei" pitchFamily="34" charset="-120"/>
+              </a:rPr>
+              <a:t>勝</a:t>
+            </a:r>
+            <a:r>
+              <a:rPr lang="en-US" altLang="zh-CN" sz="6400" b="1" dirty="0">
+                <a:solidFill>
+                  <a:srgbClr val="660033"/>
+                </a:solidFill>
+                <a:latin typeface="Microsoft JhengHei" pitchFamily="34" charset="-120"/>
+                <a:ea typeface="Microsoft JhengHei" pitchFamily="34" charset="-120"/>
+              </a:rPr>
+              <a:t>  </a:t>
+            </a:r>
+            <a:r>
+              <a:rPr lang="zh-CN" altLang="en-US" sz="6400" b="1" dirty="0">
+                <a:solidFill>
+                  <a:srgbClr val="660033"/>
+                </a:solidFill>
+                <a:latin typeface="Microsoft JhengHei" pitchFamily="34" charset="-120"/>
+                <a:ea typeface="Microsoft JhengHei" pitchFamily="34" charset="-120"/>
+              </a:rPr>
+              <a:t>阿</a:t>
+            </a:r>
+            <a:r>
+              <a:rPr lang="zh-CN" altLang="en-US" sz="6400" b="1" dirty="0">
+                <a:solidFill>
+                  <a:srgbClr val="660033"/>
+                </a:solidFill>
+                <a:latin typeface="Microsoft JhengHei" pitchFamily="34" charset="-120"/>
+                <a:ea typeface="Microsoft JhengHei" pitchFamily="34" charset="-120"/>
+              </a:rPr>
+              <a:t>利路亞</a:t>
+            </a:r>
+            <a:endParaRPr lang="en-US" altLang="zh-TW" sz="6400" b="1" dirty="0">
+              <a:solidFill>
+                <a:srgbClr val="660033"/>
+              </a:solidFill>
+              <a:latin typeface="Microsoft JhengHei" pitchFamily="34" charset="-120"/>
+              <a:ea typeface="Microsoft JhengHei" pitchFamily="34" charset="-120"/>
             </a:endParaRPr>
           </a:p>
-          <a:p>
-            <a:pPr algn="ctr">
-              <a:buNone/>
-            </a:pPr>
-            <a:r>
-              <a:rPr lang="zh-CN" altLang="en-US" sz="5400" b="1" dirty="0" smtClean="0">
-                <a:latin typeface="微軟正黑體" pitchFamily="34" charset="-120"/>
-                <a:ea typeface="微軟正黑體" pitchFamily="34" charset="-120"/>
-              </a:rPr>
-              <a:t>阿利</a:t>
-            </a:r>
-            <a:r>
-              <a:rPr lang="zh-CN" altLang="en-US" sz="5400" b="1" dirty="0">
-                <a:latin typeface="微軟正黑體" pitchFamily="34" charset="-120"/>
-                <a:ea typeface="微軟正黑體" pitchFamily="34" charset="-120"/>
-              </a:rPr>
-              <a:t>路</a:t>
-            </a:r>
-            <a:r>
-              <a:rPr lang="zh-CN" altLang="en-US" sz="5400" b="1" dirty="0" smtClean="0">
-                <a:latin typeface="微軟正黑體" pitchFamily="34" charset="-120"/>
-                <a:ea typeface="微軟正黑體" pitchFamily="34" charset="-120"/>
-              </a:rPr>
-              <a:t>亞   當時看見主墓空</a:t>
-            </a:r>
-            <a:endParaRPr lang="en-US" altLang="zh-CN" sz="5400" b="1" dirty="0" smtClean="0">
-              <a:latin typeface="微軟正黑體" pitchFamily="34" charset="-120"/>
-              <a:ea typeface="微軟正黑體" pitchFamily="34" charset="-120"/>
+        </p:txBody>
+      </p:sp>
+      <p:sp>
+        <p:nvSpPr>
+          <p:cNvPr id="3" name="TextBox 2"/>
+          <p:cNvSpPr txBox="1"/>
+          <p:nvPr/>
+        </p:nvSpPr>
+        <p:spPr>
+          <a:xfrm>
+            <a:off x="0" y="5061181"/>
+            <a:ext cx="12192000" cy="666786"/>
+          </a:xfrm>
+          <a:prstGeom prst="rect">
+            <a:avLst/>
+          </a:prstGeom>
+          <a:noFill/>
+        </p:spPr>
+        <p:txBody>
+          <a:bodyPr wrap="square" rtlCol="0">
+            <a:spAutoFit/>
+          </a:bodyPr>
+          <a:lstStyle/>
+          <a:p>
+            <a:pPr algn="ctr"/>
+            <a:r>
+              <a:rPr lang="en-US" sz="3733" b="1" dirty="0">
+                <a:solidFill>
+                  <a:srgbClr val="660033"/>
+                </a:solidFill>
+              </a:rPr>
+              <a:t>( 2 / 5 )</a:t>
+            </a:r>
+            <a:endParaRPr lang="vi-VN" sz="3733" b="1" dirty="0">
+              <a:solidFill>
+                <a:srgbClr val="660033"/>
+              </a:solidFill>
             </a:endParaRPr>
           </a:p>
-          <a:p>
-            <a:pPr algn="ctr">
-              <a:buNone/>
-            </a:pPr>
-            <a:r>
-              <a:rPr lang="zh-CN" altLang="en-US" sz="5400" b="1" dirty="0" smtClean="0">
-                <a:latin typeface="微軟正黑體" pitchFamily="34" charset="-120"/>
-                <a:ea typeface="微軟正黑體" pitchFamily="34" charset="-120"/>
-              </a:rPr>
-              <a:t>阿利路亞   主顯權能永無窮</a:t>
-            </a:r>
-            <a:endParaRPr lang="en-US" altLang="zh-CN" sz="5400" b="1" dirty="0" smtClean="0">
-              <a:latin typeface="微軟正黑體" pitchFamily="34" charset="-120"/>
-              <a:ea typeface="微軟正黑體" pitchFamily="34" charset="-120"/>
-            </a:endParaRPr>
-          </a:p>
-          <a:p>
-            <a:pPr algn="ctr">
-              <a:buNone/>
-            </a:pPr>
-            <a:r>
-              <a:rPr lang="zh-CN" altLang="en-US" sz="5400" b="1" dirty="0" smtClean="0">
-                <a:latin typeface="微軟正黑體" pitchFamily="34" charset="-120"/>
-                <a:ea typeface="微軟正黑體" pitchFamily="34" charset="-120"/>
-              </a:rPr>
-              <a:t>阿利路亞</a:t>
-            </a:r>
-            <a:endParaRPr lang="zh-TW" altLang="en-US" sz="5400" b="1" dirty="0">
-              <a:latin typeface="微軟正黑體" pitchFamily="34" charset="-120"/>
-              <a:ea typeface="微軟正黑體" pitchFamily="34" charset="-120"/>
-            </a:endParaRPr>
-          </a:p>
         </p:txBody>
       </p:sp>
     </p:spTree>
+    <p:extLst>
+      <p:ext uri="{BB962C8B-B14F-4D97-AF65-F5344CB8AC3E}">
+        <p14:creationId xmlns:p14="http://schemas.microsoft.com/office/powerpoint/2010/main" val="1230221055"/>
+      </p:ext>
+    </p:extLst>
   </p:cSld>
   <p:clrMapOvr>
     <a:masterClrMapping/>
   </p:clrMapOvr>
+  <p:timing>
+    <p:tnLst>
+      <p:par>
+        <p:cTn id="1" dur="indefinite" restart="never" nodeType="tmRoot"/>
+      </p:par>
+    </p:tnLst>
+  </p:timing>
 </p:sld>
 </file>
 
@@ -3753,36 +4514,7 @@
       </p:grpSpPr>
       <p:sp>
         <p:nvSpPr>
-          <p:cNvPr id="2" name="標題 1"/>
-          <p:cNvSpPr>
-            <a:spLocks noGrp="1"/>
-          </p:cNvSpPr>
-          <p:nvPr>
-            <p:ph type="title"/>
-          </p:nvPr>
-        </p:nvSpPr>
-        <p:spPr/>
-        <p:txBody>
-          <a:bodyPr/>
-          <a:lstStyle/>
-          <a:p>
-            <a:r>
-              <a:rPr lang="zh-CN" altLang="en-US" b="1" dirty="0" smtClean="0">
-                <a:latin typeface="微軟正黑體" pitchFamily="34" charset="-120"/>
-                <a:ea typeface="微軟正黑體" pitchFamily="34" charset="-120"/>
-              </a:rPr>
-              <a:t>耶穌復生</a:t>
-            </a:r>
-            <a:endParaRPr lang="zh-TW" altLang="en-US" b="1" dirty="0">
-              <a:latin typeface="微軟正黑體" pitchFamily="34" charset="-120"/>
-              <a:ea typeface="微軟正黑體" pitchFamily="34" charset="-120"/>
-            </a:endParaRPr>
-          </a:p>
-        </p:txBody>
-      </p:sp>
-      <p:sp>
-        <p:nvSpPr>
-          <p:cNvPr id="3" name="內容版面配置區 2"/>
+          <p:cNvPr id="5" name="內容版面配置區 4"/>
           <p:cNvSpPr>
             <a:spLocks noGrp="1"/>
           </p:cNvSpPr>
@@ -3792,13 +4524,13 @@
         </p:nvSpPr>
         <p:spPr>
           <a:xfrm>
-            <a:off x="0" y="1600200"/>
-            <a:ext cx="9144000" cy="4525963"/>
+            <a:off x="0" y="2084851"/>
+            <a:ext cx="12192000" cy="2404863"/>
           </a:xfrm>
         </p:spPr>
         <p:txBody>
-          <a:bodyPr>
-            <a:noAutofit/>
+          <a:bodyPr anchor="ctr">
+            <a:normAutofit/>
           </a:bodyPr>
           <a:lstStyle/>
           <a:p>
@@ -3806,15 +4538,71 @@
               <a:buNone/>
             </a:pPr>
             <a:r>
-              <a:rPr lang="zh-CN" altLang="en-US" sz="5400" b="1" dirty="0" smtClean="0">
-                <a:latin typeface="微軟正黑體" pitchFamily="34" charset="-120"/>
-                <a:ea typeface="微軟正黑體" pitchFamily="34" charset="-120"/>
-              </a:rPr>
-              <a:t>感謝永生大主宰</a:t>
-            </a:r>
-            <a:endParaRPr lang="en-US" altLang="zh-CN" sz="5400" b="1" dirty="0" smtClean="0">
-              <a:latin typeface="微軟正黑體" pitchFamily="34" charset="-120"/>
-              <a:ea typeface="微軟正黑體" pitchFamily="34" charset="-120"/>
+              <a:rPr lang="zh-CN" altLang="en-US" sz="6400" b="1" dirty="0">
+                <a:solidFill>
+                  <a:srgbClr val="660033"/>
+                </a:solidFill>
+                <a:latin typeface="Microsoft JhengHei" pitchFamily="34" charset="-120"/>
+                <a:ea typeface="Microsoft JhengHei" pitchFamily="34" charset="-120"/>
+              </a:rPr>
+              <a:t>太陽不必再變</a:t>
+            </a:r>
+            <a:r>
+              <a:rPr lang="zh-CN" altLang="en-US" sz="6400" b="1" dirty="0">
+                <a:solidFill>
+                  <a:srgbClr val="660033"/>
+                </a:solidFill>
+                <a:latin typeface="Microsoft JhengHei" pitchFamily="34" charset="-120"/>
+                <a:ea typeface="Microsoft JhengHei" pitchFamily="34" charset="-120"/>
+              </a:rPr>
+              <a:t>色</a:t>
+            </a:r>
+            <a:r>
+              <a:rPr lang="en-US" altLang="zh-CN" sz="6400" b="1" dirty="0">
+                <a:solidFill>
+                  <a:srgbClr val="660033"/>
+                </a:solidFill>
+                <a:latin typeface="Microsoft JhengHei" pitchFamily="34" charset="-120"/>
+                <a:ea typeface="Microsoft JhengHei" pitchFamily="34" charset="-120"/>
+              </a:rPr>
+              <a:t>  </a:t>
+            </a:r>
+            <a:r>
+              <a:rPr lang="zh-CN" altLang="en-US" sz="6400" b="1" dirty="0">
+                <a:solidFill>
+                  <a:srgbClr val="660033"/>
+                </a:solidFill>
+                <a:latin typeface="Microsoft JhengHei" pitchFamily="34" charset="-120"/>
+                <a:ea typeface="Microsoft JhengHei" pitchFamily="34" charset="-120"/>
+              </a:rPr>
+              <a:t>阿</a:t>
+            </a:r>
+            <a:r>
+              <a:rPr lang="zh-CN" altLang="en-US" sz="6400" b="1" dirty="0">
+                <a:solidFill>
+                  <a:srgbClr val="660033"/>
+                </a:solidFill>
+                <a:latin typeface="Microsoft JhengHei" pitchFamily="34" charset="-120"/>
+                <a:ea typeface="Microsoft JhengHei" pitchFamily="34" charset="-120"/>
+              </a:rPr>
+              <a:t>利路</a:t>
+            </a:r>
+            <a:r>
+              <a:rPr lang="zh-CN" altLang="en-US" sz="6400" b="1" dirty="0">
+                <a:solidFill>
+                  <a:srgbClr val="660033"/>
+                </a:solidFill>
+                <a:latin typeface="Microsoft JhengHei" pitchFamily="34" charset="-120"/>
+                <a:ea typeface="Microsoft JhengHei" pitchFamily="34" charset="-120"/>
+              </a:rPr>
+              <a:t>亞</a:t>
+            </a:r>
+            <a:endParaRPr lang="en-US" altLang="zh-CN" sz="6400" b="1" dirty="0">
+              <a:solidFill>
+                <a:srgbClr val="660033"/>
+              </a:solidFill>
+              <a:latin typeface="Microsoft JhengHei" pitchFamily="34" charset="-120"/>
+              <a:ea typeface="Microsoft JhengHei" pitchFamily="34" charset="-120"/>
             </a:endParaRPr>
           </a:p>
           <a:p>
@@ -3822,98 +4610,1068 @@
               <a:buNone/>
             </a:pPr>
             <a:r>
-              <a:rPr lang="zh-CN" altLang="en-US" sz="5400" b="1" dirty="0" smtClean="0">
-                <a:latin typeface="微軟正黑體" pitchFamily="34" charset="-120"/>
-                <a:ea typeface="微軟正黑體" pitchFamily="34" charset="-120"/>
-              </a:rPr>
-              <a:t>阿利路亞   差遣耶穌顯慈愛</a:t>
-            </a:r>
-            <a:endParaRPr lang="en-US" altLang="zh-CN" sz="5400" b="1" dirty="0" smtClean="0">
-              <a:latin typeface="微軟正黑體" pitchFamily="34" charset="-120"/>
-              <a:ea typeface="微軟正黑體" pitchFamily="34" charset="-120"/>
+              <a:rPr lang="zh-CN" altLang="en-US" sz="6400" b="1" dirty="0">
+                <a:solidFill>
+                  <a:srgbClr val="660033"/>
+                </a:solidFill>
+                <a:latin typeface="Microsoft JhengHei" pitchFamily="34" charset="-120"/>
+                <a:ea typeface="Microsoft JhengHei" pitchFamily="34" charset="-120"/>
+              </a:rPr>
+              <a:t>聖</a:t>
+            </a:r>
+            <a:r>
+              <a:rPr lang="zh-CN" altLang="en-US" sz="6400" b="1" dirty="0">
+                <a:solidFill>
+                  <a:srgbClr val="660033"/>
+                </a:solidFill>
+                <a:latin typeface="Microsoft JhengHei" pitchFamily="34" charset="-120"/>
+                <a:ea typeface="Microsoft JhengHei" pitchFamily="34" charset="-120"/>
+              </a:rPr>
+              <a:t>殿幔子不再</a:t>
+            </a:r>
+            <a:r>
+              <a:rPr lang="zh-CN" altLang="en-US" sz="6400" b="1" dirty="0">
+                <a:solidFill>
+                  <a:srgbClr val="660033"/>
+                </a:solidFill>
+                <a:latin typeface="Microsoft JhengHei" pitchFamily="34" charset="-120"/>
+                <a:ea typeface="Microsoft JhengHei" pitchFamily="34" charset="-120"/>
+              </a:rPr>
+              <a:t>裂</a:t>
+            </a:r>
+            <a:r>
+              <a:rPr lang="en-US" altLang="zh-CN" sz="6400" b="1" dirty="0">
+                <a:solidFill>
+                  <a:srgbClr val="660033"/>
+                </a:solidFill>
+                <a:latin typeface="Microsoft JhengHei" pitchFamily="34" charset="-120"/>
+                <a:ea typeface="Microsoft JhengHei" pitchFamily="34" charset="-120"/>
+              </a:rPr>
+              <a:t>  </a:t>
+            </a:r>
+            <a:r>
+              <a:rPr lang="zh-CN" altLang="en-US" sz="6400" b="1" dirty="0">
+                <a:solidFill>
+                  <a:srgbClr val="660033"/>
+                </a:solidFill>
+                <a:latin typeface="Microsoft JhengHei" pitchFamily="34" charset="-120"/>
+                <a:ea typeface="Microsoft JhengHei" pitchFamily="34" charset="-120"/>
+              </a:rPr>
+              <a:t>阿</a:t>
+            </a:r>
+            <a:r>
+              <a:rPr lang="zh-CN" altLang="en-US" sz="6400" b="1" dirty="0">
+                <a:solidFill>
+                  <a:srgbClr val="660033"/>
+                </a:solidFill>
+                <a:latin typeface="Microsoft JhengHei" pitchFamily="34" charset="-120"/>
+                <a:ea typeface="Microsoft JhengHei" pitchFamily="34" charset="-120"/>
+              </a:rPr>
+              <a:t>利路亞</a:t>
+            </a:r>
+            <a:endParaRPr lang="en-US" altLang="zh-TW" sz="6400" b="1" dirty="0">
+              <a:solidFill>
+                <a:srgbClr val="660033"/>
+              </a:solidFill>
+              <a:latin typeface="Microsoft JhengHei" pitchFamily="34" charset="-120"/>
+              <a:ea typeface="Microsoft JhengHei" pitchFamily="34" charset="-120"/>
             </a:endParaRPr>
           </a:p>
-          <a:p>
-            <a:pPr algn="ctr">
-              <a:buNone/>
-            </a:pPr>
-            <a:r>
-              <a:rPr lang="zh-CN" altLang="en-US" sz="5400" b="1" dirty="0" smtClean="0">
-                <a:latin typeface="微軟正黑體" pitchFamily="34" charset="-120"/>
-                <a:ea typeface="微軟正黑體" pitchFamily="34" charset="-120"/>
-              </a:rPr>
-              <a:t>阿利</a:t>
-            </a:r>
-            <a:r>
-              <a:rPr lang="zh-CN" altLang="en-US" sz="5400" b="1" dirty="0">
-                <a:latin typeface="微軟正黑體" pitchFamily="34" charset="-120"/>
-                <a:ea typeface="微軟正黑體" pitchFamily="34" charset="-120"/>
-              </a:rPr>
-              <a:t>路</a:t>
-            </a:r>
-            <a:r>
-              <a:rPr lang="zh-CN" altLang="en-US" sz="5400" b="1" dirty="0" smtClean="0">
-                <a:latin typeface="微軟正黑體" pitchFamily="34" charset="-120"/>
-                <a:ea typeface="微軟正黑體" pitchFamily="34" charset="-120"/>
-              </a:rPr>
-              <a:t>亞   救主復活人得救</a:t>
-            </a:r>
-            <a:endParaRPr lang="en-US" altLang="zh-CN" sz="5400" b="1" dirty="0" smtClean="0">
-              <a:latin typeface="微軟正黑體" pitchFamily="34" charset="-120"/>
-              <a:ea typeface="微軟正黑體" pitchFamily="34" charset="-120"/>
+        </p:txBody>
+      </p:sp>
+      <p:sp>
+        <p:nvSpPr>
+          <p:cNvPr id="3" name="TextBox 2"/>
+          <p:cNvSpPr txBox="1"/>
+          <p:nvPr/>
+        </p:nvSpPr>
+        <p:spPr>
+          <a:xfrm>
+            <a:off x="0" y="5061181"/>
+            <a:ext cx="12192000" cy="666786"/>
+          </a:xfrm>
+          <a:prstGeom prst="rect">
+            <a:avLst/>
+          </a:prstGeom>
+          <a:noFill/>
+        </p:spPr>
+        <p:txBody>
+          <a:bodyPr wrap="square" rtlCol="0">
+            <a:spAutoFit/>
+          </a:bodyPr>
+          <a:lstStyle/>
+          <a:p>
+            <a:pPr algn="ctr"/>
+            <a:r>
+              <a:rPr lang="en-US" sz="3733" b="1" dirty="0">
+                <a:solidFill>
+                  <a:srgbClr val="660033"/>
+                </a:solidFill>
+              </a:rPr>
+              <a:t>( 2 / 5 )</a:t>
+            </a:r>
+            <a:endParaRPr lang="vi-VN" sz="3733" b="1" dirty="0">
+              <a:solidFill>
+                <a:srgbClr val="660033"/>
+              </a:solidFill>
             </a:endParaRPr>
           </a:p>
-          <a:p>
-            <a:pPr algn="ctr">
-              <a:buNone/>
-            </a:pPr>
-            <a:r>
-              <a:rPr lang="zh-CN" altLang="en-US" sz="5400" b="1" dirty="0" smtClean="0">
-                <a:latin typeface="微軟正黑體" pitchFamily="34" charset="-120"/>
-                <a:ea typeface="微軟正黑體" pitchFamily="34" charset="-120"/>
-              </a:rPr>
-              <a:t>阿利路</a:t>
-            </a:r>
-            <a:r>
-              <a:rPr lang="zh-CN" altLang="en-US" sz="5400" b="1" smtClean="0">
-                <a:latin typeface="微軟正黑體" pitchFamily="34" charset="-120"/>
-                <a:ea typeface="微軟正黑體" pitchFamily="34" charset="-120"/>
-              </a:rPr>
-              <a:t>亞   榮耀歸主到永久</a:t>
-            </a:r>
-            <a:endParaRPr lang="en-US" altLang="zh-CN" sz="5400" b="1" dirty="0" smtClean="0">
-              <a:latin typeface="微軟正黑體" pitchFamily="34" charset="-120"/>
-              <a:ea typeface="微軟正黑體" pitchFamily="34" charset="-120"/>
-            </a:endParaRPr>
-          </a:p>
-          <a:p>
-            <a:pPr algn="ctr">
-              <a:buNone/>
-            </a:pPr>
-            <a:r>
-              <a:rPr lang="zh-CN" altLang="en-US" sz="5400" b="1" dirty="0" smtClean="0">
-                <a:latin typeface="微軟正黑體" pitchFamily="34" charset="-120"/>
-                <a:ea typeface="微軟正黑體" pitchFamily="34" charset="-120"/>
-              </a:rPr>
-              <a:t>阿利路亞</a:t>
-            </a:r>
-            <a:endParaRPr lang="zh-TW" altLang="en-US" sz="5400" b="1" dirty="0">
-              <a:latin typeface="微軟正黑體" pitchFamily="34" charset="-120"/>
-              <a:ea typeface="微軟正黑體" pitchFamily="34" charset="-120"/>
-            </a:endParaRPr>
-          </a:p>
         </p:txBody>
       </p:sp>
     </p:spTree>
+    <p:extLst>
+      <p:ext uri="{BB962C8B-B14F-4D97-AF65-F5344CB8AC3E}">
+        <p14:creationId xmlns:p14="http://schemas.microsoft.com/office/powerpoint/2010/main" val="2804408853"/>
+      </p:ext>
+    </p:extLst>
   </p:cSld>
   <p:clrMapOvr>
     <a:masterClrMapping/>
   </p:clrMapOvr>
+  <p:timing>
+    <p:tnLst>
+      <p:par>
+        <p:cTn id="1" dur="indefinite" restart="never" nodeType="tmRoot"/>
+      </p:par>
+    </p:tnLst>
+  </p:timing>
+</p:sld>
+</file>
+
+<file path=ppt/slides/slide6.xml><?xml version="1.0" encoding="utf-8"?>
+<p:sld xmlns:a="http://schemas.openxmlformats.org/drawingml/2006/main" xmlns:r="http://schemas.openxmlformats.org/officeDocument/2006/relationships" xmlns:p="http://schemas.openxmlformats.org/presentationml/2006/main">
+  <p:cSld>
+    <p:spTree>
+      <p:nvGrpSpPr>
+        <p:cNvPr id="1" name=""/>
+        <p:cNvGrpSpPr/>
+        <p:nvPr/>
+      </p:nvGrpSpPr>
+      <p:grpSpPr>
+        <a:xfrm>
+          <a:off x="0" y="0"/>
+          <a:ext cx="0" cy="0"/>
+          <a:chOff x="0" y="0"/>
+          <a:chExt cx="0" cy="0"/>
+        </a:xfrm>
+      </p:grpSpPr>
+      <p:sp>
+        <p:nvSpPr>
+          <p:cNvPr id="5" name="內容版面配置區 4"/>
+          <p:cNvSpPr>
+            <a:spLocks noGrp="1"/>
+          </p:cNvSpPr>
+          <p:nvPr>
+            <p:ph idx="1"/>
+          </p:nvPr>
+        </p:nvSpPr>
+        <p:spPr>
+          <a:xfrm>
+            <a:off x="0" y="2084851"/>
+            <a:ext cx="12192000" cy="2404863"/>
+          </a:xfrm>
+        </p:spPr>
+        <p:txBody>
+          <a:bodyPr anchor="ctr">
+            <a:normAutofit/>
+          </a:bodyPr>
+          <a:lstStyle/>
+          <a:p>
+            <a:pPr algn="ctr">
+              <a:buNone/>
+            </a:pPr>
+            <a:r>
+              <a:rPr lang="zh-CN" altLang="en-US" sz="6400" b="1" dirty="0">
+                <a:solidFill>
+                  <a:srgbClr val="660033"/>
+                </a:solidFill>
+                <a:latin typeface="Microsoft JhengHei" pitchFamily="34" charset="-120"/>
+                <a:ea typeface="Microsoft JhengHei" pitchFamily="34" charset="-120"/>
+              </a:rPr>
+              <a:t>設兵</a:t>
+            </a:r>
+            <a:r>
+              <a:rPr lang="zh-CN" altLang="en-US" sz="6400" b="1" dirty="0">
+                <a:solidFill>
+                  <a:srgbClr val="660033"/>
+                </a:solidFill>
+                <a:latin typeface="Microsoft JhengHei" pitchFamily="34" charset="-120"/>
+                <a:ea typeface="Microsoft JhengHei" pitchFamily="34" charset="-120"/>
+              </a:rPr>
+              <a:t>封墓枉</a:t>
+            </a:r>
+            <a:r>
+              <a:rPr lang="zh-CN" altLang="en-US" sz="6400" b="1" dirty="0">
+                <a:solidFill>
+                  <a:srgbClr val="660033"/>
+                </a:solidFill>
+                <a:latin typeface="Microsoft JhengHei" pitchFamily="34" charset="-120"/>
+                <a:ea typeface="Microsoft JhengHei" pitchFamily="34" charset="-120"/>
+              </a:rPr>
+              <a:t>費</a:t>
+            </a:r>
+            <a:r>
+              <a:rPr lang="zh-CN" altLang="en-US" sz="6400" b="1" dirty="0">
+                <a:solidFill>
+                  <a:srgbClr val="660033"/>
+                </a:solidFill>
+                <a:latin typeface="Microsoft JhengHei" pitchFamily="34" charset="-120"/>
+                <a:ea typeface="Microsoft JhengHei" pitchFamily="34" charset="-120"/>
+              </a:rPr>
+              <a:t>工</a:t>
+            </a:r>
+            <a:r>
+              <a:rPr lang="en-US" altLang="zh-CN" sz="6400" b="1" dirty="0">
+                <a:solidFill>
+                  <a:srgbClr val="660033"/>
+                </a:solidFill>
+                <a:latin typeface="Microsoft JhengHei" pitchFamily="34" charset="-120"/>
+                <a:ea typeface="Microsoft JhengHei" pitchFamily="34" charset="-120"/>
+              </a:rPr>
+              <a:t>  </a:t>
+            </a:r>
+            <a:r>
+              <a:rPr lang="zh-CN" altLang="en-US" sz="6400" b="1" dirty="0">
+                <a:solidFill>
+                  <a:srgbClr val="660033"/>
+                </a:solidFill>
+                <a:latin typeface="Microsoft JhengHei" pitchFamily="34" charset="-120"/>
+                <a:ea typeface="Microsoft JhengHei" pitchFamily="34" charset="-120"/>
+              </a:rPr>
+              <a:t>阿</a:t>
+            </a:r>
+            <a:r>
+              <a:rPr lang="zh-CN" altLang="en-US" sz="6400" b="1" dirty="0">
+                <a:solidFill>
+                  <a:srgbClr val="660033"/>
+                </a:solidFill>
+                <a:latin typeface="Microsoft JhengHei" pitchFamily="34" charset="-120"/>
+                <a:ea typeface="Microsoft JhengHei" pitchFamily="34" charset="-120"/>
+              </a:rPr>
+              <a:t>利路</a:t>
+            </a:r>
+            <a:r>
+              <a:rPr lang="zh-CN" altLang="en-US" sz="6400" b="1" dirty="0">
+                <a:solidFill>
+                  <a:srgbClr val="660033"/>
+                </a:solidFill>
+                <a:latin typeface="Microsoft JhengHei" pitchFamily="34" charset="-120"/>
+                <a:ea typeface="Microsoft JhengHei" pitchFamily="34" charset="-120"/>
+              </a:rPr>
+              <a:t>亞</a:t>
+            </a:r>
+            <a:endParaRPr lang="en-US" altLang="zh-CN" sz="6400" b="1" dirty="0">
+              <a:solidFill>
+                <a:srgbClr val="660033"/>
+              </a:solidFill>
+              <a:latin typeface="Microsoft JhengHei" pitchFamily="34" charset="-120"/>
+              <a:ea typeface="Microsoft JhengHei" pitchFamily="34" charset="-120"/>
+            </a:endParaRPr>
+          </a:p>
+          <a:p>
+            <a:pPr algn="ctr">
+              <a:buNone/>
+            </a:pPr>
+            <a:r>
+              <a:rPr lang="zh-CN" altLang="en-US" sz="6400" b="1" dirty="0">
+                <a:solidFill>
+                  <a:srgbClr val="660033"/>
+                </a:solidFill>
+                <a:latin typeface="Microsoft JhengHei" pitchFamily="34" charset="-120"/>
+                <a:ea typeface="Microsoft JhengHei" pitchFamily="34" charset="-120"/>
+              </a:rPr>
+              <a:t>豈</a:t>
+            </a:r>
+            <a:r>
+              <a:rPr lang="zh-CN" altLang="en-US" sz="6400" b="1" dirty="0">
+                <a:solidFill>
+                  <a:srgbClr val="660033"/>
+                </a:solidFill>
+                <a:latin typeface="Microsoft JhengHei" pitchFamily="34" charset="-120"/>
+                <a:ea typeface="Microsoft JhengHei" pitchFamily="34" charset="-120"/>
+              </a:rPr>
+              <a:t>能困主</a:t>
+            </a:r>
+            <a:r>
+              <a:rPr lang="zh-CN" altLang="en-US" sz="6400" b="1" dirty="0">
+                <a:solidFill>
+                  <a:srgbClr val="660033"/>
+                </a:solidFill>
+                <a:latin typeface="Microsoft JhengHei" pitchFamily="34" charset="-120"/>
+                <a:ea typeface="Microsoft JhengHei" pitchFamily="34" charset="-120"/>
+              </a:rPr>
+              <a:t>在墳中</a:t>
+            </a:r>
+            <a:r>
+              <a:rPr lang="en-US" altLang="zh-CN" sz="6400" b="1" dirty="0">
+                <a:solidFill>
+                  <a:srgbClr val="660033"/>
+                </a:solidFill>
+                <a:latin typeface="Microsoft JhengHei" pitchFamily="34" charset="-120"/>
+                <a:ea typeface="Microsoft JhengHei" pitchFamily="34" charset="-120"/>
+              </a:rPr>
+              <a:t>  </a:t>
+            </a:r>
+            <a:r>
+              <a:rPr lang="zh-CN" altLang="en-US" sz="6400" b="1" dirty="0">
+                <a:solidFill>
+                  <a:srgbClr val="660033"/>
+                </a:solidFill>
+                <a:latin typeface="Microsoft JhengHei" pitchFamily="34" charset="-120"/>
+                <a:ea typeface="Microsoft JhengHei" pitchFamily="34" charset="-120"/>
+              </a:rPr>
+              <a:t>阿</a:t>
+            </a:r>
+            <a:r>
+              <a:rPr lang="zh-CN" altLang="en-US" sz="6400" b="1" dirty="0">
+                <a:solidFill>
+                  <a:srgbClr val="660033"/>
+                </a:solidFill>
+                <a:latin typeface="Microsoft JhengHei" pitchFamily="34" charset="-120"/>
+                <a:ea typeface="Microsoft JhengHei" pitchFamily="34" charset="-120"/>
+              </a:rPr>
+              <a:t>利路亞</a:t>
+            </a:r>
+            <a:endParaRPr lang="en-US" altLang="zh-TW" sz="6400" b="1" dirty="0">
+              <a:solidFill>
+                <a:srgbClr val="660033"/>
+              </a:solidFill>
+              <a:latin typeface="Microsoft JhengHei" pitchFamily="34" charset="-120"/>
+              <a:ea typeface="Microsoft JhengHei" pitchFamily="34" charset="-120"/>
+            </a:endParaRPr>
+          </a:p>
+        </p:txBody>
+      </p:sp>
+      <p:sp>
+        <p:nvSpPr>
+          <p:cNvPr id="3" name="TextBox 2"/>
+          <p:cNvSpPr txBox="1"/>
+          <p:nvPr/>
+        </p:nvSpPr>
+        <p:spPr>
+          <a:xfrm>
+            <a:off x="0" y="5061181"/>
+            <a:ext cx="12192000" cy="666786"/>
+          </a:xfrm>
+          <a:prstGeom prst="rect">
+            <a:avLst/>
+          </a:prstGeom>
+          <a:noFill/>
+        </p:spPr>
+        <p:txBody>
+          <a:bodyPr wrap="square" rtlCol="0">
+            <a:spAutoFit/>
+          </a:bodyPr>
+          <a:lstStyle/>
+          <a:p>
+            <a:pPr algn="ctr"/>
+            <a:r>
+              <a:rPr lang="en-US" sz="3733" b="1" dirty="0">
+                <a:solidFill>
+                  <a:srgbClr val="660033"/>
+                </a:solidFill>
+              </a:rPr>
+              <a:t>( 3 / 5 )</a:t>
+            </a:r>
+            <a:endParaRPr lang="vi-VN" sz="3733" b="1" dirty="0">
+              <a:solidFill>
+                <a:srgbClr val="660033"/>
+              </a:solidFill>
+            </a:endParaRPr>
+          </a:p>
+        </p:txBody>
+      </p:sp>
+    </p:spTree>
+    <p:extLst>
+      <p:ext uri="{BB962C8B-B14F-4D97-AF65-F5344CB8AC3E}">
+        <p14:creationId xmlns:p14="http://schemas.microsoft.com/office/powerpoint/2010/main" val="698608224"/>
+      </p:ext>
+    </p:extLst>
+  </p:cSld>
+  <p:clrMapOvr>
+    <a:masterClrMapping/>
+  </p:clrMapOvr>
+  <p:timing>
+    <p:tnLst>
+      <p:par>
+        <p:cTn id="1" dur="indefinite" restart="never" nodeType="tmRoot"/>
+      </p:par>
+    </p:tnLst>
+  </p:timing>
+</p:sld>
+</file>
+
+<file path=ppt/slides/slide7.xml><?xml version="1.0" encoding="utf-8"?>
+<p:sld xmlns:a="http://schemas.openxmlformats.org/drawingml/2006/main" xmlns:r="http://schemas.openxmlformats.org/officeDocument/2006/relationships" xmlns:p="http://schemas.openxmlformats.org/presentationml/2006/main">
+  <p:cSld>
+    <p:spTree>
+      <p:nvGrpSpPr>
+        <p:cNvPr id="1" name=""/>
+        <p:cNvGrpSpPr/>
+        <p:nvPr/>
+      </p:nvGrpSpPr>
+      <p:grpSpPr>
+        <a:xfrm>
+          <a:off x="0" y="0"/>
+          <a:ext cx="0" cy="0"/>
+          <a:chOff x="0" y="0"/>
+          <a:chExt cx="0" cy="0"/>
+        </a:xfrm>
+      </p:grpSpPr>
+      <p:sp>
+        <p:nvSpPr>
+          <p:cNvPr id="5" name="內容版面配置區 4"/>
+          <p:cNvSpPr>
+            <a:spLocks noGrp="1"/>
+          </p:cNvSpPr>
+          <p:nvPr>
+            <p:ph idx="1"/>
+          </p:nvPr>
+        </p:nvSpPr>
+        <p:spPr>
+          <a:xfrm>
+            <a:off x="0" y="2084851"/>
+            <a:ext cx="12192000" cy="2404863"/>
+          </a:xfrm>
+        </p:spPr>
+        <p:txBody>
+          <a:bodyPr anchor="ctr">
+            <a:normAutofit/>
+          </a:bodyPr>
+          <a:lstStyle/>
+          <a:p>
+            <a:pPr algn="ctr">
+              <a:buNone/>
+            </a:pPr>
+            <a:r>
+              <a:rPr lang="zh-CN" altLang="en-US" sz="6400" b="1" dirty="0">
+                <a:solidFill>
+                  <a:srgbClr val="660033"/>
+                </a:solidFill>
+                <a:latin typeface="Microsoft JhengHei" pitchFamily="34" charset="-120"/>
+                <a:ea typeface="Microsoft JhengHei" pitchFamily="34" charset="-120"/>
+              </a:rPr>
+              <a:t>出墓更顯大榮</a:t>
+            </a:r>
+            <a:r>
+              <a:rPr lang="zh-CN" altLang="en-US" sz="6400" b="1" dirty="0">
+                <a:solidFill>
+                  <a:srgbClr val="660033"/>
+                </a:solidFill>
+                <a:latin typeface="Microsoft JhengHei" pitchFamily="34" charset="-120"/>
+                <a:ea typeface="Microsoft JhengHei" pitchFamily="34" charset="-120"/>
+              </a:rPr>
+              <a:t>顯</a:t>
+            </a:r>
+            <a:r>
+              <a:rPr lang="en-US" altLang="zh-CN" sz="6400" b="1" dirty="0">
+                <a:solidFill>
+                  <a:srgbClr val="660033"/>
+                </a:solidFill>
+                <a:latin typeface="Microsoft JhengHei" pitchFamily="34" charset="-120"/>
+                <a:ea typeface="Microsoft JhengHei" pitchFamily="34" charset="-120"/>
+              </a:rPr>
+              <a:t>  </a:t>
+            </a:r>
+            <a:r>
+              <a:rPr lang="zh-CN" altLang="en-US" sz="6400" b="1" dirty="0">
+                <a:solidFill>
+                  <a:srgbClr val="660033"/>
+                </a:solidFill>
+                <a:latin typeface="Microsoft JhengHei" pitchFamily="34" charset="-120"/>
+                <a:ea typeface="Microsoft JhengHei" pitchFamily="34" charset="-120"/>
+              </a:rPr>
+              <a:t>阿</a:t>
+            </a:r>
+            <a:r>
+              <a:rPr lang="zh-CN" altLang="en-US" sz="6400" b="1" dirty="0">
+                <a:solidFill>
+                  <a:srgbClr val="660033"/>
+                </a:solidFill>
+                <a:latin typeface="Microsoft JhengHei" pitchFamily="34" charset="-120"/>
+                <a:ea typeface="Microsoft JhengHei" pitchFamily="34" charset="-120"/>
+              </a:rPr>
+              <a:t>利路</a:t>
+            </a:r>
+            <a:r>
+              <a:rPr lang="zh-CN" altLang="en-US" sz="6400" b="1" dirty="0">
+                <a:solidFill>
+                  <a:srgbClr val="660033"/>
+                </a:solidFill>
+                <a:latin typeface="Microsoft JhengHei" pitchFamily="34" charset="-120"/>
+                <a:ea typeface="Microsoft JhengHei" pitchFamily="34" charset="-120"/>
+              </a:rPr>
+              <a:t>亞</a:t>
+            </a:r>
+            <a:endParaRPr lang="en-US" altLang="zh-CN" sz="6400" b="1" dirty="0">
+              <a:solidFill>
+                <a:srgbClr val="660033"/>
+              </a:solidFill>
+              <a:latin typeface="Microsoft JhengHei" pitchFamily="34" charset="-120"/>
+              <a:ea typeface="Microsoft JhengHei" pitchFamily="34" charset="-120"/>
+            </a:endParaRPr>
+          </a:p>
+          <a:p>
+            <a:pPr algn="ctr">
+              <a:buNone/>
+            </a:pPr>
+            <a:r>
+              <a:rPr lang="zh-CN" altLang="en-US" sz="6400" b="1" dirty="0">
+                <a:solidFill>
+                  <a:srgbClr val="660033"/>
+                </a:solidFill>
+                <a:latin typeface="Microsoft JhengHei" pitchFamily="34" charset="-120"/>
+                <a:ea typeface="Microsoft JhengHei" pitchFamily="34" charset="-120"/>
+              </a:rPr>
+              <a:t>如</a:t>
+            </a:r>
+            <a:r>
+              <a:rPr lang="zh-CN" altLang="en-US" sz="6400" b="1" dirty="0">
+                <a:solidFill>
+                  <a:srgbClr val="660033"/>
+                </a:solidFill>
+                <a:latin typeface="Microsoft JhengHei" pitchFamily="34" charset="-120"/>
+                <a:ea typeface="Microsoft JhengHei" pitchFamily="34" charset="-120"/>
+              </a:rPr>
+              <a:t>日暫蝕仍普</a:t>
+            </a:r>
+            <a:r>
+              <a:rPr lang="zh-CN" altLang="en-US" sz="6400" b="1" dirty="0">
+                <a:solidFill>
+                  <a:srgbClr val="660033"/>
+                </a:solidFill>
+                <a:latin typeface="Microsoft JhengHei" pitchFamily="34" charset="-120"/>
+                <a:ea typeface="Microsoft JhengHei" pitchFamily="34" charset="-120"/>
+              </a:rPr>
+              <a:t>照</a:t>
+            </a:r>
+            <a:r>
+              <a:rPr lang="en-US" altLang="zh-CN" sz="6400" b="1" dirty="0">
+                <a:solidFill>
+                  <a:srgbClr val="660033"/>
+                </a:solidFill>
+                <a:latin typeface="Microsoft JhengHei" pitchFamily="34" charset="-120"/>
+                <a:ea typeface="Microsoft JhengHei" pitchFamily="34" charset="-120"/>
+              </a:rPr>
+              <a:t>  </a:t>
+            </a:r>
+            <a:r>
+              <a:rPr lang="zh-CN" altLang="en-US" sz="6400" b="1" dirty="0">
+                <a:solidFill>
+                  <a:srgbClr val="660033"/>
+                </a:solidFill>
+                <a:latin typeface="Microsoft JhengHei" pitchFamily="34" charset="-120"/>
+                <a:ea typeface="Microsoft JhengHei" pitchFamily="34" charset="-120"/>
+              </a:rPr>
+              <a:t>阿</a:t>
+            </a:r>
+            <a:r>
+              <a:rPr lang="zh-CN" altLang="en-US" sz="6400" b="1" dirty="0">
+                <a:solidFill>
+                  <a:srgbClr val="660033"/>
+                </a:solidFill>
+                <a:latin typeface="Microsoft JhengHei" pitchFamily="34" charset="-120"/>
+                <a:ea typeface="Microsoft JhengHei" pitchFamily="34" charset="-120"/>
+              </a:rPr>
+              <a:t>利路亞</a:t>
+            </a:r>
+            <a:endParaRPr lang="en-US" altLang="zh-TW" sz="6400" b="1" dirty="0">
+              <a:solidFill>
+                <a:srgbClr val="660033"/>
+              </a:solidFill>
+              <a:latin typeface="Microsoft JhengHei" pitchFamily="34" charset="-120"/>
+              <a:ea typeface="Microsoft JhengHei" pitchFamily="34" charset="-120"/>
+            </a:endParaRPr>
+          </a:p>
+        </p:txBody>
+      </p:sp>
+      <p:sp>
+        <p:nvSpPr>
+          <p:cNvPr id="3" name="TextBox 2"/>
+          <p:cNvSpPr txBox="1"/>
+          <p:nvPr/>
+        </p:nvSpPr>
+        <p:spPr>
+          <a:xfrm>
+            <a:off x="0" y="5061181"/>
+            <a:ext cx="12192000" cy="666786"/>
+          </a:xfrm>
+          <a:prstGeom prst="rect">
+            <a:avLst/>
+          </a:prstGeom>
+          <a:noFill/>
+        </p:spPr>
+        <p:txBody>
+          <a:bodyPr wrap="square" rtlCol="0">
+            <a:spAutoFit/>
+          </a:bodyPr>
+          <a:lstStyle/>
+          <a:p>
+            <a:pPr algn="ctr"/>
+            <a:r>
+              <a:rPr lang="en-US" sz="3733" b="1" dirty="0">
+                <a:solidFill>
+                  <a:srgbClr val="660033"/>
+                </a:solidFill>
+              </a:rPr>
+              <a:t>( 3 / 5 )</a:t>
+            </a:r>
+            <a:endParaRPr lang="vi-VN" sz="3733" b="1" dirty="0">
+              <a:solidFill>
+                <a:srgbClr val="660033"/>
+              </a:solidFill>
+            </a:endParaRPr>
+          </a:p>
+        </p:txBody>
+      </p:sp>
+    </p:spTree>
+    <p:extLst>
+      <p:ext uri="{BB962C8B-B14F-4D97-AF65-F5344CB8AC3E}">
+        <p14:creationId xmlns:p14="http://schemas.microsoft.com/office/powerpoint/2010/main" val="2387244885"/>
+      </p:ext>
+    </p:extLst>
+  </p:cSld>
+  <p:clrMapOvr>
+    <a:masterClrMapping/>
+  </p:clrMapOvr>
+  <p:timing>
+    <p:tnLst>
+      <p:par>
+        <p:cTn id="1" dur="indefinite" restart="never" nodeType="tmRoot"/>
+      </p:par>
+    </p:tnLst>
+  </p:timing>
+</p:sld>
+</file>
+
+<file path=ppt/slides/slide8.xml><?xml version="1.0" encoding="utf-8"?>
+<p:sld xmlns:a="http://schemas.openxmlformats.org/drawingml/2006/main" xmlns:r="http://schemas.openxmlformats.org/officeDocument/2006/relationships" xmlns:p="http://schemas.openxmlformats.org/presentationml/2006/main">
+  <p:cSld>
+    <p:spTree>
+      <p:nvGrpSpPr>
+        <p:cNvPr id="1" name=""/>
+        <p:cNvGrpSpPr/>
+        <p:nvPr/>
+      </p:nvGrpSpPr>
+      <p:grpSpPr>
+        <a:xfrm>
+          <a:off x="0" y="0"/>
+          <a:ext cx="0" cy="0"/>
+          <a:chOff x="0" y="0"/>
+          <a:chExt cx="0" cy="0"/>
+        </a:xfrm>
+      </p:grpSpPr>
+      <p:sp>
+        <p:nvSpPr>
+          <p:cNvPr id="5" name="內容版面配置區 4"/>
+          <p:cNvSpPr>
+            <a:spLocks noGrp="1"/>
+          </p:cNvSpPr>
+          <p:nvPr>
+            <p:ph idx="1"/>
+          </p:nvPr>
+        </p:nvSpPr>
+        <p:spPr>
+          <a:xfrm>
+            <a:off x="0" y="2084851"/>
+            <a:ext cx="12192000" cy="2404863"/>
+          </a:xfrm>
+        </p:spPr>
+        <p:txBody>
+          <a:bodyPr anchor="ctr">
+            <a:normAutofit/>
+          </a:bodyPr>
+          <a:lstStyle/>
+          <a:p>
+            <a:pPr algn="ctr">
+              <a:buNone/>
+            </a:pPr>
+            <a:r>
+              <a:rPr lang="zh-CN" altLang="en-US" sz="6400" b="1" dirty="0">
+                <a:solidFill>
+                  <a:srgbClr val="660033"/>
+                </a:solidFill>
+                <a:latin typeface="Microsoft JhengHei" pitchFamily="34" charset="-120"/>
+                <a:ea typeface="Microsoft JhengHei" pitchFamily="34" charset="-120"/>
+              </a:rPr>
+              <a:t>耶穌復活不再</a:t>
+            </a:r>
+            <a:r>
+              <a:rPr lang="zh-CN" altLang="en-US" sz="6400" b="1" dirty="0">
+                <a:solidFill>
+                  <a:srgbClr val="660033"/>
+                </a:solidFill>
+                <a:latin typeface="Microsoft JhengHei" pitchFamily="34" charset="-120"/>
+                <a:ea typeface="Microsoft JhengHei" pitchFamily="34" charset="-120"/>
+              </a:rPr>
+              <a:t>死</a:t>
+            </a:r>
+            <a:r>
+              <a:rPr lang="en-US" altLang="zh-CN" sz="6400" b="1" dirty="0">
+                <a:solidFill>
+                  <a:srgbClr val="660033"/>
+                </a:solidFill>
+                <a:latin typeface="Microsoft JhengHei" pitchFamily="34" charset="-120"/>
+                <a:ea typeface="Microsoft JhengHei" pitchFamily="34" charset="-120"/>
+              </a:rPr>
+              <a:t>  </a:t>
+            </a:r>
+            <a:r>
+              <a:rPr lang="zh-CN" altLang="en-US" sz="6400" b="1" dirty="0">
+                <a:solidFill>
+                  <a:srgbClr val="660033"/>
+                </a:solidFill>
+                <a:latin typeface="Microsoft JhengHei" pitchFamily="34" charset="-120"/>
+                <a:ea typeface="Microsoft JhengHei" pitchFamily="34" charset="-120"/>
+              </a:rPr>
+              <a:t>阿</a:t>
+            </a:r>
+            <a:r>
+              <a:rPr lang="zh-CN" altLang="en-US" sz="6400" b="1" dirty="0">
+                <a:solidFill>
+                  <a:srgbClr val="660033"/>
+                </a:solidFill>
+                <a:latin typeface="Microsoft JhengHei" pitchFamily="34" charset="-120"/>
+                <a:ea typeface="Microsoft JhengHei" pitchFamily="34" charset="-120"/>
+              </a:rPr>
+              <a:t>利路</a:t>
+            </a:r>
+            <a:r>
+              <a:rPr lang="zh-CN" altLang="en-US" sz="6400" b="1" dirty="0">
+                <a:solidFill>
+                  <a:srgbClr val="660033"/>
+                </a:solidFill>
+                <a:latin typeface="Microsoft JhengHei" pitchFamily="34" charset="-120"/>
+                <a:ea typeface="Microsoft JhengHei" pitchFamily="34" charset="-120"/>
+              </a:rPr>
+              <a:t>亞</a:t>
+            </a:r>
+            <a:endParaRPr lang="en-US" altLang="zh-CN" sz="6400" b="1" dirty="0">
+              <a:solidFill>
+                <a:srgbClr val="660033"/>
+              </a:solidFill>
+              <a:latin typeface="Microsoft JhengHei" pitchFamily="34" charset="-120"/>
+              <a:ea typeface="Microsoft JhengHei" pitchFamily="34" charset="-120"/>
+            </a:endParaRPr>
+          </a:p>
+          <a:p>
+            <a:pPr algn="ctr">
+              <a:buNone/>
+            </a:pPr>
+            <a:r>
+              <a:rPr lang="zh-CN" altLang="en-US" sz="6400" b="1" dirty="0">
+                <a:solidFill>
+                  <a:srgbClr val="660033"/>
+                </a:solidFill>
+                <a:latin typeface="Microsoft JhengHei" pitchFamily="34" charset="-120"/>
+                <a:ea typeface="Microsoft JhengHei" pitchFamily="34" charset="-120"/>
+              </a:rPr>
+              <a:t>撒</a:t>
+            </a:r>
+            <a:r>
+              <a:rPr lang="zh-CN" altLang="en-US" sz="6400" b="1" dirty="0">
+                <a:solidFill>
+                  <a:srgbClr val="660033"/>
+                </a:solidFill>
+                <a:latin typeface="Microsoft JhengHei" pitchFamily="34" charset="-120"/>
+                <a:ea typeface="Microsoft JhengHei" pitchFamily="34" charset="-120"/>
+              </a:rPr>
+              <a:t>但計窮必若</a:t>
+            </a:r>
+            <a:r>
+              <a:rPr lang="zh-CN" altLang="en-US" sz="6400" b="1" dirty="0">
+                <a:solidFill>
+                  <a:srgbClr val="660033"/>
+                </a:solidFill>
+                <a:latin typeface="Microsoft JhengHei" pitchFamily="34" charset="-120"/>
+                <a:ea typeface="Microsoft JhengHei" pitchFamily="34" charset="-120"/>
+              </a:rPr>
+              <a:t>刺</a:t>
+            </a:r>
+            <a:r>
+              <a:rPr lang="en-US" altLang="zh-CN" sz="6400" b="1" dirty="0">
+                <a:solidFill>
+                  <a:srgbClr val="660033"/>
+                </a:solidFill>
+                <a:latin typeface="Microsoft JhengHei" pitchFamily="34" charset="-120"/>
+                <a:ea typeface="Microsoft JhengHei" pitchFamily="34" charset="-120"/>
+              </a:rPr>
+              <a:t>  </a:t>
+            </a:r>
+            <a:r>
+              <a:rPr lang="zh-CN" altLang="en-US" sz="6400" b="1" dirty="0">
+                <a:solidFill>
+                  <a:srgbClr val="660033"/>
+                </a:solidFill>
+                <a:latin typeface="Microsoft JhengHei" pitchFamily="34" charset="-120"/>
+                <a:ea typeface="Microsoft JhengHei" pitchFamily="34" charset="-120"/>
+              </a:rPr>
+              <a:t>阿</a:t>
+            </a:r>
+            <a:r>
+              <a:rPr lang="zh-CN" altLang="en-US" sz="6400" b="1" dirty="0">
+                <a:solidFill>
+                  <a:srgbClr val="660033"/>
+                </a:solidFill>
+                <a:latin typeface="Microsoft JhengHei" pitchFamily="34" charset="-120"/>
+                <a:ea typeface="Microsoft JhengHei" pitchFamily="34" charset="-120"/>
+              </a:rPr>
+              <a:t>利路亞</a:t>
+            </a:r>
+            <a:endParaRPr lang="en-US" altLang="zh-TW" sz="6400" b="1" dirty="0">
+              <a:solidFill>
+                <a:srgbClr val="660033"/>
+              </a:solidFill>
+              <a:latin typeface="Microsoft JhengHei" pitchFamily="34" charset="-120"/>
+              <a:ea typeface="Microsoft JhengHei" pitchFamily="34" charset="-120"/>
+            </a:endParaRPr>
+          </a:p>
+        </p:txBody>
+      </p:sp>
+      <p:sp>
+        <p:nvSpPr>
+          <p:cNvPr id="3" name="TextBox 2"/>
+          <p:cNvSpPr txBox="1"/>
+          <p:nvPr/>
+        </p:nvSpPr>
+        <p:spPr>
+          <a:xfrm>
+            <a:off x="0" y="5061181"/>
+            <a:ext cx="12192000" cy="666786"/>
+          </a:xfrm>
+          <a:prstGeom prst="rect">
+            <a:avLst/>
+          </a:prstGeom>
+          <a:noFill/>
+        </p:spPr>
+        <p:txBody>
+          <a:bodyPr wrap="square" rtlCol="0">
+            <a:spAutoFit/>
+          </a:bodyPr>
+          <a:lstStyle/>
+          <a:p>
+            <a:pPr algn="ctr"/>
+            <a:r>
+              <a:rPr lang="en-US" sz="3733" b="1" dirty="0">
+                <a:solidFill>
+                  <a:srgbClr val="660033"/>
+                </a:solidFill>
+              </a:rPr>
+              <a:t>( 4 / 5 )</a:t>
+            </a:r>
+            <a:endParaRPr lang="vi-VN" sz="3733" b="1" dirty="0">
+              <a:solidFill>
+                <a:srgbClr val="660033"/>
+              </a:solidFill>
+            </a:endParaRPr>
+          </a:p>
+        </p:txBody>
+      </p:sp>
+    </p:spTree>
+    <p:extLst>
+      <p:ext uri="{BB962C8B-B14F-4D97-AF65-F5344CB8AC3E}">
+        <p14:creationId xmlns:p14="http://schemas.microsoft.com/office/powerpoint/2010/main" val="16742740"/>
+      </p:ext>
+    </p:extLst>
+  </p:cSld>
+  <p:clrMapOvr>
+    <a:masterClrMapping/>
+  </p:clrMapOvr>
+  <p:timing>
+    <p:tnLst>
+      <p:par>
+        <p:cTn id="1" dur="indefinite" restart="never" nodeType="tmRoot"/>
+      </p:par>
+    </p:tnLst>
+  </p:timing>
+</p:sld>
+</file>
+
+<file path=ppt/slides/slide9.xml><?xml version="1.0" encoding="utf-8"?>
+<p:sld xmlns:a="http://schemas.openxmlformats.org/drawingml/2006/main" xmlns:r="http://schemas.openxmlformats.org/officeDocument/2006/relationships" xmlns:p="http://schemas.openxmlformats.org/presentationml/2006/main">
+  <p:cSld>
+    <p:spTree>
+      <p:nvGrpSpPr>
+        <p:cNvPr id="1" name=""/>
+        <p:cNvGrpSpPr/>
+        <p:nvPr/>
+      </p:nvGrpSpPr>
+      <p:grpSpPr>
+        <a:xfrm>
+          <a:off x="0" y="0"/>
+          <a:ext cx="0" cy="0"/>
+          <a:chOff x="0" y="0"/>
+          <a:chExt cx="0" cy="0"/>
+        </a:xfrm>
+      </p:grpSpPr>
+      <p:sp>
+        <p:nvSpPr>
+          <p:cNvPr id="5" name="內容版面配置區 4"/>
+          <p:cNvSpPr>
+            <a:spLocks noGrp="1"/>
+          </p:cNvSpPr>
+          <p:nvPr>
+            <p:ph idx="1"/>
+          </p:nvPr>
+        </p:nvSpPr>
+        <p:spPr>
+          <a:xfrm>
+            <a:off x="0" y="2084851"/>
+            <a:ext cx="12192000" cy="2404863"/>
+          </a:xfrm>
+        </p:spPr>
+        <p:txBody>
+          <a:bodyPr anchor="ctr">
+            <a:normAutofit/>
+          </a:bodyPr>
+          <a:lstStyle/>
+          <a:p>
+            <a:pPr algn="ctr">
+              <a:buNone/>
+            </a:pPr>
+            <a:r>
+              <a:rPr lang="zh-CN" altLang="en-US" sz="6400" b="1" dirty="0">
+                <a:solidFill>
+                  <a:srgbClr val="660033"/>
+                </a:solidFill>
+                <a:latin typeface="Microsoft JhengHei" pitchFamily="34" charset="-120"/>
+                <a:ea typeface="Microsoft JhengHei" pitchFamily="34" charset="-120"/>
+              </a:rPr>
+              <a:t>當時看見主墓空</a:t>
+            </a:r>
+            <a:r>
+              <a:rPr lang="en-US" altLang="zh-CN" sz="6400" b="1" dirty="0">
+                <a:solidFill>
+                  <a:srgbClr val="660033"/>
+                </a:solidFill>
+                <a:latin typeface="Microsoft JhengHei" pitchFamily="34" charset="-120"/>
+                <a:ea typeface="Microsoft JhengHei" pitchFamily="34" charset="-120"/>
+              </a:rPr>
+              <a:t>  </a:t>
+            </a:r>
+            <a:r>
+              <a:rPr lang="zh-CN" altLang="en-US" sz="6400" b="1" dirty="0">
+                <a:solidFill>
+                  <a:srgbClr val="660033"/>
+                </a:solidFill>
+                <a:latin typeface="Microsoft JhengHei" pitchFamily="34" charset="-120"/>
+                <a:ea typeface="Microsoft JhengHei" pitchFamily="34" charset="-120"/>
+              </a:rPr>
+              <a:t>阿利路亞</a:t>
+            </a:r>
+            <a:endParaRPr lang="en-US" altLang="zh-CN" sz="6400" b="1" dirty="0">
+              <a:solidFill>
+                <a:srgbClr val="660033"/>
+              </a:solidFill>
+              <a:latin typeface="Microsoft JhengHei" pitchFamily="34" charset="-120"/>
+              <a:ea typeface="Microsoft JhengHei" pitchFamily="34" charset="-120"/>
+            </a:endParaRPr>
+          </a:p>
+          <a:p>
+            <a:pPr algn="ctr">
+              <a:buNone/>
+            </a:pPr>
+            <a:r>
+              <a:rPr lang="zh-CN" altLang="en-US" sz="6400" b="1" dirty="0">
+                <a:solidFill>
+                  <a:srgbClr val="660033"/>
+                </a:solidFill>
+                <a:latin typeface="Microsoft JhengHei" pitchFamily="34" charset="-120"/>
+                <a:ea typeface="Microsoft JhengHei" pitchFamily="34" charset="-120"/>
+              </a:rPr>
+              <a:t>主顯權能永無窮</a:t>
+            </a:r>
+            <a:r>
+              <a:rPr lang="en-US" altLang="zh-CN" sz="6400" b="1" dirty="0">
+                <a:solidFill>
+                  <a:srgbClr val="660033"/>
+                </a:solidFill>
+                <a:latin typeface="Microsoft JhengHei" pitchFamily="34" charset="-120"/>
+                <a:ea typeface="Microsoft JhengHei" pitchFamily="34" charset="-120"/>
+              </a:rPr>
+              <a:t>  </a:t>
+            </a:r>
+            <a:r>
+              <a:rPr lang="zh-CN" altLang="en-US" sz="6400" b="1" dirty="0">
+                <a:solidFill>
+                  <a:srgbClr val="660033"/>
+                </a:solidFill>
+                <a:latin typeface="Microsoft JhengHei" pitchFamily="34" charset="-120"/>
+                <a:ea typeface="Microsoft JhengHei" pitchFamily="34" charset="-120"/>
+              </a:rPr>
+              <a:t>阿利路亞</a:t>
+            </a:r>
+            <a:endParaRPr lang="en-US" altLang="zh-TW" sz="6400" b="1" dirty="0">
+              <a:solidFill>
+                <a:srgbClr val="660033"/>
+              </a:solidFill>
+              <a:latin typeface="Microsoft JhengHei" pitchFamily="34" charset="-120"/>
+              <a:ea typeface="Microsoft JhengHei" pitchFamily="34" charset="-120"/>
+            </a:endParaRPr>
+          </a:p>
+        </p:txBody>
+      </p:sp>
+      <p:sp>
+        <p:nvSpPr>
+          <p:cNvPr id="3" name="TextBox 2"/>
+          <p:cNvSpPr txBox="1"/>
+          <p:nvPr/>
+        </p:nvSpPr>
+        <p:spPr>
+          <a:xfrm>
+            <a:off x="0" y="5061181"/>
+            <a:ext cx="12192000" cy="666786"/>
+          </a:xfrm>
+          <a:prstGeom prst="rect">
+            <a:avLst/>
+          </a:prstGeom>
+          <a:noFill/>
+        </p:spPr>
+        <p:txBody>
+          <a:bodyPr wrap="square" rtlCol="0">
+            <a:spAutoFit/>
+          </a:bodyPr>
+          <a:lstStyle/>
+          <a:p>
+            <a:pPr algn="ctr"/>
+            <a:r>
+              <a:rPr lang="en-US" sz="3733" b="1" dirty="0">
+                <a:solidFill>
+                  <a:srgbClr val="660033"/>
+                </a:solidFill>
+              </a:rPr>
+              <a:t>( 4 / 5 )</a:t>
+            </a:r>
+            <a:endParaRPr lang="vi-VN" sz="3733" b="1" dirty="0">
+              <a:solidFill>
+                <a:srgbClr val="660033"/>
+              </a:solidFill>
+            </a:endParaRPr>
+          </a:p>
+        </p:txBody>
+      </p:sp>
+    </p:spTree>
+    <p:extLst>
+      <p:ext uri="{BB962C8B-B14F-4D97-AF65-F5344CB8AC3E}">
+        <p14:creationId xmlns:p14="http://schemas.microsoft.com/office/powerpoint/2010/main" val="484422595"/>
+      </p:ext>
+    </p:extLst>
+  </p:cSld>
+  <p:clrMapOvr>
+    <a:masterClrMapping/>
+  </p:clrMapOvr>
+  <p:timing>
+    <p:tnLst>
+      <p:par>
+        <p:cTn id="1" dur="indefinite" restart="never" nodeType="tmRoot"/>
+      </p:par>
+    </p:tnLst>
+  </p:timing>
 </p:sld>
 </file>
 
 <file path=ppt/theme/theme1.xml><?xml version="1.0" encoding="utf-8"?>
-<a:theme xmlns:a="http://schemas.openxmlformats.org/drawingml/2006/main" name="Office 佈景主題">
+<a:theme xmlns:a="http://schemas.openxmlformats.org/drawingml/2006/main" name="Theme1">
   <a:themeElements>
     <a:clrScheme name="Office">
       <a:dk1>
@@ -4192,5 +5950,10 @@
   </a:themeElements>
   <a:objectDefaults/>
   <a:extraClrSchemeLst/>
+  <a:extLst>
+    <a:ext uri="{05A4C25C-085E-4340-85A3-A5531E510DB2}">
+      <thm15:themeFamily xmlns:thm15="http://schemas.microsoft.com/office/thememl/2012/main" name="Theme1" id="{50C947AA-E878-4387-BE9D-589F450EFB2D}" vid="{E1718405-23E7-4778-B443-999E460CE376}"/>
+    </a:ext>
+  </a:extLst>
 </a:theme>
 </file>